--- a/RxJs.Website/RxJs.pptx
+++ b/RxJs.Website/RxJs.pptx
@@ -140,6 +140,86 @@
       </a:defRPr>
     </a:lvl9pPr>
   </p:defaultTextStyle>
+  <p:extLst>
+    <p:ext uri="{EFAFB233-063F-42B5-8137-9DF3F51BA10A}">
+      <p15:sldGuideLst xmlns:p15="http://schemas.microsoft.com/office/powerpoint/2012/main">
+        <p15:guide id="1" orient="horz" pos="144">
+          <p15:clr>
+            <a:srgbClr val="A4A3A4"/>
+          </p15:clr>
+        </p15:guide>
+        <p15:guide id="2" orient="horz" pos="1200">
+          <p15:clr>
+            <a:srgbClr val="A4A3A4"/>
+          </p15:clr>
+        </p15:guide>
+        <p15:guide id="3" orient="horz" pos="2736">
+          <p15:clr>
+            <a:srgbClr val="A4A3A4"/>
+          </p15:clr>
+        </p15:guide>
+        <p15:guide id="4" orient="horz" pos="4176">
+          <p15:clr>
+            <a:srgbClr val="A4A3A4"/>
+          </p15:clr>
+        </p15:guide>
+        <p15:guide id="5" orient="horz" pos="1488">
+          <p15:clr>
+            <a:srgbClr val="A4A3A4"/>
+          </p15:clr>
+        </p15:guide>
+        <p15:guide id="6" orient="horz" pos="912">
+          <p15:clr>
+            <a:srgbClr val="A4A3A4"/>
+          </p15:clr>
+        </p15:guide>
+        <p15:guide id="7" pos="3839">
+          <p15:clr>
+            <a:srgbClr val="A4A3A4"/>
+          </p15:clr>
+        </p15:guide>
+        <p15:guide id="8" pos="327">
+          <p15:clr>
+            <a:srgbClr val="A4A3A4"/>
+          </p15:clr>
+        </p15:guide>
+        <p15:guide id="9" pos="1190">
+          <p15:clr>
+            <a:srgbClr val="A4A3A4"/>
+          </p15:clr>
+        </p15:guide>
+        <p15:guide id="10" pos="7350">
+          <p15:clr>
+            <a:srgbClr val="A4A3A4"/>
+          </p15:clr>
+        </p15:guide>
+        <p15:guide id="11" pos="7063">
+          <p15:clr>
+            <a:srgbClr val="A4A3A4"/>
+          </p15:clr>
+        </p15:guide>
+        <p15:guide id="12" pos="611">
+          <p15:clr>
+            <a:srgbClr val="A4A3A4"/>
+          </p15:clr>
+        </p15:guide>
+      </p15:sldGuideLst>
+    </p:ext>
+    <p:ext uri="{2D200454-40CA-4A62-9FC3-DE9A4176ACB9}">
+      <p15:notesGuideLst xmlns:p15="http://schemas.microsoft.com/office/powerpoint/2012/main">
+        <p15:guide id="1" orient="horz" pos="2880">
+          <p15:clr>
+            <a:srgbClr val="A4A3A4"/>
+          </p15:clr>
+        </p15:guide>
+        <p15:guide id="2" pos="2160">
+          <p15:clr>
+            <a:srgbClr val="A4A3A4"/>
+          </p15:clr>
+        </p15:guide>
+      </p15:notesGuideLst>
+    </p:ext>
+  </p:extLst>
 </p:presentation>
 </file>
 
@@ -1040,7 +1120,7 @@
         <a:lstStyle/>
         <a:p>
           <a:r>
-            <a:rPr lang="en-US" dirty="0" err="1" smtClean="0"/>
+            <a:rPr lang="en-US" dirty="0" err="1"/>
             <a:t>SelectMany</a:t>
           </a:r>
           <a:endParaRPr lang="en-US" dirty="0"/>
@@ -1077,7 +1157,7 @@
         <a:lstStyle/>
         <a:p>
           <a:r>
-            <a:rPr lang="en-US" dirty="0" smtClean="0"/>
+            <a:rPr lang="en-US" dirty="0"/>
             <a:t>Merge</a:t>
           </a:r>
         </a:p>
@@ -1113,7 +1193,7 @@
         <a:lstStyle/>
         <a:p>
           <a:r>
-            <a:rPr lang="en-US" dirty="0" smtClean="0"/>
+            <a:rPr lang="en-US" dirty="0"/>
             <a:t>Zip</a:t>
           </a:r>
         </a:p>
@@ -1149,10 +1229,10 @@
         <a:lstStyle/>
         <a:p>
           <a:r>
-            <a:rPr lang="en-US" dirty="0" err="1" smtClean="0"/>
+            <a:rPr lang="en-US" dirty="0" err="1"/>
             <a:t>Amb</a:t>
           </a:r>
-          <a:endParaRPr lang="en-US" dirty="0" smtClean="0"/>
+          <a:endParaRPr lang="en-US" dirty="0"/>
         </a:p>
       </dgm:t>
     </dgm:pt>
@@ -1186,10 +1266,10 @@
         <a:lstStyle/>
         <a:p>
           <a:r>
-            <a:rPr lang="en-US" dirty="0" err="1" smtClean="0"/>
+            <a:rPr lang="en-US" dirty="0" err="1"/>
             <a:t>CombineLatest</a:t>
           </a:r>
-          <a:endParaRPr lang="en-US" dirty="0" smtClean="0"/>
+          <a:endParaRPr lang="en-US" dirty="0"/>
         </a:p>
       </dgm:t>
     </dgm:pt>
@@ -1223,10 +1303,10 @@
         <a:lstStyle/>
         <a:p>
           <a:r>
-            <a:rPr lang="en-US" dirty="0" err="1" smtClean="0"/>
+            <a:rPr lang="en-US" dirty="0" err="1"/>
             <a:t>TakeUntil</a:t>
           </a:r>
-          <a:endParaRPr lang="en-US" dirty="0" smtClean="0"/>
+          <a:endParaRPr lang="en-US" dirty="0"/>
         </a:p>
       </dgm:t>
     </dgm:pt>
@@ -1260,10 +1340,10 @@
         <a:lstStyle/>
         <a:p>
           <a:r>
-            <a:rPr lang="en-US" dirty="0" err="1" smtClean="0"/>
+            <a:rPr lang="en-US" dirty="0" err="1"/>
             <a:t>TakeWhile</a:t>
           </a:r>
-          <a:endParaRPr lang="en-US" dirty="0" smtClean="0"/>
+          <a:endParaRPr lang="en-US" dirty="0"/>
         </a:p>
       </dgm:t>
     </dgm:pt>
@@ -1297,7 +1377,7 @@
         <a:lstStyle/>
         <a:p>
           <a:r>
-            <a:rPr lang="en-US" dirty="0" smtClean="0"/>
+            <a:rPr lang="en-US" dirty="0"/>
             <a:t>Combine</a:t>
           </a:r>
         </a:p>
@@ -1333,10 +1413,9 @@
         <a:lstStyle/>
         <a:p>
           <a:r>
-            <a:rPr lang="en-US" dirty="0" smtClean="0"/>
+            <a:rPr lang="en-US" dirty="0"/>
             <a:t>Switch</a:t>
           </a:r>
-          <a:endParaRPr lang="en-US" dirty="0"/>
         </a:p>
       </dgm:t>
     </dgm:pt>
@@ -1370,7 +1449,7 @@
         <a:lstStyle/>
         <a:p>
           <a:r>
-            <a:rPr lang="en-US" dirty="0" err="1" smtClean="0"/>
+            <a:rPr lang="en-US" dirty="0" err="1"/>
             <a:t>StartWith</a:t>
           </a:r>
           <a:endParaRPr lang="en-US" dirty="0"/>
@@ -1407,7 +1486,7 @@
         <a:lstStyle/>
         <a:p>
           <a:r>
-            <a:rPr lang="en-US" dirty="0" err="1" smtClean="0"/>
+            <a:rPr lang="en-US" dirty="0" err="1"/>
             <a:t>Concat</a:t>
           </a:r>
           <a:endParaRPr lang="en-US" dirty="0"/>
@@ -1444,7 +1523,7 @@
         <a:lstStyle/>
         <a:p>
           <a:r>
-            <a:rPr lang="en-US" dirty="0" err="1" smtClean="0"/>
+            <a:rPr lang="en-US" dirty="0" err="1"/>
             <a:t>SkipWhile</a:t>
           </a:r>
           <a:endParaRPr lang="en-US" dirty="0"/>
@@ -1547,13 +1626,6 @@
         </dgm:presLayoutVars>
       </dgm:prSet>
       <dgm:spPr/>
-      <dgm:t>
-        <a:bodyPr/>
-        <a:lstStyle/>
-        <a:p>
-          <a:endParaRPr lang="en-US"/>
-        </a:p>
-      </dgm:t>
     </dgm:pt>
     <dgm:pt modelId="{BC9F06D4-4EB0-4CDF-908A-D142683935B0}" type="pres">
       <dgm:prSet presAssocID="{675C954F-1B5C-44CB-8BD8-F70F4CB338EE}" presName="text1" presStyleCnt="0"/>
@@ -1568,13 +1640,6 @@
         </dgm:presLayoutVars>
       </dgm:prSet>
       <dgm:spPr/>
-      <dgm:t>
-        <a:bodyPr/>
-        <a:lstStyle/>
-        <a:p>
-          <a:endParaRPr lang="en-US"/>
-        </a:p>
-      </dgm:t>
     </dgm:pt>
     <dgm:pt modelId="{9D3B70E5-DFE0-40E5-B632-862FC192A02F}" type="pres">
       <dgm:prSet presAssocID="{675C954F-1B5C-44CB-8BD8-F70F4CB338EE}" presName="textaccent1" presStyleCnt="0"/>
@@ -1591,13 +1656,6 @@
     <dgm:pt modelId="{20A4C30A-7869-4375-8F44-4BD6B9318DAC}" type="pres">
       <dgm:prSet presAssocID="{DD302E95-26FA-4245-9B4A-123CFD5A461B}" presName="imageRepeatNode" presStyleLbl="alignAcc1" presStyleIdx="0" presStyleCnt="12"/>
       <dgm:spPr/>
-      <dgm:t>
-        <a:bodyPr/>
-        <a:lstStyle/>
-        <a:p>
-          <a:endParaRPr lang="en-US"/>
-        </a:p>
-      </dgm:t>
     </dgm:pt>
     <dgm:pt modelId="{3633DABB-7800-4D6B-96CA-F31EB2E5046F}" type="pres">
       <dgm:prSet presAssocID="{DD302E95-26FA-4245-9B4A-123CFD5A461B}" presName="imageaccent1" presStyleCnt="0"/>
@@ -1620,13 +1678,6 @@
         </dgm:presLayoutVars>
       </dgm:prSet>
       <dgm:spPr/>
-      <dgm:t>
-        <a:bodyPr/>
-        <a:lstStyle/>
-        <a:p>
-          <a:endParaRPr lang="en-US"/>
-        </a:p>
-      </dgm:t>
     </dgm:pt>
     <dgm:pt modelId="{497E6226-70C8-4CA2-B7BE-F5A7D9F34425}" type="pres">
       <dgm:prSet presAssocID="{C025562B-DAA9-43CA-97E6-EBE317128848}" presName="textaccent2" presStyleCnt="0"/>
@@ -1643,13 +1694,6 @@
     <dgm:pt modelId="{9104032F-EC43-4047-8487-92D04FBDAF64}" type="pres">
       <dgm:prSet presAssocID="{8AABBC47-5C0E-4FF6-A86C-F82CD364292D}" presName="imageRepeatNode" presStyleLbl="alignAcc1" presStyleIdx="1" presStyleCnt="12"/>
       <dgm:spPr/>
-      <dgm:t>
-        <a:bodyPr/>
-        <a:lstStyle/>
-        <a:p>
-          <a:endParaRPr lang="en-US"/>
-        </a:p>
-      </dgm:t>
     </dgm:pt>
     <dgm:pt modelId="{0EBD85F8-23CE-44DA-A05D-D59790A84A97}" type="pres">
       <dgm:prSet presAssocID="{8AABBC47-5C0E-4FF6-A86C-F82CD364292D}" presName="imageaccent2" presStyleCnt="0"/>
@@ -1672,13 +1716,6 @@
         </dgm:presLayoutVars>
       </dgm:prSet>
       <dgm:spPr/>
-      <dgm:t>
-        <a:bodyPr/>
-        <a:lstStyle/>
-        <a:p>
-          <a:endParaRPr lang="en-US"/>
-        </a:p>
-      </dgm:t>
     </dgm:pt>
     <dgm:pt modelId="{AE8EC574-8EC7-4F93-8047-6BE344238E50}" type="pres">
       <dgm:prSet presAssocID="{57C3B038-40D9-4C14-9FA0-AA10EF057045}" presName="textaccent3" presStyleCnt="0"/>
@@ -1695,13 +1732,6 @@
     <dgm:pt modelId="{F569B4C5-4FFE-444E-89A1-3C138066ED4B}" type="pres">
       <dgm:prSet presAssocID="{7307FABA-4F61-48C4-AC77-56F18B3090FB}" presName="imageRepeatNode" presStyleLbl="alignAcc1" presStyleIdx="2" presStyleCnt="12"/>
       <dgm:spPr/>
-      <dgm:t>
-        <a:bodyPr/>
-        <a:lstStyle/>
-        <a:p>
-          <a:endParaRPr lang="en-US"/>
-        </a:p>
-      </dgm:t>
     </dgm:pt>
     <dgm:pt modelId="{0635C9DC-2AA3-42B0-8347-2AE628AFB696}" type="pres">
       <dgm:prSet presAssocID="{7307FABA-4F61-48C4-AC77-56F18B3090FB}" presName="imageaccent3" presStyleCnt="0"/>
@@ -1724,13 +1754,6 @@
         </dgm:presLayoutVars>
       </dgm:prSet>
       <dgm:spPr/>
-      <dgm:t>
-        <a:bodyPr/>
-        <a:lstStyle/>
-        <a:p>
-          <a:endParaRPr lang="en-US"/>
-        </a:p>
-      </dgm:t>
     </dgm:pt>
     <dgm:pt modelId="{55E8D64E-A499-4CBE-8DE5-6F378E6E4391}" type="pres">
       <dgm:prSet presAssocID="{276C1E9A-4387-4CA4-8677-A633EBCCFC03}" presName="textaccent4" presStyleCnt="0"/>
@@ -1747,13 +1770,6 @@
     <dgm:pt modelId="{9B34B889-658D-42A3-881A-AA9CA0E0475D}" type="pres">
       <dgm:prSet presAssocID="{CFFE10F9-455F-4B60-BB0C-EBE57B849664}" presName="imageRepeatNode" presStyleLbl="alignAcc1" presStyleIdx="3" presStyleCnt="12"/>
       <dgm:spPr/>
-      <dgm:t>
-        <a:bodyPr/>
-        <a:lstStyle/>
-        <a:p>
-          <a:endParaRPr lang="en-US"/>
-        </a:p>
-      </dgm:t>
     </dgm:pt>
     <dgm:pt modelId="{C73B2D76-B6B3-4FB4-A983-941A064F13E5}" type="pres">
       <dgm:prSet presAssocID="{CFFE10F9-455F-4B60-BB0C-EBE57B849664}" presName="imageaccent4" presStyleCnt="0"/>
@@ -1776,13 +1792,6 @@
         </dgm:presLayoutVars>
       </dgm:prSet>
       <dgm:spPr/>
-      <dgm:t>
-        <a:bodyPr/>
-        <a:lstStyle/>
-        <a:p>
-          <a:endParaRPr lang="en-US"/>
-        </a:p>
-      </dgm:t>
     </dgm:pt>
     <dgm:pt modelId="{CC364F6E-8370-4582-A946-F10C11382675}" type="pres">
       <dgm:prSet presAssocID="{D09994F6-6AF7-4B02-8CD4-7033DB9C75EA}" presName="textaccent5" presStyleCnt="0"/>
@@ -1799,13 +1808,6 @@
     <dgm:pt modelId="{D7EEF540-6E51-4DD4-9C72-C98ABEDBB5DE}" type="pres">
       <dgm:prSet presAssocID="{EAC207CD-E4DA-4C52-BC67-2B48AEA7B885}" presName="imageRepeatNode" presStyleLbl="alignAcc1" presStyleIdx="4" presStyleCnt="12"/>
       <dgm:spPr/>
-      <dgm:t>
-        <a:bodyPr/>
-        <a:lstStyle/>
-        <a:p>
-          <a:endParaRPr lang="en-US"/>
-        </a:p>
-      </dgm:t>
     </dgm:pt>
     <dgm:pt modelId="{BB7DE68C-0687-4497-8577-E9F8DEEC0A8F}" type="pres">
       <dgm:prSet presAssocID="{EAC207CD-E4DA-4C52-BC67-2B48AEA7B885}" presName="imageaccent5" presStyleCnt="0"/>
@@ -1828,13 +1830,6 @@
         </dgm:presLayoutVars>
       </dgm:prSet>
       <dgm:spPr/>
-      <dgm:t>
-        <a:bodyPr/>
-        <a:lstStyle/>
-        <a:p>
-          <a:endParaRPr lang="en-US"/>
-        </a:p>
-      </dgm:t>
     </dgm:pt>
     <dgm:pt modelId="{EC7E0D7F-EF6E-4EF9-B30B-F12303D6F451}" type="pres">
       <dgm:prSet presAssocID="{FE67A21D-8D53-41F2-8B0C-FA8E19F0D180}" presName="textaccent6" presStyleCnt="0"/>
@@ -1851,13 +1846,6 @@
     <dgm:pt modelId="{88C023A6-78C6-43B3-BC57-4772F5B8E2A6}" type="pres">
       <dgm:prSet presAssocID="{C7FC8207-57C2-4F9F-B25C-C195BAB6BCC9}" presName="imageRepeatNode" presStyleLbl="alignAcc1" presStyleIdx="5" presStyleCnt="12"/>
       <dgm:spPr/>
-      <dgm:t>
-        <a:bodyPr/>
-        <a:lstStyle/>
-        <a:p>
-          <a:endParaRPr lang="en-US"/>
-        </a:p>
-      </dgm:t>
     </dgm:pt>
     <dgm:pt modelId="{E895077C-17C8-4AA3-A206-43D50070F453}" type="pres">
       <dgm:prSet presAssocID="{C7FC8207-57C2-4F9F-B25C-C195BAB6BCC9}" presName="imageaccent6" presStyleCnt="0"/>
@@ -1880,13 +1868,6 @@
         </dgm:presLayoutVars>
       </dgm:prSet>
       <dgm:spPr/>
-      <dgm:t>
-        <a:bodyPr/>
-        <a:lstStyle/>
-        <a:p>
-          <a:endParaRPr lang="en-US"/>
-        </a:p>
-      </dgm:t>
     </dgm:pt>
     <dgm:pt modelId="{552C36A8-A2C9-4681-BD18-00F505485972}" type="pres">
       <dgm:prSet presAssocID="{7C10A6DE-62F8-4DBE-ABE1-F38C0F216115}" presName="textaccent7" presStyleCnt="0"/>
@@ -1903,13 +1884,6 @@
     <dgm:pt modelId="{C32564AC-48CE-40B3-B85C-86003B3AF908}" type="pres">
       <dgm:prSet presAssocID="{EC6D4B29-B8E6-49DC-86C7-3CF66C4D5438}" presName="imageRepeatNode" presStyleLbl="alignAcc1" presStyleIdx="6" presStyleCnt="12"/>
       <dgm:spPr/>
-      <dgm:t>
-        <a:bodyPr/>
-        <a:lstStyle/>
-        <a:p>
-          <a:endParaRPr lang="en-US"/>
-        </a:p>
-      </dgm:t>
     </dgm:pt>
     <dgm:pt modelId="{2F2922FB-51A1-4280-A81E-5708C9FF09B2}" type="pres">
       <dgm:prSet presAssocID="{EC6D4B29-B8E6-49DC-86C7-3CF66C4D5438}" presName="imageaccent7" presStyleCnt="0"/>
@@ -1932,13 +1906,6 @@
         </dgm:presLayoutVars>
       </dgm:prSet>
       <dgm:spPr/>
-      <dgm:t>
-        <a:bodyPr/>
-        <a:lstStyle/>
-        <a:p>
-          <a:endParaRPr lang="en-US"/>
-        </a:p>
-      </dgm:t>
     </dgm:pt>
     <dgm:pt modelId="{A57CF02C-C6D8-4480-BE9C-E3B3E7A378AB}" type="pres">
       <dgm:prSet presAssocID="{D90C7AC8-C45E-4A93-BE5B-5BF18EDCE8D0}" presName="textaccent8" presStyleCnt="0"/>
@@ -1955,13 +1922,6 @@
     <dgm:pt modelId="{A552D59F-92E1-432D-9A14-587B6A865694}" type="pres">
       <dgm:prSet presAssocID="{2FEAD805-929B-4CAE-9BC7-651153099B93}" presName="imageRepeatNode" presStyleLbl="alignAcc1" presStyleIdx="7" presStyleCnt="12"/>
       <dgm:spPr/>
-      <dgm:t>
-        <a:bodyPr/>
-        <a:lstStyle/>
-        <a:p>
-          <a:endParaRPr lang="en-US"/>
-        </a:p>
-      </dgm:t>
     </dgm:pt>
     <dgm:pt modelId="{5FCC0812-B8EB-4D04-8703-07B3B0383F1F}" type="pres">
       <dgm:prSet presAssocID="{2FEAD805-929B-4CAE-9BC7-651153099B93}" presName="imageaccent8" presStyleCnt="0"/>
@@ -1984,13 +1944,6 @@
         </dgm:presLayoutVars>
       </dgm:prSet>
       <dgm:spPr/>
-      <dgm:t>
-        <a:bodyPr/>
-        <a:lstStyle/>
-        <a:p>
-          <a:endParaRPr lang="en-US"/>
-        </a:p>
-      </dgm:t>
     </dgm:pt>
     <dgm:pt modelId="{61D97A1B-48F5-4E7E-A437-3E204011CA6E}" type="pres">
       <dgm:prSet presAssocID="{F9C543F0-7C6F-4D9F-95F6-65B3B3EA75F9}" presName="textaccent9" presStyleCnt="0"/>
@@ -2007,13 +1960,6 @@
     <dgm:pt modelId="{FEF3419D-8E09-45F9-8559-60D26BBFEBC5}" type="pres">
       <dgm:prSet presAssocID="{04CAFF6A-A692-4CF8-B808-1D7444964277}" presName="imageRepeatNode" presStyleLbl="alignAcc1" presStyleIdx="8" presStyleCnt="12"/>
       <dgm:spPr/>
-      <dgm:t>
-        <a:bodyPr/>
-        <a:lstStyle/>
-        <a:p>
-          <a:endParaRPr lang="en-US"/>
-        </a:p>
-      </dgm:t>
     </dgm:pt>
     <dgm:pt modelId="{4877BEFD-6C0F-48E4-B7CF-BA6DBA23C12D}" type="pres">
       <dgm:prSet presAssocID="{04CAFF6A-A692-4CF8-B808-1D7444964277}" presName="imageaccent9" presStyleCnt="0"/>
@@ -2036,13 +1982,6 @@
         </dgm:presLayoutVars>
       </dgm:prSet>
       <dgm:spPr/>
-      <dgm:t>
-        <a:bodyPr/>
-        <a:lstStyle/>
-        <a:p>
-          <a:endParaRPr lang="en-US"/>
-        </a:p>
-      </dgm:t>
     </dgm:pt>
     <dgm:pt modelId="{01AFA313-5D6A-46A3-8559-B9033FAFF787}" type="pres">
       <dgm:prSet presAssocID="{6099D98D-EA53-41B0-8949-9B6480A7CD5E}" presName="textaccent10" presStyleCnt="0"/>
@@ -2059,13 +1998,6 @@
     <dgm:pt modelId="{7AEB9A52-BFDB-457E-9578-16F539BEB9A8}" type="pres">
       <dgm:prSet presAssocID="{75AF37FE-2D71-4126-96B9-ED39103FABDD}" presName="imageRepeatNode" presStyleLbl="alignAcc1" presStyleIdx="9" presStyleCnt="12"/>
       <dgm:spPr/>
-      <dgm:t>
-        <a:bodyPr/>
-        <a:lstStyle/>
-        <a:p>
-          <a:endParaRPr lang="en-US"/>
-        </a:p>
-      </dgm:t>
     </dgm:pt>
     <dgm:pt modelId="{2F8E4139-8BB7-45BD-B06A-AC27A4509C99}" type="pres">
       <dgm:prSet presAssocID="{75AF37FE-2D71-4126-96B9-ED39103FABDD}" presName="imageaccent10" presStyleCnt="0"/>
@@ -2088,13 +2020,6 @@
         </dgm:presLayoutVars>
       </dgm:prSet>
       <dgm:spPr/>
-      <dgm:t>
-        <a:bodyPr/>
-        <a:lstStyle/>
-        <a:p>
-          <a:endParaRPr lang="en-US"/>
-        </a:p>
-      </dgm:t>
     </dgm:pt>
     <dgm:pt modelId="{29895225-5CB0-41FD-B1FB-DBBA81A4F82E}" type="pres">
       <dgm:prSet presAssocID="{0BE7E6C9-FBB5-4710-B075-C482E5404DF7}" presName="textaccent11" presStyleCnt="0"/>
@@ -2111,13 +2036,6 @@
     <dgm:pt modelId="{2DB0B232-0E24-46D5-8813-8CE6BE54B985}" type="pres">
       <dgm:prSet presAssocID="{4F441D4D-4E00-4EDF-946A-80F3A568ADDC}" presName="imageRepeatNode" presStyleLbl="alignAcc1" presStyleIdx="10" presStyleCnt="12"/>
       <dgm:spPr/>
-      <dgm:t>
-        <a:bodyPr/>
-        <a:lstStyle/>
-        <a:p>
-          <a:endParaRPr lang="en-US"/>
-        </a:p>
-      </dgm:t>
     </dgm:pt>
     <dgm:pt modelId="{2CCD0D1A-DCF9-4EC9-A815-56C4294C72F4}" type="pres">
       <dgm:prSet presAssocID="{4F441D4D-4E00-4EDF-946A-80F3A568ADDC}" presName="imageaccent11" presStyleCnt="0"/>
@@ -2140,13 +2058,6 @@
         </dgm:presLayoutVars>
       </dgm:prSet>
       <dgm:spPr/>
-      <dgm:t>
-        <a:bodyPr/>
-        <a:lstStyle/>
-        <a:p>
-          <a:endParaRPr lang="en-US"/>
-        </a:p>
-      </dgm:t>
     </dgm:pt>
     <dgm:pt modelId="{8CB77FBA-1FC2-4845-BE4F-00EBFEEB2A90}" type="pres">
       <dgm:prSet presAssocID="{07F21555-1D05-4DD6-9D59-D31DC9FF9FAC}" presName="textaccent12" presStyleCnt="0"/>
@@ -2163,13 +2074,6 @@
     <dgm:pt modelId="{8BFCB2DC-C273-4814-9D07-B6CF97665AB3}" type="pres">
       <dgm:prSet presAssocID="{A67C2B46-B949-4B5F-B45D-B2B796DD885B}" presName="imageRepeatNode" presStyleLbl="alignAcc1" presStyleIdx="11" presStyleCnt="12"/>
       <dgm:spPr/>
-      <dgm:t>
-        <a:bodyPr/>
-        <a:lstStyle/>
-        <a:p>
-          <a:endParaRPr lang="en-US"/>
-        </a:p>
-      </dgm:t>
     </dgm:pt>
     <dgm:pt modelId="{9DA41426-952A-41B6-B19A-B83465F5F21A}" type="pres">
       <dgm:prSet presAssocID="{A67C2B46-B949-4B5F-B45D-B2B796DD885B}" presName="imageaccent12" presStyleCnt="0"/>
@@ -2181,45 +2085,45 @@
     </dgm:pt>
   </dgm:ptLst>
   <dgm:cxnLst>
+    <dgm:cxn modelId="{19F7CFB4-030A-422D-8C38-5852E56A4FC3}" srcId="{BB6EC4BB-F8E1-46D9-87F2-F5B1B1A03EDE}" destId="{FE67A21D-8D53-41F2-8B0C-FA8E19F0D180}" srcOrd="5" destOrd="0" parTransId="{EF8C2976-69DF-483F-96A7-961ACE8F2390}" sibTransId="{C7FC8207-57C2-4F9F-B25C-C195BAB6BCC9}"/>
+    <dgm:cxn modelId="{A4958014-9297-4560-9298-0D3F548C18D1}" srcId="{BB6EC4BB-F8E1-46D9-87F2-F5B1B1A03EDE}" destId="{D09994F6-6AF7-4B02-8CD4-7033DB9C75EA}" srcOrd="4" destOrd="0" parTransId="{AD6F046A-7F83-4770-A38E-738020416AD6}" sibTransId="{EAC207CD-E4DA-4C52-BC67-2B48AEA7B885}"/>
+    <dgm:cxn modelId="{0F378C24-16F0-43BC-A592-7AA9B59E8900}" type="presOf" srcId="{A67C2B46-B949-4B5F-B45D-B2B796DD885B}" destId="{8BFCB2DC-C273-4814-9D07-B6CF97665AB3}" srcOrd="0" destOrd="0" presId="urn:microsoft.com/office/officeart/2008/layout/HexagonCluster"/>
+    <dgm:cxn modelId="{ECE63F57-4CDB-4D98-8EA1-FFAB80E2F7C3}" srcId="{BB6EC4BB-F8E1-46D9-87F2-F5B1B1A03EDE}" destId="{276C1E9A-4387-4CA4-8677-A633EBCCFC03}" srcOrd="3" destOrd="0" parTransId="{17124155-EBAA-4C6B-B436-9915B5FBEE53}" sibTransId="{CFFE10F9-455F-4B60-BB0C-EBE57B849664}"/>
+    <dgm:cxn modelId="{6BB09257-0B27-4A1B-B053-ED261366BA27}" srcId="{BB6EC4BB-F8E1-46D9-87F2-F5B1B1A03EDE}" destId="{C025562B-DAA9-43CA-97E6-EBE317128848}" srcOrd="1" destOrd="0" parTransId="{02230C29-B103-45D4-9F0D-33E50374B1C9}" sibTransId="{8AABBC47-5C0E-4FF6-A86C-F82CD364292D}"/>
+    <dgm:cxn modelId="{F89DAECF-4748-451D-8480-E064F527CA08}" type="presOf" srcId="{7C10A6DE-62F8-4DBE-ABE1-F38C0F216115}" destId="{4F7E73A5-4E18-49D0-9F9A-C3282878B13E}" srcOrd="0" destOrd="0" presId="urn:microsoft.com/office/officeart/2008/layout/HexagonCluster"/>
+    <dgm:cxn modelId="{9FCEB8E1-80A1-4E69-BCBF-0E029C03006A}" type="presOf" srcId="{D09994F6-6AF7-4B02-8CD4-7033DB9C75EA}" destId="{174DC450-DD4D-4581-B5DC-ABC8C2703D1D}" srcOrd="0" destOrd="0" presId="urn:microsoft.com/office/officeart/2008/layout/HexagonCluster"/>
+    <dgm:cxn modelId="{91267F10-0376-4752-9FF3-DB71CA045CE8}" type="presOf" srcId="{6099D98D-EA53-41B0-8949-9B6480A7CD5E}" destId="{B431A41C-6A91-4FF9-9F7D-E650B4564FFF}" srcOrd="0" destOrd="0" presId="urn:microsoft.com/office/officeart/2008/layout/HexagonCluster"/>
+    <dgm:cxn modelId="{6A0B256A-69AE-4D2F-A255-3AC815B438AD}" type="presOf" srcId="{7307FABA-4F61-48C4-AC77-56F18B3090FB}" destId="{F569B4C5-4FFE-444E-89A1-3C138066ED4B}" srcOrd="0" destOrd="0" presId="urn:microsoft.com/office/officeart/2008/layout/HexagonCluster"/>
+    <dgm:cxn modelId="{9DACE7B5-F35B-4409-B861-60C0F99E2B22}" type="presOf" srcId="{FE67A21D-8D53-41F2-8B0C-FA8E19F0D180}" destId="{99C18B50-77CE-410F-8E25-49E2B640518F}" srcOrd="0" destOrd="0" presId="urn:microsoft.com/office/officeart/2008/layout/HexagonCluster"/>
+    <dgm:cxn modelId="{1DA2F3C5-C491-4E6B-B735-B2B80D4E9385}" srcId="{BB6EC4BB-F8E1-46D9-87F2-F5B1B1A03EDE}" destId="{677F3CA7-B779-4F78-AA8B-5A05439DCA43}" srcOrd="12" destOrd="0" parTransId="{62FADF37-774A-4CD9-9AE2-FAD7B3314C40}" sibTransId="{3FD19615-B039-4DF9-AD02-8EF4EE24C1A8}"/>
+    <dgm:cxn modelId="{E8C40947-A45A-4EA2-9B19-8738157C01C9}" type="presOf" srcId="{675C954F-1B5C-44CB-8BD8-F70F4CB338EE}" destId="{2EF08B0C-C18D-4F54-98E9-44B7A3BC21E7}" srcOrd="0" destOrd="0" presId="urn:microsoft.com/office/officeart/2008/layout/HexagonCluster"/>
+    <dgm:cxn modelId="{2406E8BD-3EBA-4FA3-9822-E8AE4E98628B}" type="presOf" srcId="{F9C543F0-7C6F-4D9F-95F6-65B3B3EA75F9}" destId="{96B7F833-324D-4495-A1AC-244B5325702A}" srcOrd="0" destOrd="0" presId="urn:microsoft.com/office/officeart/2008/layout/HexagonCluster"/>
+    <dgm:cxn modelId="{D4372528-A74C-4014-9D83-C43F976C12D4}" type="presOf" srcId="{CFFE10F9-455F-4B60-BB0C-EBE57B849664}" destId="{9B34B889-658D-42A3-881A-AA9CA0E0475D}" srcOrd="0" destOrd="0" presId="urn:microsoft.com/office/officeart/2008/layout/HexagonCluster"/>
+    <dgm:cxn modelId="{AEDE03C6-DDD5-400D-8020-CC4E52DC0E96}" srcId="{BB6EC4BB-F8E1-46D9-87F2-F5B1B1A03EDE}" destId="{F9C543F0-7C6F-4D9F-95F6-65B3B3EA75F9}" srcOrd="8" destOrd="0" parTransId="{950781B2-E2D3-4F6C-A64A-D637DEEFAE4A}" sibTransId="{04CAFF6A-A692-4CF8-B808-1D7444964277}"/>
+    <dgm:cxn modelId="{3A8DC166-F21C-4BCA-9B0D-0B245993D3EF}" srcId="{BB6EC4BB-F8E1-46D9-87F2-F5B1B1A03EDE}" destId="{0BE7E6C9-FBB5-4710-B075-C482E5404DF7}" srcOrd="10" destOrd="0" parTransId="{DF5F2500-D0BD-4235-9698-580E5C2C26F0}" sibTransId="{4F441D4D-4E00-4EDF-946A-80F3A568ADDC}"/>
+    <dgm:cxn modelId="{A4692C0A-D1CC-41EF-B9D6-03B022111212}" srcId="{BB6EC4BB-F8E1-46D9-87F2-F5B1B1A03EDE}" destId="{07F21555-1D05-4DD6-9D59-D31DC9FF9FAC}" srcOrd="11" destOrd="0" parTransId="{BD61FE3E-7785-4EDE-B302-7BA2238359BC}" sibTransId="{A67C2B46-B949-4B5F-B45D-B2B796DD885B}"/>
+    <dgm:cxn modelId="{BFF22EF1-0818-4727-9840-887E0F07B5AB}" srcId="{BB6EC4BB-F8E1-46D9-87F2-F5B1B1A03EDE}" destId="{7C10A6DE-62F8-4DBE-ABE1-F38C0F216115}" srcOrd="6" destOrd="0" parTransId="{9923ECC6-3050-4547-AD3F-A05A2A61477B}" sibTransId="{EC6D4B29-B8E6-49DC-86C7-3CF66C4D5438}"/>
+    <dgm:cxn modelId="{F574C4F9-043C-4ADF-972A-4A252DCC4156}" type="presOf" srcId="{04CAFF6A-A692-4CF8-B808-1D7444964277}" destId="{FEF3419D-8E09-45F9-8559-60D26BBFEBC5}" srcOrd="0" destOrd="0" presId="urn:microsoft.com/office/officeart/2008/layout/HexagonCluster"/>
+    <dgm:cxn modelId="{765716C6-AB2C-434D-8ACA-74C89F0EA218}" type="presOf" srcId="{DD302E95-26FA-4245-9B4A-123CFD5A461B}" destId="{20A4C30A-7869-4375-8F44-4BD6B9318DAC}" srcOrd="0" destOrd="0" presId="urn:microsoft.com/office/officeart/2008/layout/HexagonCluster"/>
+    <dgm:cxn modelId="{2845D025-D041-4F58-BBFE-A8B4CB577F46}" type="presOf" srcId="{2FEAD805-929B-4CAE-9BC7-651153099B93}" destId="{A552D59F-92E1-432D-9A14-587B6A865694}" srcOrd="0" destOrd="0" presId="urn:microsoft.com/office/officeart/2008/layout/HexagonCluster"/>
+    <dgm:cxn modelId="{866CF4A2-12E4-4AD1-93FA-094BAFFFB96F}" srcId="{BB6EC4BB-F8E1-46D9-87F2-F5B1B1A03EDE}" destId="{57C3B038-40D9-4C14-9FA0-AA10EF057045}" srcOrd="2" destOrd="0" parTransId="{40A5A880-2169-4499-A95E-4AE2DBEE87F2}" sibTransId="{7307FABA-4F61-48C4-AC77-56F18B3090FB}"/>
+    <dgm:cxn modelId="{45196E44-FA2A-4EE8-AA09-0EB1EB129ACA}" type="presOf" srcId="{C025562B-DAA9-43CA-97E6-EBE317128848}" destId="{52C2C01E-8472-444D-ABA6-40B5E73AF344}" srcOrd="0" destOrd="0" presId="urn:microsoft.com/office/officeart/2008/layout/HexagonCluster"/>
+    <dgm:cxn modelId="{22F0F081-0E00-4424-A683-A97F85A244E2}" type="presOf" srcId="{07F21555-1D05-4DD6-9D59-D31DC9FF9FAC}" destId="{C0A6A9FB-04F8-4E93-837E-7F13F41A1F78}" srcOrd="0" destOrd="0" presId="urn:microsoft.com/office/officeart/2008/layout/HexagonCluster"/>
+    <dgm:cxn modelId="{FD95A93E-D761-4BE3-998E-18EC5DC5FC62}" type="presOf" srcId="{57C3B038-40D9-4C14-9FA0-AA10EF057045}" destId="{8E3582B0-5BAC-4183-9F10-299B60C44000}" srcOrd="0" destOrd="0" presId="urn:microsoft.com/office/officeart/2008/layout/HexagonCluster"/>
+    <dgm:cxn modelId="{756FB300-C75C-4740-A990-312B5E82EAE4}" type="presOf" srcId="{8AABBC47-5C0E-4FF6-A86C-F82CD364292D}" destId="{9104032F-EC43-4047-8487-92D04FBDAF64}" srcOrd="0" destOrd="0" presId="urn:microsoft.com/office/officeart/2008/layout/HexagonCluster"/>
+    <dgm:cxn modelId="{DCCC007E-A87E-43BA-A62E-F23228E46DA8}" type="presOf" srcId="{75AF37FE-2D71-4126-96B9-ED39103FABDD}" destId="{7AEB9A52-BFDB-457E-9578-16F539BEB9A8}" srcOrd="0" destOrd="0" presId="urn:microsoft.com/office/officeart/2008/layout/HexagonCluster"/>
+    <dgm:cxn modelId="{50D06E5C-B490-4636-85FB-325FCD383B02}" type="presOf" srcId="{EC6D4B29-B8E6-49DC-86C7-3CF66C4D5438}" destId="{C32564AC-48CE-40B3-B85C-86003B3AF908}" srcOrd="0" destOrd="0" presId="urn:microsoft.com/office/officeart/2008/layout/HexagonCluster"/>
     <dgm:cxn modelId="{7A3FDF46-47C4-4E7F-A17F-C9C1C7925048}" srcId="{BB6EC4BB-F8E1-46D9-87F2-F5B1B1A03EDE}" destId="{675C954F-1B5C-44CB-8BD8-F70F4CB338EE}" srcOrd="0" destOrd="0" parTransId="{77B666B8-9253-4AA7-9180-309D2A9196FA}" sibTransId="{DD302E95-26FA-4245-9B4A-123CFD5A461B}"/>
-    <dgm:cxn modelId="{50D06E5C-B490-4636-85FB-325FCD383B02}" type="presOf" srcId="{EC6D4B29-B8E6-49DC-86C7-3CF66C4D5438}" destId="{C32564AC-48CE-40B3-B85C-86003B3AF908}" srcOrd="0" destOrd="0" presId="urn:microsoft.com/office/officeart/2008/layout/HexagonCluster"/>
-    <dgm:cxn modelId="{A4692C0A-D1CC-41EF-B9D6-03B022111212}" srcId="{BB6EC4BB-F8E1-46D9-87F2-F5B1B1A03EDE}" destId="{07F21555-1D05-4DD6-9D59-D31DC9FF9FAC}" srcOrd="11" destOrd="0" parTransId="{BD61FE3E-7785-4EDE-B302-7BA2238359BC}" sibTransId="{A67C2B46-B949-4B5F-B45D-B2B796DD885B}"/>
+    <dgm:cxn modelId="{A7662E2F-AA98-4F50-AE3E-DCAF0949556F}" type="presOf" srcId="{4F441D4D-4E00-4EDF-946A-80F3A568ADDC}" destId="{2DB0B232-0E24-46D5-8813-8CE6BE54B985}" srcOrd="0" destOrd="0" presId="urn:microsoft.com/office/officeart/2008/layout/HexagonCluster"/>
     <dgm:cxn modelId="{586E1BE8-3825-427F-A2E6-8817503FCF3D}" type="presOf" srcId="{C7FC8207-57C2-4F9F-B25C-C195BAB6BCC9}" destId="{88C023A6-78C6-43B3-BC57-4772F5B8E2A6}" srcOrd="0" destOrd="0" presId="urn:microsoft.com/office/officeart/2008/layout/HexagonCluster"/>
-    <dgm:cxn modelId="{19F7CFB4-030A-422D-8C38-5852E56A4FC3}" srcId="{BB6EC4BB-F8E1-46D9-87F2-F5B1B1A03EDE}" destId="{FE67A21D-8D53-41F2-8B0C-FA8E19F0D180}" srcOrd="5" destOrd="0" parTransId="{EF8C2976-69DF-483F-96A7-961ACE8F2390}" sibTransId="{C7FC8207-57C2-4F9F-B25C-C195BAB6BCC9}"/>
-    <dgm:cxn modelId="{0F378C24-16F0-43BC-A592-7AA9B59E8900}" type="presOf" srcId="{A67C2B46-B949-4B5F-B45D-B2B796DD885B}" destId="{8BFCB2DC-C273-4814-9D07-B6CF97665AB3}" srcOrd="0" destOrd="0" presId="urn:microsoft.com/office/officeart/2008/layout/HexagonCluster"/>
-    <dgm:cxn modelId="{A4958014-9297-4560-9298-0D3F548C18D1}" srcId="{BB6EC4BB-F8E1-46D9-87F2-F5B1B1A03EDE}" destId="{D09994F6-6AF7-4B02-8CD4-7033DB9C75EA}" srcOrd="4" destOrd="0" parTransId="{AD6F046A-7F83-4770-A38E-738020416AD6}" sibTransId="{EAC207CD-E4DA-4C52-BC67-2B48AEA7B885}"/>
-    <dgm:cxn modelId="{22F0F081-0E00-4424-A683-A97F85A244E2}" type="presOf" srcId="{07F21555-1D05-4DD6-9D59-D31DC9FF9FAC}" destId="{C0A6A9FB-04F8-4E93-837E-7F13F41A1F78}" srcOrd="0" destOrd="0" presId="urn:microsoft.com/office/officeart/2008/layout/HexagonCluster"/>
-    <dgm:cxn modelId="{F574C4F9-043C-4ADF-972A-4A252DCC4156}" type="presOf" srcId="{04CAFF6A-A692-4CF8-B808-1D7444964277}" destId="{FEF3419D-8E09-45F9-8559-60D26BBFEBC5}" srcOrd="0" destOrd="0" presId="urn:microsoft.com/office/officeart/2008/layout/HexagonCluster"/>
-    <dgm:cxn modelId="{45196E44-FA2A-4EE8-AA09-0EB1EB129ACA}" type="presOf" srcId="{C025562B-DAA9-43CA-97E6-EBE317128848}" destId="{52C2C01E-8472-444D-ABA6-40B5E73AF344}" srcOrd="0" destOrd="0" presId="urn:microsoft.com/office/officeart/2008/layout/HexagonCluster"/>
+    <dgm:cxn modelId="{741C7ECA-2C42-46FA-87E3-9EE346A0ABB3}" type="presOf" srcId="{276C1E9A-4387-4CA4-8677-A633EBCCFC03}" destId="{160A177A-65E3-4649-AFC7-9BC15A68040E}" srcOrd="0" destOrd="0" presId="urn:microsoft.com/office/officeart/2008/layout/HexagonCluster"/>
+    <dgm:cxn modelId="{40EF3383-6963-4215-A437-FD9DE434A100}" type="presOf" srcId="{EAC207CD-E4DA-4C52-BC67-2B48AEA7B885}" destId="{D7EEF540-6E51-4DD4-9C72-C98ABEDBB5DE}" srcOrd="0" destOrd="0" presId="urn:microsoft.com/office/officeart/2008/layout/HexagonCluster"/>
+    <dgm:cxn modelId="{3D939FA0-9F6F-4A65-B82D-353B95A417C3}" type="presOf" srcId="{0BE7E6C9-FBB5-4710-B075-C482E5404DF7}" destId="{9868EE37-E54B-43D0-86C9-C4B05DC24B95}" srcOrd="0" destOrd="0" presId="urn:microsoft.com/office/officeart/2008/layout/HexagonCluster"/>
+    <dgm:cxn modelId="{D95355C5-DD2C-4BCD-AEB3-418786EEA039}" srcId="{BB6EC4BB-F8E1-46D9-87F2-F5B1B1A03EDE}" destId="{D90C7AC8-C45E-4A93-BE5B-5BF18EDCE8D0}" srcOrd="7" destOrd="0" parTransId="{01F64780-E183-4077-A220-AD3FB3D70803}" sibTransId="{2FEAD805-929B-4CAE-9BC7-651153099B93}"/>
+    <dgm:cxn modelId="{96C8E660-4E4E-4865-A477-F0905D99F509}" srcId="{BB6EC4BB-F8E1-46D9-87F2-F5B1B1A03EDE}" destId="{986EBD3B-270D-46A5-9DD5-B35CC72622A9}" srcOrd="13" destOrd="0" parTransId="{32CAD7A6-07F8-49A8-AFC2-5A5FFD0520FB}" sibTransId="{1F77B591-C405-46E0-BD1B-AC40CDC72908}"/>
     <dgm:cxn modelId="{AD0D4B30-EC37-4E45-802D-E91A9E122FA4}" type="presOf" srcId="{D90C7AC8-C45E-4A93-BE5B-5BF18EDCE8D0}" destId="{421B7905-2ECE-41A3-BFD0-ED0B328B3F12}" srcOrd="0" destOrd="0" presId="urn:microsoft.com/office/officeart/2008/layout/HexagonCluster"/>
-    <dgm:cxn modelId="{6BB09257-0B27-4A1B-B053-ED261366BA27}" srcId="{BB6EC4BB-F8E1-46D9-87F2-F5B1B1A03EDE}" destId="{C025562B-DAA9-43CA-97E6-EBE317128848}" srcOrd="1" destOrd="0" parTransId="{02230C29-B103-45D4-9F0D-33E50374B1C9}" sibTransId="{8AABBC47-5C0E-4FF6-A86C-F82CD364292D}"/>
-    <dgm:cxn modelId="{9FCEB8E1-80A1-4E69-BCBF-0E029C03006A}" type="presOf" srcId="{D09994F6-6AF7-4B02-8CD4-7033DB9C75EA}" destId="{174DC450-DD4D-4581-B5DC-ABC8C2703D1D}" srcOrd="0" destOrd="0" presId="urn:microsoft.com/office/officeart/2008/layout/HexagonCluster"/>
-    <dgm:cxn modelId="{D95355C5-DD2C-4BCD-AEB3-418786EEA039}" srcId="{BB6EC4BB-F8E1-46D9-87F2-F5B1B1A03EDE}" destId="{D90C7AC8-C45E-4A93-BE5B-5BF18EDCE8D0}" srcOrd="7" destOrd="0" parTransId="{01F64780-E183-4077-A220-AD3FB3D70803}" sibTransId="{2FEAD805-929B-4CAE-9BC7-651153099B93}"/>
-    <dgm:cxn modelId="{AEDE03C6-DDD5-400D-8020-CC4E52DC0E96}" srcId="{BB6EC4BB-F8E1-46D9-87F2-F5B1B1A03EDE}" destId="{F9C543F0-7C6F-4D9F-95F6-65B3B3EA75F9}" srcOrd="8" destOrd="0" parTransId="{950781B2-E2D3-4F6C-A64A-D637DEEFAE4A}" sibTransId="{04CAFF6A-A692-4CF8-B808-1D7444964277}"/>
-    <dgm:cxn modelId="{F89DAECF-4748-451D-8480-E064F527CA08}" type="presOf" srcId="{7C10A6DE-62F8-4DBE-ABE1-F38C0F216115}" destId="{4F7E73A5-4E18-49D0-9F9A-C3282878B13E}" srcOrd="0" destOrd="0" presId="urn:microsoft.com/office/officeart/2008/layout/HexagonCluster"/>
-    <dgm:cxn modelId="{3D939FA0-9F6F-4A65-B82D-353B95A417C3}" type="presOf" srcId="{0BE7E6C9-FBB5-4710-B075-C482E5404DF7}" destId="{9868EE37-E54B-43D0-86C9-C4B05DC24B95}" srcOrd="0" destOrd="0" presId="urn:microsoft.com/office/officeart/2008/layout/HexagonCluster"/>
-    <dgm:cxn modelId="{3A8DC166-F21C-4BCA-9B0D-0B245993D3EF}" srcId="{BB6EC4BB-F8E1-46D9-87F2-F5B1B1A03EDE}" destId="{0BE7E6C9-FBB5-4710-B075-C482E5404DF7}" srcOrd="10" destOrd="0" parTransId="{DF5F2500-D0BD-4235-9698-580E5C2C26F0}" sibTransId="{4F441D4D-4E00-4EDF-946A-80F3A568ADDC}"/>
-    <dgm:cxn modelId="{BFF22EF1-0818-4727-9840-887E0F07B5AB}" srcId="{BB6EC4BB-F8E1-46D9-87F2-F5B1B1A03EDE}" destId="{7C10A6DE-62F8-4DBE-ABE1-F38C0F216115}" srcOrd="6" destOrd="0" parTransId="{9923ECC6-3050-4547-AD3F-A05A2A61477B}" sibTransId="{EC6D4B29-B8E6-49DC-86C7-3CF66C4D5438}"/>
-    <dgm:cxn modelId="{2845D025-D041-4F58-BBFE-A8B4CB577F46}" type="presOf" srcId="{2FEAD805-929B-4CAE-9BC7-651153099B93}" destId="{A552D59F-92E1-432D-9A14-587B6A865694}" srcOrd="0" destOrd="0" presId="urn:microsoft.com/office/officeart/2008/layout/HexagonCluster"/>
-    <dgm:cxn modelId="{9DACE7B5-F35B-4409-B861-60C0F99E2B22}" type="presOf" srcId="{FE67A21D-8D53-41F2-8B0C-FA8E19F0D180}" destId="{99C18B50-77CE-410F-8E25-49E2B640518F}" srcOrd="0" destOrd="0" presId="urn:microsoft.com/office/officeart/2008/layout/HexagonCluster"/>
-    <dgm:cxn modelId="{DCCC007E-A87E-43BA-A62E-F23228E46DA8}" type="presOf" srcId="{75AF37FE-2D71-4126-96B9-ED39103FABDD}" destId="{7AEB9A52-BFDB-457E-9578-16F539BEB9A8}" srcOrd="0" destOrd="0" presId="urn:microsoft.com/office/officeart/2008/layout/HexagonCluster"/>
-    <dgm:cxn modelId="{40EF3383-6963-4215-A437-FD9DE434A100}" type="presOf" srcId="{EAC207CD-E4DA-4C52-BC67-2B48AEA7B885}" destId="{D7EEF540-6E51-4DD4-9C72-C98ABEDBB5DE}" srcOrd="0" destOrd="0" presId="urn:microsoft.com/office/officeart/2008/layout/HexagonCluster"/>
-    <dgm:cxn modelId="{866CF4A2-12E4-4AD1-93FA-094BAFFFB96F}" srcId="{BB6EC4BB-F8E1-46D9-87F2-F5B1B1A03EDE}" destId="{57C3B038-40D9-4C14-9FA0-AA10EF057045}" srcOrd="2" destOrd="0" parTransId="{40A5A880-2169-4499-A95E-4AE2DBEE87F2}" sibTransId="{7307FABA-4F61-48C4-AC77-56F18B3090FB}"/>
-    <dgm:cxn modelId="{D4372528-A74C-4014-9D83-C43F976C12D4}" type="presOf" srcId="{CFFE10F9-455F-4B60-BB0C-EBE57B849664}" destId="{9B34B889-658D-42A3-881A-AA9CA0E0475D}" srcOrd="0" destOrd="0" presId="urn:microsoft.com/office/officeart/2008/layout/HexagonCluster"/>
-    <dgm:cxn modelId="{91267F10-0376-4752-9FF3-DB71CA045CE8}" type="presOf" srcId="{6099D98D-EA53-41B0-8949-9B6480A7CD5E}" destId="{B431A41C-6A91-4FF9-9F7D-E650B4564FFF}" srcOrd="0" destOrd="0" presId="urn:microsoft.com/office/officeart/2008/layout/HexagonCluster"/>
-    <dgm:cxn modelId="{ECE63F57-4CDB-4D98-8EA1-FFAB80E2F7C3}" srcId="{BB6EC4BB-F8E1-46D9-87F2-F5B1B1A03EDE}" destId="{276C1E9A-4387-4CA4-8677-A633EBCCFC03}" srcOrd="3" destOrd="0" parTransId="{17124155-EBAA-4C6B-B436-9915B5FBEE53}" sibTransId="{CFFE10F9-455F-4B60-BB0C-EBE57B849664}"/>
-    <dgm:cxn modelId="{741C7ECA-2C42-46FA-87E3-9EE346A0ABB3}" type="presOf" srcId="{276C1E9A-4387-4CA4-8677-A633EBCCFC03}" destId="{160A177A-65E3-4649-AFC7-9BC15A68040E}" srcOrd="0" destOrd="0" presId="urn:microsoft.com/office/officeart/2008/layout/HexagonCluster"/>
-    <dgm:cxn modelId="{756FB300-C75C-4740-A990-312B5E82EAE4}" type="presOf" srcId="{8AABBC47-5C0E-4FF6-A86C-F82CD364292D}" destId="{9104032F-EC43-4047-8487-92D04FBDAF64}" srcOrd="0" destOrd="0" presId="urn:microsoft.com/office/officeart/2008/layout/HexagonCluster"/>
+    <dgm:cxn modelId="{D2A87761-5DF7-4F1E-8D27-ACA1423101BC}" srcId="{BB6EC4BB-F8E1-46D9-87F2-F5B1B1A03EDE}" destId="{6099D98D-EA53-41B0-8949-9B6480A7CD5E}" srcOrd="9" destOrd="0" parTransId="{DC755DEA-7142-47AF-9386-E192062CFA41}" sibTransId="{75AF37FE-2D71-4126-96B9-ED39103FABDD}"/>
     <dgm:cxn modelId="{22E86CB6-E9CA-4AE0-AAFB-805B3B1EC53C}" type="presOf" srcId="{BB6EC4BB-F8E1-46D9-87F2-F5B1B1A03EDE}" destId="{4341F1A0-4750-44BA-B81A-009C2BFBE742}" srcOrd="0" destOrd="0" presId="urn:microsoft.com/office/officeart/2008/layout/HexagonCluster"/>
-    <dgm:cxn modelId="{D2A87761-5DF7-4F1E-8D27-ACA1423101BC}" srcId="{BB6EC4BB-F8E1-46D9-87F2-F5B1B1A03EDE}" destId="{6099D98D-EA53-41B0-8949-9B6480A7CD5E}" srcOrd="9" destOrd="0" parTransId="{DC755DEA-7142-47AF-9386-E192062CFA41}" sibTransId="{75AF37FE-2D71-4126-96B9-ED39103FABDD}"/>
-    <dgm:cxn modelId="{2406E8BD-3EBA-4FA3-9822-E8AE4E98628B}" type="presOf" srcId="{F9C543F0-7C6F-4D9F-95F6-65B3B3EA75F9}" destId="{96B7F833-324D-4495-A1AC-244B5325702A}" srcOrd="0" destOrd="0" presId="urn:microsoft.com/office/officeart/2008/layout/HexagonCluster"/>
-    <dgm:cxn modelId="{FD95A93E-D761-4BE3-998E-18EC5DC5FC62}" type="presOf" srcId="{57C3B038-40D9-4C14-9FA0-AA10EF057045}" destId="{8E3582B0-5BAC-4183-9F10-299B60C44000}" srcOrd="0" destOrd="0" presId="urn:microsoft.com/office/officeart/2008/layout/HexagonCluster"/>
-    <dgm:cxn modelId="{1DA2F3C5-C491-4E6B-B735-B2B80D4E9385}" srcId="{BB6EC4BB-F8E1-46D9-87F2-F5B1B1A03EDE}" destId="{677F3CA7-B779-4F78-AA8B-5A05439DCA43}" srcOrd="12" destOrd="0" parTransId="{62FADF37-774A-4CD9-9AE2-FAD7B3314C40}" sibTransId="{3FD19615-B039-4DF9-AD02-8EF4EE24C1A8}"/>
-    <dgm:cxn modelId="{96C8E660-4E4E-4865-A477-F0905D99F509}" srcId="{BB6EC4BB-F8E1-46D9-87F2-F5B1B1A03EDE}" destId="{986EBD3B-270D-46A5-9DD5-B35CC72622A9}" srcOrd="13" destOrd="0" parTransId="{32CAD7A6-07F8-49A8-AFC2-5A5FFD0520FB}" sibTransId="{1F77B591-C405-46E0-BD1B-AC40CDC72908}"/>
-    <dgm:cxn modelId="{765716C6-AB2C-434D-8ACA-74C89F0EA218}" type="presOf" srcId="{DD302E95-26FA-4245-9B4A-123CFD5A461B}" destId="{20A4C30A-7869-4375-8F44-4BD6B9318DAC}" srcOrd="0" destOrd="0" presId="urn:microsoft.com/office/officeart/2008/layout/HexagonCluster"/>
-    <dgm:cxn modelId="{A7662E2F-AA98-4F50-AE3E-DCAF0949556F}" type="presOf" srcId="{4F441D4D-4E00-4EDF-946A-80F3A568ADDC}" destId="{2DB0B232-0E24-46D5-8813-8CE6BE54B985}" srcOrd="0" destOrd="0" presId="urn:microsoft.com/office/officeart/2008/layout/HexagonCluster"/>
-    <dgm:cxn modelId="{E8C40947-A45A-4EA2-9B19-8738157C01C9}" type="presOf" srcId="{675C954F-1B5C-44CB-8BD8-F70F4CB338EE}" destId="{2EF08B0C-C18D-4F54-98E9-44B7A3BC21E7}" srcOrd="0" destOrd="0" presId="urn:microsoft.com/office/officeart/2008/layout/HexagonCluster"/>
-    <dgm:cxn modelId="{6A0B256A-69AE-4D2F-A255-3AC815B438AD}" type="presOf" srcId="{7307FABA-4F61-48C4-AC77-56F18B3090FB}" destId="{F569B4C5-4FFE-444E-89A1-3C138066ED4B}" srcOrd="0" destOrd="0" presId="urn:microsoft.com/office/officeart/2008/layout/HexagonCluster"/>
     <dgm:cxn modelId="{488B0CCE-D8B2-4657-A268-877F7C718655}" type="presParOf" srcId="{4341F1A0-4750-44BA-B81A-009C2BFBE742}" destId="{BC9F06D4-4EB0-4CDF-908A-D142683935B0}" srcOrd="0" destOrd="0" presId="urn:microsoft.com/office/officeart/2008/layout/HexagonCluster"/>
     <dgm:cxn modelId="{FAB6A762-E5B0-41D3-8D33-7B3BDA110009}" type="presParOf" srcId="{BC9F06D4-4EB0-4CDF-908A-D142683935B0}" destId="{2EF08B0C-C18D-4F54-98E9-44B7A3BC21E7}" srcOrd="0" destOrd="0" presId="urn:microsoft.com/office/officeart/2008/layout/HexagonCluster"/>
     <dgm:cxn modelId="{9EBDB823-2DE3-415B-BCA8-D7833846DA50}" type="presParOf" srcId="{4341F1A0-4750-44BA-B81A-009C2BFBE742}" destId="{9D3B70E5-DFE0-40E5-B632-862FC192A02F}" srcOrd="1" destOrd="0" presId="urn:microsoft.com/office/officeart/2008/layout/HexagonCluster"/>
@@ -2429,7 +2333,7 @@
         </a:bodyPr>
         <a:lstStyle/>
         <a:p>
-          <a:pPr lvl="0" algn="ctr" defTabSz="533400">
+          <a:pPr marL="0" lvl="0" indent="0" algn="ctr" defTabSz="533400">
             <a:lnSpc>
               <a:spcPct val="90000"/>
             </a:lnSpc>
@@ -2439,9 +2343,10 @@
             <a:spcAft>
               <a:spcPct val="35000"/>
             </a:spcAft>
+            <a:buNone/>
           </a:pPr>
           <a:r>
-            <a:rPr lang="en-US" sz="1200" kern="1200" dirty="0" err="1" smtClean="0"/>
+            <a:rPr lang="en-US" sz="1200" kern="1200" dirty="0" err="1"/>
             <a:t>SelectMany</a:t>
           </a:r>
           <a:endParaRPr lang="en-US" sz="1200" kern="1200" dirty="0"/>
@@ -2752,7 +2657,7 @@
         </a:bodyPr>
         <a:lstStyle/>
         <a:p>
-          <a:pPr lvl="0" algn="ctr" defTabSz="533400">
+          <a:pPr marL="0" lvl="0" indent="0" algn="ctr" defTabSz="533400">
             <a:lnSpc>
               <a:spcPct val="90000"/>
             </a:lnSpc>
@@ -2762,9 +2667,10 @@
             <a:spcAft>
               <a:spcPct val="35000"/>
             </a:spcAft>
+            <a:buNone/>
           </a:pPr>
           <a:r>
-            <a:rPr lang="en-US" sz="1200" kern="1200" dirty="0" smtClean="0"/>
+            <a:rPr lang="en-US" sz="1200" kern="1200" dirty="0"/>
             <a:t>Merge</a:t>
           </a:r>
         </a:p>
@@ -3074,7 +2980,7 @@
         </a:bodyPr>
         <a:lstStyle/>
         <a:p>
-          <a:pPr lvl="0" algn="ctr" defTabSz="533400">
+          <a:pPr marL="0" lvl="0" indent="0" algn="ctr" defTabSz="533400">
             <a:lnSpc>
               <a:spcPct val="90000"/>
             </a:lnSpc>
@@ -3084,9 +2990,10 @@
             <a:spcAft>
               <a:spcPct val="35000"/>
             </a:spcAft>
+            <a:buNone/>
           </a:pPr>
           <a:r>
-            <a:rPr lang="en-US" sz="1200" kern="1200" dirty="0" smtClean="0"/>
+            <a:rPr lang="en-US" sz="1200" kern="1200" dirty="0"/>
             <a:t>Zip</a:t>
           </a:r>
         </a:p>
@@ -3396,7 +3303,7 @@
         </a:bodyPr>
         <a:lstStyle/>
         <a:p>
-          <a:pPr lvl="0" algn="ctr" defTabSz="533400">
+          <a:pPr marL="0" lvl="0" indent="0" algn="ctr" defTabSz="533400">
             <a:lnSpc>
               <a:spcPct val="90000"/>
             </a:lnSpc>
@@ -3406,12 +3313,13 @@
             <a:spcAft>
               <a:spcPct val="35000"/>
             </a:spcAft>
+            <a:buNone/>
           </a:pPr>
           <a:r>
-            <a:rPr lang="en-US" sz="1200" kern="1200" dirty="0" err="1" smtClean="0"/>
+            <a:rPr lang="en-US" sz="1200" kern="1200" dirty="0" err="1"/>
             <a:t>Amb</a:t>
           </a:r>
-          <a:endParaRPr lang="en-US" sz="1200" kern="1200" dirty="0" smtClean="0"/>
+          <a:endParaRPr lang="en-US" sz="1200" kern="1200" dirty="0"/>
         </a:p>
       </dsp:txBody>
       <dsp:txXfrm>
@@ -3719,7 +3627,7 @@
         </a:bodyPr>
         <a:lstStyle/>
         <a:p>
-          <a:pPr lvl="0" algn="ctr" defTabSz="533400">
+          <a:pPr marL="0" lvl="0" indent="0" algn="ctr" defTabSz="533400">
             <a:lnSpc>
               <a:spcPct val="90000"/>
             </a:lnSpc>
@@ -3729,12 +3637,13 @@
             <a:spcAft>
               <a:spcPct val="35000"/>
             </a:spcAft>
+            <a:buNone/>
           </a:pPr>
           <a:r>
-            <a:rPr lang="en-US" sz="1200" kern="1200" dirty="0" err="1" smtClean="0"/>
+            <a:rPr lang="en-US" sz="1200" kern="1200" dirty="0" err="1"/>
             <a:t>CombineLatest</a:t>
           </a:r>
-          <a:endParaRPr lang="en-US" sz="1200" kern="1200" dirty="0" smtClean="0"/>
+          <a:endParaRPr lang="en-US" sz="1200" kern="1200" dirty="0"/>
         </a:p>
       </dsp:txBody>
       <dsp:txXfrm>
@@ -4042,7 +3951,7 @@
         </a:bodyPr>
         <a:lstStyle/>
         <a:p>
-          <a:pPr lvl="0" algn="ctr" defTabSz="533400">
+          <a:pPr marL="0" lvl="0" indent="0" algn="ctr" defTabSz="533400">
             <a:lnSpc>
               <a:spcPct val="90000"/>
             </a:lnSpc>
@@ -4052,12 +3961,13 @@
             <a:spcAft>
               <a:spcPct val="35000"/>
             </a:spcAft>
+            <a:buNone/>
           </a:pPr>
           <a:r>
-            <a:rPr lang="en-US" sz="1200" kern="1200" dirty="0" err="1" smtClean="0"/>
+            <a:rPr lang="en-US" sz="1200" kern="1200" dirty="0" err="1"/>
             <a:t>TakeUntil</a:t>
           </a:r>
-          <a:endParaRPr lang="en-US" sz="1200" kern="1200" dirty="0" smtClean="0"/>
+          <a:endParaRPr lang="en-US" sz="1200" kern="1200" dirty="0"/>
         </a:p>
       </dsp:txBody>
       <dsp:txXfrm>
@@ -4365,7 +4275,7 @@
         </a:bodyPr>
         <a:lstStyle/>
         <a:p>
-          <a:pPr lvl="0" algn="ctr" defTabSz="533400">
+          <a:pPr marL="0" lvl="0" indent="0" algn="ctr" defTabSz="533400">
             <a:lnSpc>
               <a:spcPct val="90000"/>
             </a:lnSpc>
@@ -4375,12 +4285,13 @@
             <a:spcAft>
               <a:spcPct val="35000"/>
             </a:spcAft>
+            <a:buNone/>
           </a:pPr>
           <a:r>
-            <a:rPr lang="en-US" sz="1200" kern="1200" dirty="0" err="1" smtClean="0"/>
+            <a:rPr lang="en-US" sz="1200" kern="1200" dirty="0" err="1"/>
             <a:t>TakeWhile</a:t>
           </a:r>
-          <a:endParaRPr lang="en-US" sz="1200" kern="1200" dirty="0" smtClean="0"/>
+          <a:endParaRPr lang="en-US" sz="1200" kern="1200" dirty="0"/>
         </a:p>
       </dsp:txBody>
       <dsp:txXfrm>
@@ -4688,7 +4599,7 @@
         </a:bodyPr>
         <a:lstStyle/>
         <a:p>
-          <a:pPr lvl="0" algn="ctr" defTabSz="533400">
+          <a:pPr marL="0" lvl="0" indent="0" algn="ctr" defTabSz="533400">
             <a:lnSpc>
               <a:spcPct val="90000"/>
             </a:lnSpc>
@@ -4698,9 +4609,10 @@
             <a:spcAft>
               <a:spcPct val="35000"/>
             </a:spcAft>
+            <a:buNone/>
           </a:pPr>
           <a:r>
-            <a:rPr lang="en-US" sz="1200" kern="1200" dirty="0" smtClean="0"/>
+            <a:rPr lang="en-US" sz="1200" kern="1200" dirty="0"/>
             <a:t>Combine</a:t>
           </a:r>
         </a:p>
@@ -5010,7 +4922,7 @@
         </a:bodyPr>
         <a:lstStyle/>
         <a:p>
-          <a:pPr lvl="0" algn="ctr" defTabSz="533400">
+          <a:pPr marL="0" lvl="0" indent="0" algn="ctr" defTabSz="533400">
             <a:lnSpc>
               <a:spcPct val="90000"/>
             </a:lnSpc>
@@ -5020,12 +4932,12 @@
             <a:spcAft>
               <a:spcPct val="35000"/>
             </a:spcAft>
+            <a:buNone/>
           </a:pPr>
           <a:r>
-            <a:rPr lang="en-US" sz="1200" kern="1200" dirty="0" smtClean="0"/>
+            <a:rPr lang="en-US" sz="1200" kern="1200" dirty="0"/>
             <a:t>Switch</a:t>
           </a:r>
-          <a:endParaRPr lang="en-US" sz="1200" kern="1200" dirty="0"/>
         </a:p>
       </dsp:txBody>
       <dsp:txXfrm>
@@ -5333,7 +5245,7 @@
         </a:bodyPr>
         <a:lstStyle/>
         <a:p>
-          <a:pPr lvl="0" algn="ctr" defTabSz="533400">
+          <a:pPr marL="0" lvl="0" indent="0" algn="ctr" defTabSz="533400">
             <a:lnSpc>
               <a:spcPct val="90000"/>
             </a:lnSpc>
@@ -5343,9 +5255,10 @@
             <a:spcAft>
               <a:spcPct val="35000"/>
             </a:spcAft>
+            <a:buNone/>
           </a:pPr>
           <a:r>
-            <a:rPr lang="en-US" sz="1200" kern="1200" dirty="0" err="1" smtClean="0"/>
+            <a:rPr lang="en-US" sz="1200" kern="1200" dirty="0" err="1"/>
             <a:t>StartWith</a:t>
           </a:r>
           <a:endParaRPr lang="en-US" sz="1200" kern="1200" dirty="0"/>
@@ -5656,7 +5569,7 @@
         </a:bodyPr>
         <a:lstStyle/>
         <a:p>
-          <a:pPr lvl="0" algn="ctr" defTabSz="533400">
+          <a:pPr marL="0" lvl="0" indent="0" algn="ctr" defTabSz="533400">
             <a:lnSpc>
               <a:spcPct val="90000"/>
             </a:lnSpc>
@@ -5666,9 +5579,10 @@
             <a:spcAft>
               <a:spcPct val="35000"/>
             </a:spcAft>
+            <a:buNone/>
           </a:pPr>
           <a:r>
-            <a:rPr lang="en-US" sz="1200" kern="1200" dirty="0" err="1" smtClean="0"/>
+            <a:rPr lang="en-US" sz="1200" kern="1200" dirty="0" err="1"/>
             <a:t>Concat</a:t>
           </a:r>
           <a:endParaRPr lang="en-US" sz="1200" kern="1200" dirty="0"/>
@@ -5979,7 +5893,7 @@
         </a:bodyPr>
         <a:lstStyle/>
         <a:p>
-          <a:pPr lvl="0" algn="ctr" defTabSz="533400">
+          <a:pPr marL="0" lvl="0" indent="0" algn="ctr" defTabSz="533400">
             <a:lnSpc>
               <a:spcPct val="90000"/>
             </a:lnSpc>
@@ -5989,9 +5903,10 @@
             <a:spcAft>
               <a:spcPct val="35000"/>
             </a:spcAft>
+            <a:buNone/>
           </a:pPr>
           <a:r>
-            <a:rPr lang="en-US" sz="1200" kern="1200" dirty="0" err="1" smtClean="0"/>
+            <a:rPr lang="en-US" sz="1200" kern="1200" dirty="0" err="1"/>
             <a:t>SkipWhile</a:t>
           </a:r>
           <a:endParaRPr lang="en-US" sz="1200" kern="1200" dirty="0"/>
@@ -9494,14 +9409,11 @@
           </a:lstStyle>
           <a:p>
             <a:r>
-              <a:rPr lang="en-US" dirty="0" smtClean="0">
+              <a:rPr lang="en-US" dirty="0">
                 <a:latin typeface="Segoe UI" pitchFamily="34" charset="0"/>
               </a:rPr>
               <a:t>MIX11</a:t>
             </a:r>
-            <a:endParaRPr lang="en-US" dirty="0">
-              <a:latin typeface="Segoe UI" pitchFamily="34" charset="0"/>
-            </a:endParaRPr>
           </a:p>
         </p:txBody>
       </p:sp>
@@ -9537,7 +9449,7 @@
                 <a:latin typeface="Segoe UI" pitchFamily="34" charset="0"/>
               </a:rPr>
               <a:pPr/>
-              <a:t>8/18/2011</a:t>
+              <a:t>7/30/2016</a:t>
             </a:fld>
             <a:endParaRPr lang="en-US" dirty="0">
               <a:latin typeface="Segoe UI" pitchFamily="34" charset="0"/>
@@ -9573,7 +9485,7 @@
           </a:lstStyle>
           <a:p>
             <a:r>
-              <a:rPr lang="en-US" sz="500" dirty="0" smtClean="0">
+              <a:rPr lang="en-US" sz="500" dirty="0">
                 <a:solidFill>
                   <a:srgbClr val="000000"/>
                 </a:solidFill>
@@ -9584,7 +9496,7 @@
           </a:p>
           <a:p>
             <a:r>
-              <a:rPr lang="en-US" sz="500" dirty="0" smtClean="0">
+              <a:rPr lang="en-US" sz="500" dirty="0">
                 <a:solidFill>
                   <a:srgbClr val="000000"/>
                 </a:solidFill>
@@ -9593,7 +9505,7 @@
               <a:t>The information herein is for informational purposes only and represents the current view of Microsoft Corporation as of the date of this presentation. Because Microsoft must respond to changing market conditions, it should not be interpreted to be a commitment on the part of Microsoft, and Microsoft cannot guarantee the accuracy of any information provided after the date of this presentation.  </a:t>
             </a:r>
             <a:br>
-              <a:rPr lang="en-US" sz="500" dirty="0" smtClean="0">
+              <a:rPr lang="en-US" sz="500" dirty="0">
                 <a:solidFill>
                   <a:srgbClr val="000000"/>
                 </a:solidFill>
@@ -9601,7 +9513,7 @@
               </a:rPr>
             </a:br>
             <a:r>
-              <a:rPr lang="en-US" sz="500" dirty="0" smtClean="0">
+              <a:rPr lang="en-US" sz="500" dirty="0">
                 <a:solidFill>
                   <a:srgbClr val="000000"/>
                 </a:solidFill>
@@ -9716,10 +9628,9 @@
           </a:lstStyle>
           <a:p>
             <a:r>
-              <a:rPr lang="en-US" dirty="0" smtClean="0"/>
+              <a:rPr lang="en-US" dirty="0"/>
               <a:t>MIX 11</a:t>
             </a:r>
-            <a:endParaRPr lang="en-US" dirty="0"/>
           </a:p>
         </p:txBody>
       </p:sp>
@@ -9755,7 +9666,7 @@
             <a:fld id="{7C3FBCD4-166E-446F-AF18-7D4A0CF9AEF6}" type="datetimeFigureOut">
               <a:rPr lang="en-US" smtClean="0"/>
               <a:pPr/>
-              <a:t>8/18/2011</a:t>
+              <a:t>7/30/2016</a:t>
             </a:fld>
             <a:endParaRPr lang="en-US" dirty="0"/>
           </a:p>
@@ -9821,38 +9732,37 @@
           <a:p>
             <a:pPr lvl="0"/>
             <a:r>
-              <a:rPr lang="en-US" dirty="0" smtClean="0"/>
+              <a:rPr lang="en-US" dirty="0"/>
               <a:t>Click to edit Master text styles</a:t>
             </a:r>
           </a:p>
           <a:p>
             <a:pPr lvl="1"/>
             <a:r>
-              <a:rPr lang="en-US" dirty="0" smtClean="0"/>
+              <a:rPr lang="en-US" dirty="0"/>
               <a:t>Second level</a:t>
             </a:r>
           </a:p>
           <a:p>
             <a:pPr lvl="2"/>
             <a:r>
-              <a:rPr lang="en-US" dirty="0" smtClean="0"/>
+              <a:rPr lang="en-US" dirty="0"/>
               <a:t>Third level</a:t>
             </a:r>
           </a:p>
           <a:p>
             <a:pPr lvl="3"/>
             <a:r>
-              <a:rPr lang="en-US" dirty="0" smtClean="0"/>
+              <a:rPr lang="en-US" dirty="0"/>
               <a:t>Fourth level</a:t>
             </a:r>
           </a:p>
           <a:p>
             <a:pPr lvl="4"/>
             <a:r>
-              <a:rPr lang="en-US" dirty="0" smtClean="0"/>
+              <a:rPr lang="en-US" dirty="0"/>
               <a:t>Fifth level</a:t>
             </a:r>
-            <a:endParaRPr lang="en-US" dirty="0"/>
           </a:p>
         </p:txBody>
       </p:sp>
@@ -9886,7 +9796,7 @@
           </a:lstStyle>
           <a:p>
             <a:r>
-              <a:rPr lang="en-US" dirty="0" smtClean="0">
+              <a:rPr lang="en-US" dirty="0">
                 <a:solidFill>
                   <a:srgbClr val="000000"/>
                 </a:solidFill>
@@ -9897,7 +9807,7 @@
           </a:p>
           <a:p>
             <a:r>
-              <a:rPr lang="en-US" dirty="0" smtClean="0">
+              <a:rPr lang="en-US" dirty="0">
                 <a:solidFill>
                   <a:srgbClr val="000000"/>
                 </a:solidFill>
@@ -9906,7 +9816,7 @@
               <a:t>The information herein is for informational purposes only and represents the current view of Microsoft Corporation as of the date of this presentation. Because Microsoft must respond to changing market conditions, it should not be interpreted to be a commitment on the part of Microsoft, and Microsoft cannot guarantee the accuracy of any information provided after the date of this presentation.</a:t>
             </a:r>
             <a:br>
-              <a:rPr lang="en-US" dirty="0" smtClean="0">
+              <a:rPr lang="en-US" dirty="0">
                 <a:solidFill>
                   <a:srgbClr val="000000"/>
                 </a:solidFill>
@@ -9914,7 +9824,7 @@
               </a:rPr>
             </a:br>
             <a:r>
-              <a:rPr lang="en-US" dirty="0" smtClean="0">
+              <a:rPr lang="en-US" dirty="0">
                 <a:solidFill>
                   <a:srgbClr val="000000"/>
                 </a:solidFill>
@@ -10177,7 +10087,7 @@
           <a:p>
             <a:fld id="{A78462D7-2B45-472A-955B-9CA864ADE2F4}" type="datetime1">
               <a:rPr lang="en-US" smtClean="0"/>
-              <a:t>8/18/2011</a:t>
+              <a:t>7/30/2016</a:t>
             </a:fld>
             <a:endParaRPr lang="en-US" dirty="0"/>
           </a:p>
@@ -10199,7 +10109,7 @@
           <a:lstStyle/>
           <a:p>
             <a:r>
-              <a:rPr lang="en-US" smtClean="0">
+              <a:rPr lang="en-US">
                 <a:solidFill>
                   <a:srgbClr val="000000"/>
                 </a:solidFill>
@@ -10210,7 +10120,7 @@
           </a:p>
           <a:p>
             <a:r>
-              <a:rPr lang="en-US" smtClean="0">
+              <a:rPr lang="en-US">
                 <a:solidFill>
                   <a:srgbClr val="000000"/>
                 </a:solidFill>
@@ -10219,7 +10129,7 @@
               <a:t>The information herein is for informational purposes only and represents the current view of Microsoft Corporation as of the date of this presentation. Because Microsoft must respond to changing market conditions, it should not be interpreted to be a commitment on the part of Microsoft, and Microsoft cannot guarantee the accuracy of any information provided after the date of this presentation.</a:t>
             </a:r>
             <a:br>
-              <a:rPr lang="en-US" smtClean="0">
+              <a:rPr lang="en-US">
                 <a:solidFill>
                   <a:srgbClr val="000000"/>
                 </a:solidFill>
@@ -10227,7 +10137,7 @@
               </a:rPr>
             </a:br>
             <a:r>
-              <a:rPr lang="en-US" smtClean="0">
+              <a:rPr lang="en-US">
                 <a:solidFill>
                   <a:srgbClr val="000000"/>
                 </a:solidFill>
@@ -10235,7 +10145,7 @@
               </a:rPr>
               <a:t>MICROSOFT MAKES NO WARRANTIES, EXPRESS, IMPLIED OR STATUTORY, AS TO THE INFORMATION IN THIS PRESENTATION.</a:t>
             </a:r>
-            <a:endParaRPr lang="en-US" dirty="0" smtClean="0">
+            <a:endParaRPr lang="en-US" dirty="0">
               <a:solidFill>
                 <a:srgbClr val="000000"/>
               </a:solidFill>
@@ -10284,7 +10194,7 @@
           <a:lstStyle/>
           <a:p>
             <a:r>
-              <a:rPr lang="en-US" smtClean="0"/>
+              <a:rPr lang="en-US"/>
               <a:t>MIX 11</a:t>
             </a:r>
             <a:endParaRPr lang="en-US" dirty="0"/>
@@ -10371,7 +10281,7 @@
           <a:p>
             <a:fld id="{CF705FED-B5F1-4160-8902-27DBE1B04A6A}" type="datetime1">
               <a:rPr lang="en-US" smtClean="0"/>
-              <a:t>8/18/2011</a:t>
+              <a:t>7/30/2016</a:t>
             </a:fld>
             <a:endParaRPr lang="en-US" dirty="0"/>
           </a:p>
@@ -10393,7 +10303,7 @@
           <a:lstStyle/>
           <a:p>
             <a:r>
-              <a:rPr lang="en-US" smtClean="0">
+              <a:rPr lang="en-US">
                 <a:solidFill>
                   <a:srgbClr val="000000"/>
                 </a:solidFill>
@@ -10404,7 +10314,7 @@
           </a:p>
           <a:p>
             <a:r>
-              <a:rPr lang="en-US" smtClean="0">
+              <a:rPr lang="en-US">
                 <a:solidFill>
                   <a:srgbClr val="000000"/>
                 </a:solidFill>
@@ -10413,7 +10323,7 @@
               <a:t>The information herein is for informational purposes only and represents the current view of Microsoft Corporation as of the date of this presentation. Because Microsoft must respond to changing market conditions, it should not be interpreted to be a commitment on the part of Microsoft, and Microsoft cannot guarantee the accuracy of any information provided after the date of this presentation.</a:t>
             </a:r>
             <a:br>
-              <a:rPr lang="en-US" smtClean="0">
+              <a:rPr lang="en-US">
                 <a:solidFill>
                   <a:srgbClr val="000000"/>
                 </a:solidFill>
@@ -10421,7 +10331,7 @@
               </a:rPr>
             </a:br>
             <a:r>
-              <a:rPr lang="en-US" smtClean="0">
+              <a:rPr lang="en-US">
                 <a:solidFill>
                   <a:srgbClr val="000000"/>
                 </a:solidFill>
@@ -10429,7 +10339,7 @@
               </a:rPr>
               <a:t>MICROSOFT MAKES NO WARRANTIES, EXPRESS, IMPLIED OR STATUTORY, AS TO THE INFORMATION IN THIS PRESENTATION.</a:t>
             </a:r>
-            <a:endParaRPr lang="en-US" dirty="0" smtClean="0">
+            <a:endParaRPr lang="en-US" dirty="0">
               <a:solidFill>
                 <a:srgbClr val="000000"/>
               </a:solidFill>
@@ -10478,7 +10388,7 @@
           <a:lstStyle/>
           <a:p>
             <a:r>
-              <a:rPr lang="en-US" smtClean="0"/>
+              <a:rPr lang="en-US"/>
               <a:t>MIX 11</a:t>
             </a:r>
             <a:endParaRPr lang="en-US" dirty="0"/>
@@ -10565,7 +10475,7 @@
           <a:p>
             <a:fld id="{CF705FED-B5F1-4160-8902-27DBE1B04A6A}" type="datetime1">
               <a:rPr lang="en-US" smtClean="0"/>
-              <a:t>8/18/2011</a:t>
+              <a:t>7/30/2016</a:t>
             </a:fld>
             <a:endParaRPr lang="en-US" dirty="0"/>
           </a:p>
@@ -10587,7 +10497,7 @@
           <a:lstStyle/>
           <a:p>
             <a:r>
-              <a:rPr lang="en-US" smtClean="0">
+              <a:rPr lang="en-US">
                 <a:solidFill>
                   <a:srgbClr val="000000"/>
                 </a:solidFill>
@@ -10598,7 +10508,7 @@
           </a:p>
           <a:p>
             <a:r>
-              <a:rPr lang="en-US" smtClean="0">
+              <a:rPr lang="en-US">
                 <a:solidFill>
                   <a:srgbClr val="000000"/>
                 </a:solidFill>
@@ -10607,7 +10517,7 @@
               <a:t>The information herein is for informational purposes only and represents the current view of Microsoft Corporation as of the date of this presentation. Because Microsoft must respond to changing market conditions, it should not be interpreted to be a commitment on the part of Microsoft, and Microsoft cannot guarantee the accuracy of any information provided after the date of this presentation.</a:t>
             </a:r>
             <a:br>
-              <a:rPr lang="en-US" smtClean="0">
+              <a:rPr lang="en-US">
                 <a:solidFill>
                   <a:srgbClr val="000000"/>
                 </a:solidFill>
@@ -10615,7 +10525,7 @@
               </a:rPr>
             </a:br>
             <a:r>
-              <a:rPr lang="en-US" smtClean="0">
+              <a:rPr lang="en-US">
                 <a:solidFill>
                   <a:srgbClr val="000000"/>
                 </a:solidFill>
@@ -10623,7 +10533,7 @@
               </a:rPr>
               <a:t>MICROSOFT MAKES NO WARRANTIES, EXPRESS, IMPLIED OR STATUTORY, AS TO THE INFORMATION IN THIS PRESENTATION.</a:t>
             </a:r>
-            <a:endParaRPr lang="en-US" dirty="0" smtClean="0">
+            <a:endParaRPr lang="en-US" dirty="0">
               <a:solidFill>
                 <a:srgbClr val="000000"/>
               </a:solidFill>
@@ -10672,7 +10582,7 @@
           <a:lstStyle/>
           <a:p>
             <a:r>
-              <a:rPr lang="en-US" smtClean="0"/>
+              <a:rPr lang="en-US"/>
               <a:t>MIX 11</a:t>
             </a:r>
             <a:endParaRPr lang="en-US" dirty="0"/>
@@ -10759,7 +10669,7 @@
           <a:p>
             <a:fld id="{CF705FED-B5F1-4160-8902-27DBE1B04A6A}" type="datetime1">
               <a:rPr lang="en-US" smtClean="0"/>
-              <a:t>8/18/2011</a:t>
+              <a:t>7/30/2016</a:t>
             </a:fld>
             <a:endParaRPr lang="en-US" dirty="0"/>
           </a:p>
@@ -10781,7 +10691,7 @@
           <a:lstStyle/>
           <a:p>
             <a:r>
-              <a:rPr lang="en-US" smtClean="0">
+              <a:rPr lang="en-US">
                 <a:solidFill>
                   <a:srgbClr val="000000"/>
                 </a:solidFill>
@@ -10792,7 +10702,7 @@
           </a:p>
           <a:p>
             <a:r>
-              <a:rPr lang="en-US" smtClean="0">
+              <a:rPr lang="en-US">
                 <a:solidFill>
                   <a:srgbClr val="000000"/>
                 </a:solidFill>
@@ -10801,7 +10711,7 @@
               <a:t>The information herein is for informational purposes only and represents the current view of Microsoft Corporation as of the date of this presentation. Because Microsoft must respond to changing market conditions, it should not be interpreted to be a commitment on the part of Microsoft, and Microsoft cannot guarantee the accuracy of any information provided after the date of this presentation.</a:t>
             </a:r>
             <a:br>
-              <a:rPr lang="en-US" smtClean="0">
+              <a:rPr lang="en-US">
                 <a:solidFill>
                   <a:srgbClr val="000000"/>
                 </a:solidFill>
@@ -10809,7 +10719,7 @@
               </a:rPr>
             </a:br>
             <a:r>
-              <a:rPr lang="en-US" smtClean="0">
+              <a:rPr lang="en-US">
                 <a:solidFill>
                   <a:srgbClr val="000000"/>
                 </a:solidFill>
@@ -10817,7 +10727,7 @@
               </a:rPr>
               <a:t>MICROSOFT MAKES NO WARRANTIES, EXPRESS, IMPLIED OR STATUTORY, AS TO THE INFORMATION IN THIS PRESENTATION.</a:t>
             </a:r>
-            <a:endParaRPr lang="en-US" dirty="0" smtClean="0">
+            <a:endParaRPr lang="en-US" dirty="0">
               <a:solidFill>
                 <a:srgbClr val="000000"/>
               </a:solidFill>
@@ -10866,7 +10776,7 @@
           <a:lstStyle/>
           <a:p>
             <a:r>
-              <a:rPr lang="en-US" smtClean="0"/>
+              <a:rPr lang="en-US"/>
               <a:t>MIX 11</a:t>
             </a:r>
             <a:endParaRPr lang="en-US" dirty="0"/>
@@ -10953,7 +10863,7 @@
           <a:p>
             <a:fld id="{867A2B29-13F5-4609-975E-5F9F285C5A14}" type="datetime1">
               <a:rPr lang="en-US" smtClean="0"/>
-              <a:t>8/18/2011</a:t>
+              <a:t>7/30/2016</a:t>
             </a:fld>
             <a:endParaRPr lang="en-US" dirty="0"/>
           </a:p>
@@ -10975,7 +10885,7 @@
           <a:lstStyle/>
           <a:p>
             <a:r>
-              <a:rPr lang="en-US" smtClean="0">
+              <a:rPr lang="en-US">
                 <a:solidFill>
                   <a:srgbClr val="000000"/>
                 </a:solidFill>
@@ -10986,7 +10896,7 @@
           </a:p>
           <a:p>
             <a:r>
-              <a:rPr lang="en-US" smtClean="0">
+              <a:rPr lang="en-US">
                 <a:solidFill>
                   <a:srgbClr val="000000"/>
                 </a:solidFill>
@@ -10995,7 +10905,7 @@
               <a:t>The information herein is for informational purposes only and represents the current view of Microsoft Corporation as of the date of this presentation. Because Microsoft must respond to changing market conditions, it should not be interpreted to be a commitment on the part of Microsoft, and Microsoft cannot guarantee the accuracy of any information provided after the date of this presentation.</a:t>
             </a:r>
             <a:br>
-              <a:rPr lang="en-US" smtClean="0">
+              <a:rPr lang="en-US">
                 <a:solidFill>
                   <a:srgbClr val="000000"/>
                 </a:solidFill>
@@ -11003,7 +10913,7 @@
               </a:rPr>
             </a:br>
             <a:r>
-              <a:rPr lang="en-US" smtClean="0">
+              <a:rPr lang="en-US">
                 <a:solidFill>
                   <a:srgbClr val="000000"/>
                 </a:solidFill>
@@ -11011,7 +10921,7 @@
               </a:rPr>
               <a:t>MICROSOFT MAKES NO WARRANTIES, EXPRESS, IMPLIED OR STATUTORY, AS TO THE INFORMATION IN THIS PRESENTATION.</a:t>
             </a:r>
-            <a:endParaRPr lang="en-US" dirty="0" smtClean="0">
+            <a:endParaRPr lang="en-US" dirty="0">
               <a:solidFill>
                 <a:srgbClr val="000000"/>
               </a:solidFill>
@@ -11060,7 +10970,7 @@
           <a:lstStyle/>
           <a:p>
             <a:r>
-              <a:rPr lang="en-US" smtClean="0"/>
+              <a:rPr lang="en-US"/>
               <a:t>MIX 11</a:t>
             </a:r>
             <a:endParaRPr lang="en-US" dirty="0"/>
@@ -11147,7 +11057,7 @@
           <a:p>
             <a:fld id="{867A2B29-13F5-4609-975E-5F9F285C5A14}" type="datetime1">
               <a:rPr lang="en-US" smtClean="0"/>
-              <a:t>8/18/2011</a:t>
+              <a:t>7/30/2016</a:t>
             </a:fld>
             <a:endParaRPr lang="en-US" dirty="0"/>
           </a:p>
@@ -11169,7 +11079,7 @@
           <a:lstStyle/>
           <a:p>
             <a:r>
-              <a:rPr lang="en-US" smtClean="0">
+              <a:rPr lang="en-US">
                 <a:solidFill>
                   <a:srgbClr val="000000"/>
                 </a:solidFill>
@@ -11180,7 +11090,7 @@
           </a:p>
           <a:p>
             <a:r>
-              <a:rPr lang="en-US" smtClean="0">
+              <a:rPr lang="en-US">
                 <a:solidFill>
                   <a:srgbClr val="000000"/>
                 </a:solidFill>
@@ -11189,7 +11099,7 @@
               <a:t>The information herein is for informational purposes only and represents the current view of Microsoft Corporation as of the date of this presentation. Because Microsoft must respond to changing market conditions, it should not be interpreted to be a commitment on the part of Microsoft, and Microsoft cannot guarantee the accuracy of any information provided after the date of this presentation.</a:t>
             </a:r>
             <a:br>
-              <a:rPr lang="en-US" smtClean="0">
+              <a:rPr lang="en-US">
                 <a:solidFill>
                   <a:srgbClr val="000000"/>
                 </a:solidFill>
@@ -11197,7 +11107,7 @@
               </a:rPr>
             </a:br>
             <a:r>
-              <a:rPr lang="en-US" smtClean="0">
+              <a:rPr lang="en-US">
                 <a:solidFill>
                   <a:srgbClr val="000000"/>
                 </a:solidFill>
@@ -11205,7 +11115,7 @@
               </a:rPr>
               <a:t>MICROSOFT MAKES NO WARRANTIES, EXPRESS, IMPLIED OR STATUTORY, AS TO THE INFORMATION IN THIS PRESENTATION.</a:t>
             </a:r>
-            <a:endParaRPr lang="en-US" dirty="0" smtClean="0">
+            <a:endParaRPr lang="en-US" dirty="0">
               <a:solidFill>
                 <a:srgbClr val="000000"/>
               </a:solidFill>
@@ -11254,7 +11164,7 @@
           <a:lstStyle/>
           <a:p>
             <a:r>
-              <a:rPr lang="en-US" smtClean="0"/>
+              <a:rPr lang="en-US"/>
               <a:t>MIX 11</a:t>
             </a:r>
             <a:endParaRPr lang="en-US" dirty="0"/>
@@ -11343,7 +11253,7 @@
           </a:lstStyle>
           <a:p>
             <a:r>
-              <a:rPr lang="en-US" smtClean="0"/>
+              <a:rPr lang="en-US"/>
               <a:t>Click to edit Master title style</a:t>
             </a:r>
             <a:endParaRPr lang="en-US" dirty="0"/>
@@ -11476,7 +11386,7 @@
           </a:lstStyle>
           <a:p>
             <a:r>
-              <a:rPr lang="en-US" smtClean="0"/>
+              <a:rPr lang="en-US"/>
               <a:t>Click to edit Master subtitle style</a:t>
             </a:r>
             <a:endParaRPr lang="en-US" dirty="0"/>
@@ -11532,13 +11442,6 @@
   <p:transition>
     <p:fade/>
   </p:transition>
-  <p:timing>
-    <p:tnLst>
-      <p:par>
-        <p:cTn id="1" dur="indefinite" restart="never" nodeType="tmRoot"/>
-      </p:par>
-    </p:tnLst>
-  </p:timing>
 </p:sldLayout>
 </file>
 
@@ -11599,7 +11502,7 @@
           </a:lstStyle>
           <a:p>
             <a:r>
-              <a:rPr lang="en-US" smtClean="0"/>
+              <a:rPr lang="en-US"/>
               <a:t>Click to edit Master title style</a:t>
             </a:r>
             <a:endParaRPr lang="en-US" dirty="0"/>
@@ -11734,35 +11637,35 @@
           <a:p>
             <a:pPr lvl="0"/>
             <a:r>
-              <a:rPr lang="en-US" smtClean="0"/>
+              <a:rPr lang="en-US"/>
               <a:t>Click to edit Master text styles</a:t>
             </a:r>
           </a:p>
           <a:p>
             <a:pPr lvl="1"/>
             <a:r>
-              <a:rPr lang="en-US" smtClean="0"/>
+              <a:rPr lang="en-US"/>
               <a:t>Second level</a:t>
             </a:r>
           </a:p>
           <a:p>
             <a:pPr lvl="2"/>
             <a:r>
-              <a:rPr lang="en-US" smtClean="0"/>
+              <a:rPr lang="en-US"/>
               <a:t>Third level</a:t>
             </a:r>
           </a:p>
           <a:p>
             <a:pPr lvl="3"/>
             <a:r>
-              <a:rPr lang="en-US" smtClean="0"/>
+              <a:rPr lang="en-US"/>
               <a:t>Fourth level</a:t>
             </a:r>
           </a:p>
           <a:p>
             <a:pPr lvl="4"/>
             <a:r>
-              <a:rPr lang="en-US" smtClean="0"/>
+              <a:rPr lang="en-US"/>
               <a:t>Fifth level</a:t>
             </a:r>
             <a:endParaRPr lang="en-US" dirty="0"/>
@@ -11777,13 +11680,6 @@
   <p:transition>
     <p:fade/>
   </p:transition>
-  <p:timing>
-    <p:tnLst>
-      <p:par>
-        <p:cTn id="1" dur="indefinite" restart="never" nodeType="tmRoot"/>
-      </p:par>
-    </p:tnLst>
-  </p:timing>
 </p:sldLayout>
 </file>
 
@@ -11844,7 +11740,7 @@
           </a:lstStyle>
           <a:p>
             <a:r>
-              <a:rPr lang="en-US" smtClean="0"/>
+              <a:rPr lang="en-US"/>
               <a:t>Click to edit Master title style</a:t>
             </a:r>
             <a:endParaRPr lang="en-US" dirty="0"/>
@@ -11979,35 +11875,35 @@
           <a:p>
             <a:pPr lvl="0"/>
             <a:r>
-              <a:rPr lang="en-US" smtClean="0"/>
+              <a:rPr lang="en-US"/>
               <a:t>Click to edit Master text styles</a:t>
             </a:r>
           </a:p>
           <a:p>
             <a:pPr lvl="1"/>
             <a:r>
-              <a:rPr lang="en-US" smtClean="0"/>
+              <a:rPr lang="en-US"/>
               <a:t>Second level</a:t>
             </a:r>
           </a:p>
           <a:p>
             <a:pPr lvl="2"/>
             <a:r>
-              <a:rPr lang="en-US" smtClean="0"/>
+              <a:rPr lang="en-US"/>
               <a:t>Third level</a:t>
             </a:r>
           </a:p>
           <a:p>
             <a:pPr lvl="3"/>
             <a:r>
-              <a:rPr lang="en-US" smtClean="0"/>
+              <a:rPr lang="en-US"/>
               <a:t>Fourth level</a:t>
             </a:r>
           </a:p>
           <a:p>
             <a:pPr lvl="4"/>
             <a:r>
-              <a:rPr lang="en-US" smtClean="0"/>
+              <a:rPr lang="en-US"/>
               <a:t>Fifth level</a:t>
             </a:r>
             <a:endParaRPr lang="en-US" dirty="0"/>
@@ -12061,7 +11957,7 @@
           <a:p>
             <a:pPr lvl="0"/>
             <a:r>
-              <a:rPr lang="en-US" smtClean="0"/>
+              <a:rPr lang="en-US"/>
               <a:t>Click to edit Master text styles</a:t>
             </a:r>
           </a:p>
@@ -12075,13 +11971,6 @@
   <p:transition>
     <p:fade/>
   </p:transition>
-  <p:timing>
-    <p:tnLst>
-      <p:par>
-        <p:cTn id="1" dur="indefinite" restart="never" nodeType="tmRoot"/>
-      </p:par>
-    </p:tnLst>
-  </p:timing>
 </p:sldLayout>
 </file>
 
@@ -12118,10 +12007,9 @@
           <a:lstStyle/>
           <a:p>
             <a:r>
-              <a:rPr lang="en-US" smtClean="0"/>
+              <a:rPr lang="en-US"/>
               <a:t>Click to edit Master title style</a:t>
             </a:r>
-            <a:endParaRPr lang="en-US"/>
           </a:p>
         </p:txBody>
       </p:sp>
@@ -12162,7 +12050,7 @@
           <a:p>
             <a:pPr lvl="0"/>
             <a:r>
-              <a:rPr lang="en-US" smtClean="0"/>
+              <a:rPr lang="en-US"/>
               <a:t>Click to edit Master text styles</a:t>
             </a:r>
           </a:p>
@@ -12218,10 +12106,9 @@
           <a:lstStyle/>
           <a:p>
             <a:r>
-              <a:rPr lang="en-US" dirty="0" smtClean="0"/>
+              <a:rPr lang="en-US" dirty="0"/>
               <a:t>Click to edit Master title style</a:t>
             </a:r>
-            <a:endParaRPr lang="en-US" dirty="0"/>
           </a:p>
         </p:txBody>
       </p:sp>
@@ -12278,38 +12165,37 @@
           <a:p>
             <a:pPr lvl="0"/>
             <a:r>
-              <a:rPr lang="en-US" dirty="0" smtClean="0"/>
+              <a:rPr lang="en-US" dirty="0"/>
               <a:t>Click to edit Master text styles</a:t>
             </a:r>
           </a:p>
           <a:p>
             <a:pPr lvl="1"/>
             <a:r>
-              <a:rPr lang="en-US" dirty="0" smtClean="0"/>
+              <a:rPr lang="en-US" dirty="0"/>
               <a:t>Second level</a:t>
             </a:r>
           </a:p>
           <a:p>
             <a:pPr lvl="2"/>
             <a:r>
-              <a:rPr lang="en-US" dirty="0" smtClean="0"/>
+              <a:rPr lang="en-US" dirty="0"/>
               <a:t>Third level</a:t>
             </a:r>
           </a:p>
           <a:p>
             <a:pPr lvl="3"/>
             <a:r>
-              <a:rPr lang="en-US" dirty="0" smtClean="0"/>
+              <a:rPr lang="en-US" dirty="0"/>
               <a:t>Fourth level</a:t>
             </a:r>
           </a:p>
           <a:p>
             <a:pPr lvl="4"/>
             <a:r>
-              <a:rPr lang="en-US" dirty="0" smtClean="0"/>
+              <a:rPr lang="en-US" dirty="0"/>
               <a:t>Fifth level</a:t>
             </a:r>
-            <a:endParaRPr lang="en-US" dirty="0"/>
           </a:p>
         </p:txBody>
       </p:sp>
@@ -12321,13 +12207,6 @@
   <p:transition>
     <p:fade/>
   </p:transition>
-  <p:timing>
-    <p:tnLst>
-      <p:par>
-        <p:cTn id="1" dur="indefinite" restart="never" nodeType="tmRoot"/>
-      </p:par>
-    </p:tnLst>
-  </p:timing>
 </p:sldLayout>
 </file>
 
@@ -12398,7 +12277,7 @@
               <a:buNone/>
               <a:tabLst/>
             </a:pPr>
-            <a:endParaRPr kumimoji="0" lang="en-US" sz="3200" b="1" i="0" u="none" strike="noStrike" cap="none" normalizeH="0" baseline="0" dirty="0" smtClean="0">
+            <a:endParaRPr kumimoji="0" lang="en-US" sz="3200" b="1" i="0" u="none" strike="noStrike" cap="none" normalizeH="0" baseline="0" dirty="0">
               <a:ln>
                 <a:noFill/>
               </a:ln>
@@ -12474,10 +12353,9 @@
           </a:lstStyle>
           <a:p>
             <a:r>
-              <a:rPr lang="en-US" dirty="0" smtClean="0"/>
+              <a:rPr lang="en-US" dirty="0"/>
               <a:t>Title Here</a:t>
             </a:r>
-            <a:endParaRPr lang="en-US" dirty="0"/>
           </a:p>
         </p:txBody>
       </p:sp>
@@ -12512,10 +12390,9 @@
           <a:p>
             <a:pPr lvl="0"/>
             <a:r>
-              <a:rPr lang="en-US" dirty="0" smtClean="0"/>
+              <a:rPr lang="en-US" dirty="0"/>
               <a:t>Subtitle Here</a:t>
             </a:r>
-            <a:endParaRPr lang="en-US" dirty="0"/>
           </a:p>
         </p:txBody>
       </p:sp>
@@ -12550,10 +12427,9 @@
           <a:p>
             <a:pPr lvl="0"/>
             <a:r>
-              <a:rPr lang="en-US" dirty="0" smtClean="0"/>
+              <a:rPr lang="en-US" dirty="0"/>
               <a:t>Date</a:t>
             </a:r>
-            <a:endParaRPr lang="en-US" dirty="0"/>
           </a:p>
         </p:txBody>
       </p:sp>
@@ -12660,7 +12536,7 @@
               <a:buNone/>
               <a:tabLst/>
             </a:pPr>
-            <a:endParaRPr kumimoji="0" lang="en-US" sz="3200" b="1" i="0" u="none" strike="noStrike" cap="none" normalizeH="0" baseline="0" dirty="0" smtClean="0">
+            <a:endParaRPr kumimoji="0" lang="en-US" sz="3200" b="1" i="0" u="none" strike="noStrike" cap="none" normalizeH="0" baseline="0" dirty="0">
               <a:ln>
                 <a:noFill/>
               </a:ln>
@@ -12737,7 +12613,7 @@
               <a:buNone/>
               <a:tabLst/>
             </a:pPr>
-            <a:endParaRPr kumimoji="0" lang="en-US" sz="3200" b="1" i="0" u="none" strike="noStrike" cap="none" normalizeH="0" baseline="0" dirty="0" smtClean="0">
+            <a:endParaRPr kumimoji="0" lang="en-US" sz="3200" b="1" i="0" u="none" strike="noStrike" cap="none" normalizeH="0" baseline="0" dirty="0">
               <a:ln>
                 <a:noFill/>
               </a:ln>
@@ -12814,7 +12690,7 @@
               <a:buNone/>
               <a:tabLst/>
             </a:pPr>
-            <a:endParaRPr kumimoji="0" lang="en-US" sz="3200" b="1" i="0" u="none" strike="noStrike" cap="none" normalizeH="0" baseline="0" dirty="0" smtClean="0">
+            <a:endParaRPr kumimoji="0" lang="en-US" sz="3200" b="1" i="0" u="none" strike="noStrike" cap="none" normalizeH="0" baseline="0" dirty="0">
               <a:ln>
                 <a:noFill/>
               </a:ln>
@@ -12894,7 +12770,7 @@
               <a:buNone/>
               <a:tabLst/>
             </a:pPr>
-            <a:endParaRPr kumimoji="0" lang="en-US" sz="3200" b="1" i="0" u="none" strike="noStrike" cap="none" normalizeH="0" baseline="0" smtClean="0">
+            <a:endParaRPr kumimoji="0" lang="en-US" sz="3200" b="1" i="0" u="none" strike="noStrike" cap="none" normalizeH="0" baseline="0">
               <a:ln>
                 <a:noFill/>
               </a:ln>
@@ -12957,7 +12833,7 @@
               <a:defRPr/>
             </a:pPr>
             <a:r>
-              <a:rPr lang="en-US" sz="900" b="0" dirty="0" smtClean="0">
+              <a:rPr lang="en-US" sz="900" b="0" dirty="0">
                 <a:solidFill>
                   <a:schemeClr val="bg1"/>
                 </a:solidFill>
@@ -12967,14 +12843,6 @@
               </a:rPr>
               <a:t>Slalom Confidential</a:t>
             </a:r>
-            <a:endParaRPr lang="en-US" sz="900" b="0" dirty="0">
-              <a:solidFill>
-                <a:schemeClr val="bg1"/>
-              </a:solidFill>
-              <a:latin typeface="Calibri" pitchFamily="34" charset="0"/>
-              <a:ea typeface="ＭＳ Ｐゴシック" pitchFamily="34" charset="-128"/>
-              <a:cs typeface="Arial" charset="0"/>
-            </a:endParaRPr>
           </a:p>
         </p:txBody>
       </p:sp>
@@ -13029,7 +12897,7 @@
           </a:lstStyle>
           <a:p>
             <a:r>
-              <a:rPr lang="en-US" smtClean="0"/>
+              <a:rPr lang="en-US"/>
               <a:t>Click to edit Master title style</a:t>
             </a:r>
             <a:endParaRPr lang="en-US" dirty="0"/>
@@ -13087,7 +12955,7 @@
           </a:lstStyle>
           <a:p>
             <a:r>
-              <a:rPr lang="en-US" smtClean="0"/>
+              <a:rPr lang="en-US"/>
               <a:t>Click to edit Master title style</a:t>
             </a:r>
             <a:endParaRPr lang="en-US" dirty="0"/>
@@ -13116,38 +12984,37 @@
           <a:p>
             <a:pPr lvl="0"/>
             <a:r>
-              <a:rPr lang="en-US" smtClean="0"/>
+              <a:rPr lang="en-US"/>
               <a:t>Click to edit Master text styles</a:t>
             </a:r>
           </a:p>
           <a:p>
             <a:pPr lvl="1"/>
             <a:r>
-              <a:rPr lang="en-US" smtClean="0"/>
+              <a:rPr lang="en-US"/>
               <a:t>Second level</a:t>
             </a:r>
           </a:p>
           <a:p>
             <a:pPr lvl="2"/>
             <a:r>
-              <a:rPr lang="en-US" smtClean="0"/>
+              <a:rPr lang="en-US"/>
               <a:t>Third level</a:t>
             </a:r>
           </a:p>
           <a:p>
             <a:pPr lvl="3"/>
             <a:r>
-              <a:rPr lang="en-US" smtClean="0"/>
+              <a:rPr lang="en-US"/>
               <a:t>Fourth level</a:t>
             </a:r>
           </a:p>
           <a:p>
             <a:pPr lvl="4"/>
             <a:r>
-              <a:rPr lang="en-US" smtClean="0"/>
+              <a:rPr lang="en-US"/>
               <a:t>Fifth level</a:t>
             </a:r>
-            <a:endParaRPr lang="en-US"/>
           </a:p>
         </p:txBody>
       </p:sp>
@@ -13206,7 +13073,7 @@
           </a:lstStyle>
           <a:p>
             <a:r>
-              <a:rPr lang="en-US" smtClean="0"/>
+              <a:rPr lang="en-US"/>
               <a:t>Click to edit Master title style</a:t>
             </a:r>
             <a:endParaRPr lang="en-US" dirty="0"/>
@@ -13326,7 +13193,7 @@
           <a:p>
             <a:pPr lvl="0"/>
             <a:r>
-              <a:rPr lang="en-US" smtClean="0"/>
+              <a:rPr lang="en-US"/>
               <a:t>Click to edit Master text styles</a:t>
             </a:r>
           </a:p>
@@ -13337,13 +13204,6 @@
   <p:clrMapOvr>
     <a:masterClrMapping/>
   </p:clrMapOvr>
-  <p:timing>
-    <p:tnLst>
-      <p:par>
-        <p:cTn id="1" dur="indefinite" restart="never" nodeType="tmRoot"/>
-      </p:par>
-    </p:tnLst>
-  </p:timing>
 </p:sldLayout>
 </file>
 
@@ -13380,7 +13240,7 @@
           <a:lstStyle/>
           <a:p>
             <a:r>
-              <a:rPr lang="en-US" smtClean="0"/>
+              <a:rPr lang="en-US"/>
               <a:t>Click to edit Master title style</a:t>
             </a:r>
             <a:endParaRPr lang="en-US" dirty="0"/>
@@ -13486,7 +13346,7 @@
               <a:buNone/>
             </a:pPr>
             <a:r>
-              <a:rPr lang="en-US" smtClean="0"/>
+              <a:rPr lang="en-US"/>
               <a:t>Click to edit Master text styles</a:t>
             </a:r>
           </a:p>
@@ -13506,7 +13366,7 @@
               <a:buNone/>
             </a:pPr>
             <a:r>
-              <a:rPr lang="en-US" smtClean="0"/>
+              <a:rPr lang="en-US"/>
               <a:t>Second level</a:t>
             </a:r>
           </a:p>
@@ -13526,7 +13386,7 @@
               <a:buNone/>
             </a:pPr>
             <a:r>
-              <a:rPr lang="en-US" smtClean="0"/>
+              <a:rPr lang="en-US"/>
               <a:t>Third level</a:t>
             </a:r>
           </a:p>
@@ -13546,7 +13406,7 @@
               <a:buNone/>
             </a:pPr>
             <a:r>
-              <a:rPr lang="en-US" smtClean="0"/>
+              <a:rPr lang="en-US"/>
               <a:t>Fourth level</a:t>
             </a:r>
           </a:p>
@@ -13566,7 +13426,7 @@
               <a:buNone/>
             </a:pPr>
             <a:r>
-              <a:rPr lang="en-US" smtClean="0"/>
+              <a:rPr lang="en-US"/>
               <a:t>Fifth level</a:t>
             </a:r>
             <a:endParaRPr lang="en-US" dirty="0"/>
@@ -13672,7 +13532,7 @@
               <a:buNone/>
             </a:pPr>
             <a:r>
-              <a:rPr lang="en-US" smtClean="0"/>
+              <a:rPr lang="en-US"/>
               <a:t>Click to edit Master text styles</a:t>
             </a:r>
           </a:p>
@@ -13692,7 +13552,7 @@
               <a:buNone/>
             </a:pPr>
             <a:r>
-              <a:rPr lang="en-US" smtClean="0"/>
+              <a:rPr lang="en-US"/>
               <a:t>Second level</a:t>
             </a:r>
           </a:p>
@@ -13712,7 +13572,7 @@
               <a:buNone/>
             </a:pPr>
             <a:r>
-              <a:rPr lang="en-US" smtClean="0"/>
+              <a:rPr lang="en-US"/>
               <a:t>Third level</a:t>
             </a:r>
           </a:p>
@@ -13732,7 +13592,7 @@
               <a:buNone/>
             </a:pPr>
             <a:r>
-              <a:rPr lang="en-US" smtClean="0"/>
+              <a:rPr lang="en-US"/>
               <a:t>Fourth level</a:t>
             </a:r>
           </a:p>
@@ -13752,7 +13612,7 @@
               <a:buNone/>
             </a:pPr>
             <a:r>
-              <a:rPr lang="en-US" smtClean="0"/>
+              <a:rPr lang="en-US"/>
               <a:t>Fifth level</a:t>
             </a:r>
             <a:endParaRPr lang="en-US" dirty="0"/>
@@ -13767,13 +13627,6 @@
   <p:transition>
     <p:fade/>
   </p:transition>
-  <p:timing>
-    <p:tnLst>
-      <p:par>
-        <p:cTn id="1" dur="indefinite" restart="never" nodeType="tmRoot"/>
-      </p:par>
-    </p:tnLst>
-  </p:timing>
 </p:sldLayout>
 </file>
 
@@ -13844,7 +13697,7 @@
               <a:buNone/>
               <a:tabLst/>
             </a:pPr>
-            <a:endParaRPr kumimoji="0" lang="en-US" sz="3200" b="1" i="0" u="none" strike="noStrike" cap="none" normalizeH="0" baseline="0" smtClean="0">
+            <a:endParaRPr kumimoji="0" lang="en-US" sz="3200" b="1" i="0" u="none" strike="noStrike" cap="none" normalizeH="0" baseline="0">
               <a:ln>
                 <a:noFill/>
               </a:ln>
@@ -13909,7 +13762,7 @@
               <a:buNone/>
               <a:tabLst/>
             </a:pPr>
-            <a:endParaRPr kumimoji="0" lang="en-US" sz="3200" b="1" i="0" u="none" strike="noStrike" cap="none" normalizeH="0" baseline="0" dirty="0" smtClean="0">
+            <a:endParaRPr kumimoji="0" lang="en-US" sz="3200" b="1" i="0" u="none" strike="noStrike" cap="none" normalizeH="0" baseline="0" dirty="0">
               <a:ln>
                 <a:noFill/>
               </a:ln>
@@ -13953,7 +13806,7 @@
           </a:lstStyle>
           <a:p>
             <a:r>
-              <a:rPr lang="en-US" smtClean="0"/>
+              <a:rPr lang="en-US"/>
               <a:t>Click to edit Master title style</a:t>
             </a:r>
             <a:endParaRPr lang="en-US" dirty="0"/>
@@ -14030,7 +13883,7 @@
           </a:lstStyle>
           <a:p>
             <a:r>
-              <a:rPr lang="en-US" smtClean="0"/>
+              <a:rPr lang="en-US"/>
               <a:t>Click to edit Master title style</a:t>
             </a:r>
             <a:endParaRPr lang="en-US" dirty="0"/>
@@ -14163,7 +14016,7 @@
           </a:lstStyle>
           <a:p>
             <a:r>
-              <a:rPr lang="en-US" smtClean="0"/>
+              <a:rPr lang="en-US"/>
               <a:t>Click to edit Master subtitle style</a:t>
             </a:r>
             <a:endParaRPr lang="en-US" dirty="0"/>
@@ -14228,7 +14081,7 @@
           <a:p>
             <a:pPr lvl="0"/>
             <a:r>
-              <a:rPr lang="en-US" dirty="0" smtClean="0"/>
+              <a:rPr lang="en-US" dirty="0"/>
               <a:t>click to…</a:t>
             </a:r>
           </a:p>
@@ -14242,13 +14095,6 @@
   <p:transition>
     <p:fade/>
   </p:transition>
-  <p:timing>
-    <p:tnLst>
-      <p:par>
-        <p:cTn id="1" dur="indefinite" restart="never" nodeType="tmRoot"/>
-      </p:par>
-    </p:tnLst>
-  </p:timing>
 </p:sldLayout>
 </file>
 
@@ -14339,10 +14185,9 @@
           </a:lstStyle>
           <a:p>
             <a:r>
-              <a:rPr kumimoji="0" lang="en-US" smtClean="0"/>
+              <a:rPr kumimoji="0" lang="en-US"/>
               <a:t>Click to edit Master title style</a:t>
             </a:r>
-            <a:endParaRPr kumimoji="0" lang="en-US"/>
           </a:p>
         </p:txBody>
       </p:sp>
@@ -14371,7 +14216,7 @@
           <a:p>
             <a:fld id="{2069C06D-4ED8-42C6-905D-CA84CA1B6CBF}" type="datetime2">
               <a:rPr lang="en-US" smtClean="0"/>
-              <a:t>Thursday, August 18, 2011</a:t>
+              <a:t>Saturday, July 30, 2016</a:t>
             </a:fld>
             <a:endParaRPr lang="en-US" dirty="0"/>
           </a:p>
@@ -14490,10 +14335,9 @@
           </a:lstStyle>
           <a:p>
             <a:r>
-              <a:rPr kumimoji="0" lang="en-US" smtClean="0"/>
+              <a:rPr kumimoji="0" lang="en-US"/>
               <a:t>Click to edit Master subtitle style</a:t>
             </a:r>
-            <a:endParaRPr kumimoji="0" lang="en-US"/>
           </a:p>
         </p:txBody>
       </p:sp>
@@ -14546,13 +14390,6 @@
   <p:transition>
     <p:fade/>
   </p:transition>
-  <p:timing>
-    <p:tnLst>
-      <p:par>
-        <p:cTn id="1" dur="indefinite" restart="never" nodeType="tmRoot"/>
-      </p:par>
-    </p:tnLst>
-  </p:timing>
 </p:sldLayout>
 </file>
 
@@ -14594,7 +14431,7 @@
           <a:lstStyle/>
           <a:p>
             <a:r>
-              <a:rPr lang="en-US" smtClean="0"/>
+              <a:rPr lang="en-US"/>
               <a:t>Click to edit Master title style</a:t>
             </a:r>
             <a:endParaRPr lang="en-US" dirty="0"/>
@@ -14623,35 +14460,35 @@
           <a:p>
             <a:pPr lvl="0"/>
             <a:r>
-              <a:rPr lang="en-US" smtClean="0"/>
+              <a:rPr lang="en-US"/>
               <a:t>Click to edit Master text styles</a:t>
             </a:r>
           </a:p>
           <a:p>
             <a:pPr lvl="1"/>
             <a:r>
-              <a:rPr lang="en-US" smtClean="0"/>
+              <a:rPr lang="en-US"/>
               <a:t>Second level</a:t>
             </a:r>
           </a:p>
           <a:p>
             <a:pPr lvl="2"/>
             <a:r>
-              <a:rPr lang="en-US" smtClean="0"/>
+              <a:rPr lang="en-US"/>
               <a:t>Third level</a:t>
             </a:r>
           </a:p>
           <a:p>
             <a:pPr lvl="3"/>
             <a:r>
-              <a:rPr lang="en-US" smtClean="0"/>
+              <a:rPr lang="en-US"/>
               <a:t>Fourth level</a:t>
             </a:r>
           </a:p>
           <a:p>
             <a:pPr lvl="4"/>
             <a:r>
-              <a:rPr lang="en-US" smtClean="0"/>
+              <a:rPr lang="en-US"/>
               <a:t>Fifth level</a:t>
             </a:r>
             <a:endParaRPr lang="en-US" dirty="0"/>
@@ -14666,13 +14503,6 @@
   <p:transition>
     <p:fade/>
   </p:transition>
-  <p:timing>
-    <p:tnLst>
-      <p:par>
-        <p:cTn id="1" dur="indefinite" restart="never" nodeType="tmRoot"/>
-      </p:par>
-    </p:tnLst>
-  </p:timing>
 </p:sldLayout>
 </file>
 
@@ -14709,10 +14539,9 @@
           <a:lstStyle/>
           <a:p>
             <a:r>
-              <a:rPr kumimoji="0" lang="en-US" smtClean="0"/>
+              <a:rPr kumimoji="0" lang="en-US"/>
               <a:t>Click to edit Master title style</a:t>
             </a:r>
-            <a:endParaRPr kumimoji="0" lang="en-US"/>
           </a:p>
         </p:txBody>
       </p:sp>
@@ -14733,35 +14562,35 @@
           <a:p>
             <a:pPr lvl="0" eaLnBrk="1" latinLnBrk="0" hangingPunct="1"/>
             <a:r>
-              <a:rPr lang="en-US" smtClean="0"/>
+              <a:rPr lang="en-US"/>
               <a:t>Click to edit Master text styles</a:t>
             </a:r>
           </a:p>
           <a:p>
             <a:pPr lvl="1" eaLnBrk="1" latinLnBrk="0" hangingPunct="1"/>
             <a:r>
-              <a:rPr lang="en-US" smtClean="0"/>
+              <a:rPr lang="en-US"/>
               <a:t>Second level</a:t>
             </a:r>
           </a:p>
           <a:p>
             <a:pPr lvl="2" eaLnBrk="1" latinLnBrk="0" hangingPunct="1"/>
             <a:r>
-              <a:rPr lang="en-US" smtClean="0"/>
+              <a:rPr lang="en-US"/>
               <a:t>Third level</a:t>
             </a:r>
           </a:p>
           <a:p>
             <a:pPr lvl="3" eaLnBrk="1" latinLnBrk="0" hangingPunct="1"/>
             <a:r>
-              <a:rPr lang="en-US" smtClean="0"/>
+              <a:rPr lang="en-US"/>
               <a:t>Fourth level</a:t>
             </a:r>
           </a:p>
           <a:p>
             <a:pPr lvl="4" eaLnBrk="1" latinLnBrk="0" hangingPunct="1"/>
             <a:r>
-              <a:rPr lang="en-US" smtClean="0"/>
+              <a:rPr lang="en-US"/>
               <a:t>Fifth level</a:t>
             </a:r>
             <a:endParaRPr kumimoji="0" lang="en-US"/>
@@ -14793,7 +14622,7 @@
           <a:p>
             <a:fld id="{14CB1CAA-32CD-4B55-B92A-B8F0843CACF4}" type="datetime2">
               <a:rPr lang="en-US" smtClean="0"/>
-              <a:t>Thursday, August 18, 2011</a:t>
+              <a:t>Saturday, July 30, 2016</a:t>
             </a:fld>
             <a:endParaRPr lang="en-US" dirty="0"/>
           </a:p>
@@ -14866,13 +14695,6 @@
   <p:transition>
     <p:fade/>
   </p:transition>
-  <p:timing>
-    <p:tnLst>
-      <p:par>
-        <p:cTn id="1" dur="indefinite" restart="never" nodeType="tmRoot"/>
-      </p:par>
-    </p:tnLst>
-  </p:timing>
 </p:sldLayout>
 </file>
 
@@ -14909,10 +14731,9 @@
           <a:lstStyle/>
           <a:p>
             <a:r>
-              <a:rPr lang="en-US" smtClean="0"/>
+              <a:rPr lang="en-US"/>
               <a:t>Click to edit Master title style</a:t>
             </a:r>
-            <a:endParaRPr lang="en-US"/>
           </a:p>
         </p:txBody>
       </p:sp>
@@ -14953,7 +14774,7 @@
           <a:p>
             <a:pPr lvl="0"/>
             <a:r>
-              <a:rPr lang="en-US" smtClean="0"/>
+              <a:rPr lang="en-US"/>
               <a:t>Click to edit Master text styles</a:t>
             </a:r>
           </a:p>
@@ -15037,7 +14858,7 @@
           </a:lstStyle>
           <a:p>
             <a:r>
-              <a:rPr lang="en-US" smtClean="0"/>
+              <a:rPr lang="en-US"/>
               <a:t>Click to edit Master title style</a:t>
             </a:r>
             <a:endParaRPr lang="en-US" dirty="0"/>
@@ -15170,7 +14991,7 @@
           </a:lstStyle>
           <a:p>
             <a:r>
-              <a:rPr lang="en-US" smtClean="0"/>
+              <a:rPr lang="en-US"/>
               <a:t>Click to edit Master subtitle style</a:t>
             </a:r>
             <a:endParaRPr lang="en-US" dirty="0"/>
@@ -15235,7 +15056,7 @@
           <a:p>
             <a:pPr lvl="0"/>
             <a:r>
-              <a:rPr lang="en-US" dirty="0" smtClean="0"/>
+              <a:rPr lang="en-US" dirty="0"/>
               <a:t>click to…</a:t>
             </a:r>
           </a:p>
@@ -15249,13 +15070,6 @@
   <p:transition>
     <p:fade/>
   </p:transition>
-  <p:timing>
-    <p:tnLst>
-      <p:par>
-        <p:cTn id="1" dur="indefinite" restart="never" nodeType="tmRoot"/>
-      </p:par>
-    </p:tnLst>
-  </p:timing>
 </p:sldLayout>
 </file>
 
@@ -15297,7 +15111,7 @@
           <a:lstStyle/>
           <a:p>
             <a:r>
-              <a:rPr lang="en-US" smtClean="0"/>
+              <a:rPr lang="en-US"/>
               <a:t>Click to edit Master title style</a:t>
             </a:r>
             <a:endParaRPr lang="en-US" dirty="0"/>
@@ -15326,35 +15140,35 @@
           <a:p>
             <a:pPr lvl="0"/>
             <a:r>
-              <a:rPr lang="en-US" smtClean="0"/>
+              <a:rPr lang="en-US"/>
               <a:t>Click to edit Master text styles</a:t>
             </a:r>
           </a:p>
           <a:p>
             <a:pPr lvl="1"/>
             <a:r>
-              <a:rPr lang="en-US" smtClean="0"/>
+              <a:rPr lang="en-US"/>
               <a:t>Second level</a:t>
             </a:r>
           </a:p>
           <a:p>
             <a:pPr lvl="2"/>
             <a:r>
-              <a:rPr lang="en-US" smtClean="0"/>
+              <a:rPr lang="en-US"/>
               <a:t>Third level</a:t>
             </a:r>
           </a:p>
           <a:p>
             <a:pPr lvl="3"/>
             <a:r>
-              <a:rPr lang="en-US" smtClean="0"/>
+              <a:rPr lang="en-US"/>
               <a:t>Fourth level</a:t>
             </a:r>
           </a:p>
           <a:p>
             <a:pPr lvl="4"/>
             <a:r>
-              <a:rPr lang="en-US" smtClean="0"/>
+              <a:rPr lang="en-US"/>
               <a:t>Fifth level</a:t>
             </a:r>
             <a:endParaRPr lang="en-US" dirty="0"/>
@@ -15369,13 +15183,6 @@
   <p:transition>
     <p:fade/>
   </p:transition>
-  <p:timing>
-    <p:tnLst>
-      <p:par>
-        <p:cTn id="1" dur="indefinite" restart="never" nodeType="tmRoot"/>
-      </p:par>
-    </p:tnLst>
-  </p:timing>
 </p:sldLayout>
 </file>
 
@@ -15417,7 +15224,7 @@
           <a:lstStyle/>
           <a:p>
             <a:r>
-              <a:rPr lang="en-US" smtClean="0"/>
+              <a:rPr lang="en-US"/>
               <a:t>Click to edit Master title style</a:t>
             </a:r>
             <a:endParaRPr lang="en-US" dirty="0"/>
@@ -15446,35 +15253,35 @@
           <a:p>
             <a:pPr lvl="0"/>
             <a:r>
-              <a:rPr lang="en-US" smtClean="0"/>
+              <a:rPr lang="en-US"/>
               <a:t>Click to edit Master text styles</a:t>
             </a:r>
           </a:p>
           <a:p>
             <a:pPr lvl="1"/>
             <a:r>
-              <a:rPr lang="en-US" smtClean="0"/>
+              <a:rPr lang="en-US"/>
               <a:t>Second level</a:t>
             </a:r>
           </a:p>
           <a:p>
             <a:pPr lvl="2"/>
             <a:r>
-              <a:rPr lang="en-US" smtClean="0"/>
+              <a:rPr lang="en-US"/>
               <a:t>Third level</a:t>
             </a:r>
           </a:p>
           <a:p>
             <a:pPr lvl="3"/>
             <a:r>
-              <a:rPr lang="en-US" smtClean="0"/>
+              <a:rPr lang="en-US"/>
               <a:t>Fourth level</a:t>
             </a:r>
           </a:p>
           <a:p>
             <a:pPr lvl="4"/>
             <a:r>
-              <a:rPr lang="en-US" smtClean="0"/>
+              <a:rPr lang="en-US"/>
               <a:t>Fifth level</a:t>
             </a:r>
             <a:endParaRPr lang="en-US" dirty="0"/>
@@ -15489,13 +15296,6 @@
   <p:transition>
     <p:fade/>
   </p:transition>
-  <p:timing>
-    <p:tnLst>
-      <p:par>
-        <p:cTn id="1" dur="indefinite" restart="never" nodeType="tmRoot"/>
-      </p:par>
-    </p:tnLst>
-  </p:timing>
 </p:sldLayout>
 </file>
 
@@ -15537,7 +15337,7 @@
           <a:lstStyle/>
           <a:p>
             <a:r>
-              <a:rPr lang="en-US" smtClean="0"/>
+              <a:rPr lang="en-US"/>
               <a:t>Click to edit Master title style</a:t>
             </a:r>
             <a:endParaRPr lang="en-US" dirty="0"/>
@@ -15566,35 +15366,35 @@
           <a:p>
             <a:pPr lvl="0"/>
             <a:r>
-              <a:rPr lang="en-US" smtClean="0"/>
+              <a:rPr lang="en-US"/>
               <a:t>Click to edit Master text styles</a:t>
             </a:r>
           </a:p>
           <a:p>
             <a:pPr lvl="1"/>
             <a:r>
-              <a:rPr lang="en-US" smtClean="0"/>
+              <a:rPr lang="en-US"/>
               <a:t>Second level</a:t>
             </a:r>
           </a:p>
           <a:p>
             <a:pPr lvl="2"/>
             <a:r>
-              <a:rPr lang="en-US" smtClean="0"/>
+              <a:rPr lang="en-US"/>
               <a:t>Third level</a:t>
             </a:r>
           </a:p>
           <a:p>
             <a:pPr lvl="3"/>
             <a:r>
-              <a:rPr lang="en-US" smtClean="0"/>
+              <a:rPr lang="en-US"/>
               <a:t>Fourth level</a:t>
             </a:r>
           </a:p>
           <a:p>
             <a:pPr lvl="4"/>
             <a:r>
-              <a:rPr lang="en-US" smtClean="0"/>
+              <a:rPr lang="en-US"/>
               <a:t>Fifth level</a:t>
             </a:r>
             <a:endParaRPr lang="en-US" dirty="0"/>
@@ -15609,13 +15409,6 @@
   <p:transition>
     <p:fade/>
   </p:transition>
-  <p:timing>
-    <p:tnLst>
-      <p:par>
-        <p:cTn id="1" dur="indefinite" restart="never" nodeType="tmRoot"/>
-      </p:par>
-    </p:tnLst>
-  </p:timing>
 </p:sldLayout>
 </file>
 
@@ -15652,7 +15445,7 @@
           <a:lstStyle/>
           <a:p>
             <a:r>
-              <a:rPr lang="en-US" smtClean="0"/>
+              <a:rPr lang="en-US"/>
               <a:t>Click to edit Master title style</a:t>
             </a:r>
             <a:endParaRPr lang="en-US" dirty="0"/>
@@ -15712,35 +15505,35 @@
           <a:p>
             <a:pPr lvl="0"/>
             <a:r>
-              <a:rPr lang="en-US" smtClean="0"/>
+              <a:rPr lang="en-US"/>
               <a:t>Click to edit Master text styles</a:t>
             </a:r>
           </a:p>
           <a:p>
             <a:pPr lvl="1"/>
             <a:r>
-              <a:rPr lang="en-US" smtClean="0"/>
+              <a:rPr lang="en-US"/>
               <a:t>Second level</a:t>
             </a:r>
           </a:p>
           <a:p>
             <a:pPr lvl="2"/>
             <a:r>
-              <a:rPr lang="en-US" smtClean="0"/>
+              <a:rPr lang="en-US"/>
               <a:t>Third level</a:t>
             </a:r>
           </a:p>
           <a:p>
             <a:pPr lvl="3"/>
             <a:r>
-              <a:rPr lang="en-US" smtClean="0"/>
+              <a:rPr lang="en-US"/>
               <a:t>Fourth level</a:t>
             </a:r>
           </a:p>
           <a:p>
             <a:pPr lvl="4"/>
             <a:r>
-              <a:rPr lang="en-US" smtClean="0"/>
+              <a:rPr lang="en-US"/>
               <a:t>Fifth level</a:t>
             </a:r>
             <a:endParaRPr lang="en-US" dirty="0"/>
@@ -15755,13 +15548,6 @@
   <p:transition>
     <p:fade/>
   </p:transition>
-  <p:timing>
-    <p:tnLst>
-      <p:par>
-        <p:cTn id="1" dur="indefinite" restart="never" nodeType="tmRoot"/>
-      </p:par>
-    </p:tnLst>
-  </p:timing>
 </p:sldLayout>
 </file>
 
@@ -15798,7 +15584,7 @@
           <a:lstStyle/>
           <a:p>
             <a:r>
-              <a:rPr lang="en-US" smtClean="0"/>
+              <a:rPr lang="en-US"/>
               <a:t>Click to edit Master title style</a:t>
             </a:r>
             <a:endParaRPr lang="en-US" dirty="0"/>
@@ -15870,35 +15656,35 @@
           <a:p>
             <a:pPr lvl="0"/>
             <a:r>
-              <a:rPr lang="en-US" smtClean="0"/>
+              <a:rPr lang="en-US"/>
               <a:t>Click to edit Master text styles</a:t>
             </a:r>
           </a:p>
           <a:p>
             <a:pPr lvl="1"/>
             <a:r>
-              <a:rPr lang="en-US" smtClean="0"/>
+              <a:rPr lang="en-US"/>
               <a:t>Second level</a:t>
             </a:r>
           </a:p>
           <a:p>
             <a:pPr lvl="2"/>
             <a:r>
-              <a:rPr lang="en-US" smtClean="0"/>
+              <a:rPr lang="en-US"/>
               <a:t>Third level</a:t>
             </a:r>
           </a:p>
           <a:p>
             <a:pPr lvl="3"/>
             <a:r>
-              <a:rPr lang="en-US" smtClean="0"/>
+              <a:rPr lang="en-US"/>
               <a:t>Fourth level</a:t>
             </a:r>
           </a:p>
           <a:p>
             <a:pPr lvl="4"/>
             <a:r>
-              <a:rPr lang="en-US" smtClean="0"/>
+              <a:rPr lang="en-US"/>
               <a:t>Fifth level</a:t>
             </a:r>
             <a:endParaRPr lang="en-US" dirty="0"/>
@@ -15970,35 +15756,35 @@
           <a:p>
             <a:pPr lvl="0"/>
             <a:r>
-              <a:rPr lang="en-US" smtClean="0"/>
+              <a:rPr lang="en-US"/>
               <a:t>Click to edit Master text styles</a:t>
             </a:r>
           </a:p>
           <a:p>
             <a:pPr lvl="1"/>
             <a:r>
-              <a:rPr lang="en-US" smtClean="0"/>
+              <a:rPr lang="en-US"/>
               <a:t>Second level</a:t>
             </a:r>
           </a:p>
           <a:p>
             <a:pPr lvl="2"/>
             <a:r>
-              <a:rPr lang="en-US" smtClean="0"/>
+              <a:rPr lang="en-US"/>
               <a:t>Third level</a:t>
             </a:r>
           </a:p>
           <a:p>
             <a:pPr lvl="3"/>
             <a:r>
-              <a:rPr lang="en-US" smtClean="0"/>
+              <a:rPr lang="en-US"/>
               <a:t>Fourth level</a:t>
             </a:r>
           </a:p>
           <a:p>
             <a:pPr lvl="4"/>
             <a:r>
-              <a:rPr lang="en-US" smtClean="0"/>
+              <a:rPr lang="en-US"/>
               <a:t>Fifth level</a:t>
             </a:r>
             <a:endParaRPr lang="en-US" dirty="0"/>
@@ -16013,13 +15799,6 @@
   <p:transition>
     <p:fade/>
   </p:transition>
-  <p:timing>
-    <p:tnLst>
-      <p:par>
-        <p:cTn id="1" dur="indefinite" restart="never" nodeType="tmRoot"/>
-      </p:par>
-    </p:tnLst>
-  </p:timing>
 </p:sldLayout>
 </file>
 
@@ -16060,7 +15839,7 @@
           </a:lstStyle>
           <a:p>
             <a:r>
-              <a:rPr lang="en-US" smtClean="0"/>
+              <a:rPr lang="en-US"/>
               <a:t>Click to edit Master title style</a:t>
             </a:r>
             <a:endParaRPr lang="en-US" dirty="0"/>
@@ -16132,7 +15911,7 @@
           <a:p>
             <a:pPr lvl="0"/>
             <a:r>
-              <a:rPr lang="en-US" smtClean="0"/>
+              <a:rPr lang="en-US"/>
               <a:t>Click to edit Master text styles</a:t>
             </a:r>
           </a:p>
@@ -16188,35 +15967,35 @@
           <a:p>
             <a:pPr lvl="0"/>
             <a:r>
-              <a:rPr lang="en-US" smtClean="0"/>
+              <a:rPr lang="en-US"/>
               <a:t>Click to edit Master text styles</a:t>
             </a:r>
           </a:p>
           <a:p>
             <a:pPr lvl="1"/>
             <a:r>
-              <a:rPr lang="en-US" smtClean="0"/>
+              <a:rPr lang="en-US"/>
               <a:t>Second level</a:t>
             </a:r>
           </a:p>
           <a:p>
             <a:pPr lvl="2"/>
             <a:r>
-              <a:rPr lang="en-US" smtClean="0"/>
+              <a:rPr lang="en-US"/>
               <a:t>Third level</a:t>
             </a:r>
           </a:p>
           <a:p>
             <a:pPr lvl="3"/>
             <a:r>
-              <a:rPr lang="en-US" smtClean="0"/>
+              <a:rPr lang="en-US"/>
               <a:t>Fourth level</a:t>
             </a:r>
           </a:p>
           <a:p>
             <a:pPr lvl="4"/>
             <a:r>
-              <a:rPr lang="en-US" smtClean="0"/>
+              <a:rPr lang="en-US"/>
               <a:t>Fifth level</a:t>
             </a:r>
             <a:endParaRPr lang="en-US" dirty="0"/>
@@ -16288,7 +16067,7 @@
           <a:p>
             <a:pPr lvl="0"/>
             <a:r>
-              <a:rPr lang="en-US" smtClean="0"/>
+              <a:rPr lang="en-US"/>
               <a:t>Click to edit Master text styles</a:t>
             </a:r>
           </a:p>
@@ -16344,35 +16123,35 @@
           <a:p>
             <a:pPr lvl="0"/>
             <a:r>
-              <a:rPr lang="en-US" smtClean="0"/>
+              <a:rPr lang="en-US"/>
               <a:t>Click to edit Master text styles</a:t>
             </a:r>
           </a:p>
           <a:p>
             <a:pPr lvl="1"/>
             <a:r>
-              <a:rPr lang="en-US" smtClean="0"/>
+              <a:rPr lang="en-US"/>
               <a:t>Second level</a:t>
             </a:r>
           </a:p>
           <a:p>
             <a:pPr lvl="2"/>
             <a:r>
-              <a:rPr lang="en-US" smtClean="0"/>
+              <a:rPr lang="en-US"/>
               <a:t>Third level</a:t>
             </a:r>
           </a:p>
           <a:p>
             <a:pPr lvl="3"/>
             <a:r>
-              <a:rPr lang="en-US" smtClean="0"/>
+              <a:rPr lang="en-US"/>
               <a:t>Fourth level</a:t>
             </a:r>
           </a:p>
           <a:p>
             <a:pPr lvl="4"/>
             <a:r>
-              <a:rPr lang="en-US" smtClean="0"/>
+              <a:rPr lang="en-US"/>
               <a:t>Fifth level</a:t>
             </a:r>
             <a:endParaRPr lang="en-US" dirty="0"/>
@@ -16387,13 +16166,6 @@
   <p:transition>
     <p:fade/>
   </p:transition>
-  <p:timing>
-    <p:tnLst>
-      <p:par>
-        <p:cTn id="1" dur="indefinite" restart="never" nodeType="tmRoot"/>
-      </p:par>
-    </p:tnLst>
-  </p:timing>
 </p:sldLayout>
 </file>
 
@@ -16430,7 +16202,7 @@
           <a:lstStyle/>
           <a:p>
             <a:r>
-              <a:rPr lang="en-US" smtClean="0"/>
+              <a:rPr lang="en-US"/>
               <a:t>Click to edit Master title style</a:t>
             </a:r>
             <a:endParaRPr lang="en-US" dirty="0"/>
@@ -16445,13 +16217,6 @@
   <p:transition>
     <p:fade/>
   </p:transition>
-  <p:timing>
-    <p:tnLst>
-      <p:par>
-        <p:cTn id="1" dur="indefinite" restart="never" nodeType="tmRoot"/>
-      </p:par>
-    </p:tnLst>
-  </p:timing>
 </p:sldLayout>
 </file>
 
@@ -16480,13 +16245,6 @@
   <p:transition>
     <p:fade/>
   </p:transition>
-  <p:timing>
-    <p:tnLst>
-      <p:par>
-        <p:cTn id="1" dur="indefinite" restart="never" nodeType="tmRoot"/>
-      </p:par>
-    </p:tnLst>
-  </p:timing>
 </p:sldLayout>
 </file>
 
@@ -16529,13 +16287,6 @@
   <p:transition>
     <p:fade/>
   </p:transition>
-  <p:timing>
-    <p:tnLst>
-      <p:par>
-        <p:cTn id="1" dur="indefinite" restart="never" nodeType="tmRoot"/>
-      </p:par>
-    </p:tnLst>
-  </p:timing>
 </p:sldLayout>
 </file>
 
@@ -16596,7 +16347,7 @@
           <a:lstStyle/>
           <a:p>
             <a:r>
-              <a:rPr lang="en-US" smtClean="0"/>
+              <a:rPr lang="en-US"/>
               <a:t>Click to edit Master title style</a:t>
             </a:r>
             <a:endParaRPr lang="en-US" dirty="0"/>
@@ -16630,35 +16381,35 @@
           <a:p>
             <a:pPr lvl="0"/>
             <a:r>
-              <a:rPr lang="en-US" smtClean="0"/>
+              <a:rPr lang="en-US"/>
               <a:t>Click to edit Master text styles</a:t>
             </a:r>
           </a:p>
           <a:p>
             <a:pPr lvl="1"/>
             <a:r>
-              <a:rPr lang="en-US" smtClean="0"/>
+              <a:rPr lang="en-US"/>
               <a:t>Second level</a:t>
             </a:r>
           </a:p>
           <a:p>
             <a:pPr lvl="2"/>
             <a:r>
-              <a:rPr lang="en-US" smtClean="0"/>
+              <a:rPr lang="en-US"/>
               <a:t>Third level</a:t>
             </a:r>
           </a:p>
           <a:p>
             <a:pPr lvl="3"/>
             <a:r>
-              <a:rPr lang="en-US" smtClean="0"/>
+              <a:rPr lang="en-US"/>
               <a:t>Fourth level</a:t>
             </a:r>
           </a:p>
           <a:p>
             <a:pPr lvl="4"/>
             <a:r>
-              <a:rPr lang="en-US" smtClean="0"/>
+              <a:rPr lang="en-US"/>
               <a:t>Fifth level</a:t>
             </a:r>
             <a:endParaRPr lang="en-US" dirty="0"/>
@@ -16685,13 +16436,6 @@
   <p:transition>
     <p:fade/>
   </p:transition>
-  <p:timing>
-    <p:tnLst>
-      <p:par>
-        <p:cTn id="1" dur="indefinite" restart="never" nodeType="tmRoot"/>
-      </p:par>
-    </p:tnLst>
-  </p:timing>
   <p:txStyles>
     <p:titleStyle>
       <a:lvl1pPr algn="l" defTabSz="914363" rtl="0" eaLnBrk="1" latinLnBrk="0" hangingPunct="1">
@@ -17088,10 +16832,9 @@
           <a:lstStyle/>
           <a:p>
             <a:r>
-              <a:rPr lang="en-US" dirty="0" smtClean="0"/>
+              <a:rPr lang="en-US" dirty="0"/>
               <a:t>Click to edit Master title style</a:t>
             </a:r>
-            <a:endParaRPr lang="en-US" dirty="0"/>
           </a:p>
         </p:txBody>
       </p:sp>
@@ -17122,38 +16865,37 @@
           <a:p>
             <a:pPr lvl="0"/>
             <a:r>
-              <a:rPr lang="en-US" dirty="0" smtClean="0"/>
+              <a:rPr lang="en-US" dirty="0"/>
               <a:t>Click to edit Master text styles</a:t>
             </a:r>
           </a:p>
           <a:p>
             <a:pPr lvl="1"/>
             <a:r>
-              <a:rPr lang="en-US" dirty="0" smtClean="0"/>
+              <a:rPr lang="en-US" dirty="0"/>
               <a:t>Second level</a:t>
             </a:r>
           </a:p>
           <a:p>
             <a:pPr lvl="2"/>
             <a:r>
-              <a:rPr lang="en-US" dirty="0" smtClean="0"/>
+              <a:rPr lang="en-US" dirty="0"/>
               <a:t>Third level</a:t>
             </a:r>
           </a:p>
           <a:p>
             <a:pPr lvl="3"/>
             <a:r>
-              <a:rPr lang="en-US" dirty="0" smtClean="0"/>
+              <a:rPr lang="en-US" dirty="0"/>
               <a:t>Fourth level</a:t>
             </a:r>
           </a:p>
           <a:p>
             <a:pPr lvl="4"/>
             <a:r>
-              <a:rPr lang="en-US" dirty="0" smtClean="0"/>
+              <a:rPr lang="en-US" dirty="0"/>
               <a:t>Fifth level</a:t>
             </a:r>
-            <a:endParaRPr lang="en-US" dirty="0"/>
           </a:p>
         </p:txBody>
       </p:sp>
@@ -17166,13 +16908,6 @@
   <p:transition>
     <p:fade/>
   </p:transition>
-  <p:timing>
-    <p:tnLst>
-      <p:par>
-        <p:cTn id="1" dur="indefinite" restart="never" nodeType="tmRoot"/>
-      </p:par>
-    </p:tnLst>
-  </p:timing>
   <p:txStyles>
     <p:titleStyle>
       <a:lvl1pPr algn="l" defTabSz="914363" rtl="0" eaLnBrk="1" latinLnBrk="0" hangingPunct="1">
@@ -17572,7 +17307,7 @@
               <a:buNone/>
               <a:tabLst/>
             </a:pPr>
-            <a:endParaRPr kumimoji="0" lang="en-US" sz="3200" b="1" i="0" u="none" strike="noStrike" cap="none" normalizeH="0" baseline="0" dirty="0" smtClean="0">
+            <a:endParaRPr kumimoji="0" lang="en-US" sz="3200" b="1" i="0" u="none" strike="noStrike" cap="none" normalizeH="0" baseline="0" dirty="0">
               <a:ln>
                 <a:noFill/>
               </a:ln>
@@ -17623,12 +17358,12 @@
           <a:p>
             <a:pPr lvl="0"/>
             <a:r>
-              <a:rPr lang="en-US" smtClean="0">
+              <a:rPr lang="en-US">
                 <a:sym typeface="Arial" charset="0"/>
               </a:rPr>
               <a:t>Click to edit Master title style</a:t>
             </a:r>
-            <a:endParaRPr lang="en-US" dirty="0" smtClean="0">
+            <a:endParaRPr lang="en-US" dirty="0">
               <a:sym typeface="Arial" charset="0"/>
             </a:endParaRPr>
           </a:p>
@@ -17670,7 +17405,7 @@
           <a:p>
             <a:pPr lvl="0"/>
             <a:r>
-              <a:rPr lang="en-US" smtClean="0">
+              <a:rPr lang="en-US">
                 <a:sym typeface="Arial" charset="0"/>
               </a:rPr>
               <a:t>Click to edit Master text styles</a:t>
@@ -17679,7 +17414,7 @@
           <a:p>
             <a:pPr lvl="1"/>
             <a:r>
-              <a:rPr lang="en-US" smtClean="0">
+              <a:rPr lang="en-US">
                 <a:sym typeface="Arial" charset="0"/>
               </a:rPr>
               <a:t>Second level</a:t>
@@ -17688,7 +17423,7 @@
           <a:p>
             <a:pPr lvl="2"/>
             <a:r>
-              <a:rPr lang="en-US" smtClean="0">
+              <a:rPr lang="en-US">
                 <a:sym typeface="Arial" charset="0"/>
               </a:rPr>
               <a:t>Third level</a:t>
@@ -17697,7 +17432,7 @@
           <a:p>
             <a:pPr lvl="3"/>
             <a:r>
-              <a:rPr lang="en-US" smtClean="0">
+              <a:rPr lang="en-US">
                 <a:sym typeface="Arial" charset="0"/>
               </a:rPr>
               <a:t>Fourth level</a:t>
@@ -17706,12 +17441,12 @@
           <a:p>
             <a:pPr lvl="4"/>
             <a:r>
-              <a:rPr lang="en-US" smtClean="0">
+              <a:rPr lang="en-US">
                 <a:sym typeface="Arial" charset="0"/>
               </a:rPr>
               <a:t>Fifth level</a:t>
             </a:r>
-            <a:endParaRPr lang="en-US" dirty="0" smtClean="0">
+            <a:endParaRPr lang="en-US" dirty="0">
               <a:sym typeface="Arial" charset="0"/>
             </a:endParaRPr>
           </a:p>
@@ -17767,7 +17502,7 @@
               <a:buNone/>
               <a:tabLst/>
             </a:pPr>
-            <a:endParaRPr kumimoji="0" lang="en-US" sz="3200" b="1" i="0" u="none" strike="noStrike" cap="none" normalizeH="0" baseline="0" smtClean="0">
+            <a:endParaRPr kumimoji="0" lang="en-US" sz="3200" b="1" i="0" u="none" strike="noStrike" cap="none" normalizeH="0" baseline="0">
               <a:ln>
                 <a:noFill/>
               </a:ln>
@@ -17915,7 +17650,7 @@
               <a:defRPr/>
             </a:pPr>
             <a:r>
-              <a:rPr lang="en-US" sz="900" b="0" dirty="0" smtClean="0">
+              <a:rPr lang="en-US" sz="900" b="0" dirty="0">
                 <a:solidFill>
                   <a:schemeClr val="accent1">
                     <a:lumMod val="75000"/>
@@ -17928,7 +17663,7 @@
               <a:t>Slalom</a:t>
             </a:r>
             <a:r>
-              <a:rPr lang="en-US" sz="900" b="0" baseline="0" dirty="0" smtClean="0">
+              <a:rPr lang="en-US" sz="900" b="0" baseline="0" dirty="0">
                 <a:solidFill>
                   <a:schemeClr val="accent1">
                     <a:lumMod val="75000"/>
@@ -18035,7 +17770,7 @@
               <a:buNone/>
               <a:tabLst/>
             </a:pPr>
-            <a:endParaRPr kumimoji="0" lang="en-US" sz="3200" b="1" i="0" u="none" strike="noStrike" cap="none" normalizeH="0" baseline="0" dirty="0" smtClean="0">
+            <a:endParaRPr kumimoji="0" lang="en-US" sz="3200" b="1" i="0" u="none" strike="noStrike" cap="none" normalizeH="0" baseline="0" dirty="0">
               <a:ln>
                 <a:noFill/>
               </a:ln>
@@ -18071,13 +17806,6 @@
   <p:transition>
     <p:fade/>
   </p:transition>
-  <p:timing>
-    <p:tnLst>
-      <p:par>
-        <p:cTn id="1" dur="indefinite" restart="never" nodeType="tmRoot"/>
-      </p:par>
-    </p:tnLst>
-  </p:timing>
   <p:txStyles>
     <p:titleStyle>
       <a:lvl1pPr algn="r" rtl="0" eaLnBrk="1" fontAlgn="base" hangingPunct="1">
@@ -18549,10 +18277,9 @@
           <a:lstStyle/>
           <a:p>
             <a:r>
-              <a:rPr lang="en-US" dirty="0" smtClean="0"/>
+              <a:rPr lang="en-US" dirty="0"/>
               <a:t>Reactive Extensions for JavaScript</a:t>
             </a:r>
-            <a:endParaRPr lang="en-US" dirty="0"/>
           </a:p>
         </p:txBody>
       </p:sp>
@@ -18572,30 +18299,29 @@
           <a:lstStyle/>
           <a:p>
             <a:r>
-              <a:rPr lang="en-US" sz="2400" dirty="0" smtClean="0"/>
+              <a:rPr lang="en-US" sz="2400" dirty="0"/>
               <a:t>@</a:t>
             </a:r>
             <a:r>
-              <a:rPr lang="en-US" sz="2400" dirty="0" err="1" smtClean="0"/>
+              <a:rPr lang="en-US" sz="2400" dirty="0" err="1"/>
               <a:t>JimWooley</a:t>
             </a:r>
-            <a:endParaRPr lang="en-US" sz="2400" dirty="0" smtClean="0"/>
-          </a:p>
-          <a:p>
-            <a:r>
-              <a:rPr lang="en-US" sz="2400" dirty="0" smtClean="0">
+            <a:endParaRPr lang="en-US" sz="2400" dirty="0"/>
+          </a:p>
+          <a:p>
+            <a:r>
+              <a:rPr lang="en-US" sz="2400" dirty="0">
                 <a:hlinkClick r:id="rId3"/>
               </a:rPr>
               <a:t>http://www.ThinqLinq.com</a:t>
             </a:r>
-            <a:endParaRPr lang="en-US" sz="2400" dirty="0" smtClean="0"/>
-          </a:p>
-          <a:p>
-            <a:r>
-              <a:rPr lang="en-US" sz="2400" dirty="0" smtClean="0"/>
+            <a:endParaRPr lang="en-US" sz="2400" dirty="0"/>
+          </a:p>
+          <a:p>
+            <a:r>
+              <a:rPr lang="en-US" sz="2400" dirty="0"/>
               <a:t>Consultant</a:t>
             </a:r>
-            <a:endParaRPr lang="en-US" sz="2400" dirty="0"/>
           </a:p>
         </p:txBody>
       </p:sp>
@@ -18711,13 +18437,6 @@
     <a:masterClrMapping/>
   </p:clrMapOvr>
   <p:transition/>
-  <p:timing>
-    <p:tnLst>
-      <p:par>
-        <p:cTn id="1" dur="indefinite" restart="never" nodeType="tmRoot"/>
-      </p:par>
-    </p:tnLst>
-  </p:timing>
 </p:sld>
 </file>
 
@@ -18754,11 +18473,11 @@
           <a:lstStyle/>
           <a:p>
             <a:r>
-              <a:rPr lang="en-US" dirty="0" smtClean="0"/>
+              <a:rPr lang="en-US" dirty="0"/>
               <a:t>Using Rx to query in </a:t>
             </a:r>
             <a:r>
-              <a:rPr lang="en-US" dirty="0" err="1" smtClean="0"/>
+              <a:rPr lang="en-US" dirty="0" err="1"/>
               <a:t>Javascript</a:t>
             </a:r>
             <a:endParaRPr lang="en-US" dirty="0"/>
@@ -18783,7 +18502,7 @@
           <a:lstStyle/>
           <a:p>
             <a:r>
-              <a:rPr lang="en-US" smtClean="0"/>
+              <a:rPr lang="en-US"/>
               <a:t>demo </a:t>
             </a:r>
             <a:endParaRPr lang="en-US" dirty="0"/>
@@ -18798,13 +18517,6 @@
   <p:transition>
     <p:fade/>
   </p:transition>
-  <p:timing>
-    <p:tnLst>
-      <p:par>
-        <p:cTn id="1" dur="indefinite" restart="never" nodeType="tmRoot"/>
-      </p:par>
-    </p:tnLst>
-  </p:timing>
 </p:sld>
 </file>
 
@@ -18841,10 +18553,9 @@
           <a:lstStyle/>
           <a:p>
             <a:r>
-              <a:rPr lang="en-US" dirty="0" smtClean="0"/>
+              <a:rPr lang="en-US" dirty="0"/>
               <a:t>Rx Observable Pattern</a:t>
             </a:r>
-            <a:endParaRPr lang="en-US" dirty="0"/>
           </a:p>
         </p:txBody>
       </p:sp>
@@ -18892,24 +18603,20 @@
             </a:r>
             <a:r>
               <a:rPr lang="en-US" sz="2800" dirty="0"/>
-              <a:t> = </a:t>
-            </a:r>
-            <a:r>
-              <a:rPr lang="en-US" sz="2800" dirty="0" smtClean="0"/>
-              <a:t>...;</a:t>
-            </a:r>
-          </a:p>
-          <a:p>
-            <a:endParaRPr lang="en-US" sz="2800" dirty="0" smtClean="0"/>
-          </a:p>
-          <a:p>
-            <a:r>
-              <a:rPr lang="en-US" sz="2800" dirty="0" smtClean="0"/>
+              <a:t> = ...;</a:t>
+            </a:r>
+          </a:p>
+          <a:p>
+            <a:endParaRPr lang="en-US" sz="2800" dirty="0"/>
+          </a:p>
+          <a:p>
+            <a:r>
+              <a:rPr lang="en-US" sz="2800" dirty="0"/>
               <a:t>        // query?</a:t>
             </a:r>
           </a:p>
           <a:p>
-            <a:endParaRPr lang="en-US" sz="2800" dirty="0" smtClean="0"/>
+            <a:endParaRPr lang="en-US" sz="2800" dirty="0"/>
           </a:p>
           <a:p>
             <a:r>
@@ -18933,18 +18640,14 @@
               <a:t>obs.Subscribe</a:t>
             </a:r>
             <a:r>
-              <a:rPr lang="en-US" sz="2800" dirty="0" smtClean="0"/>
+              <a:rPr lang="en-US" sz="2800" dirty="0"/>
               <a:t>(</a:t>
             </a:r>
           </a:p>
           <a:p>
             <a:r>
-              <a:rPr lang="en-US" sz="2800" dirty="0" smtClean="0"/>
-              <a:t> </a:t>
-            </a:r>
-            <a:r>
               <a:rPr lang="en-US" sz="2800" dirty="0"/>
-              <a:t>            </a:t>
+              <a:t>             </a:t>
             </a:r>
             <a:r>
               <a:rPr lang="en-US" sz="2800" dirty="0" err="1"/>
@@ -18960,21 +18663,13 @@
             </a:r>
             <a:r>
               <a:rPr lang="en-US" sz="2800" dirty="0"/>
-              <a:t>(v</a:t>
-            </a:r>
-            <a:r>
-              <a:rPr lang="en-US" sz="2800" dirty="0" smtClean="0"/>
-              <a:t>),</a:t>
-            </a:r>
-          </a:p>
-          <a:p>
-            <a:r>
-              <a:rPr lang="en-US" sz="2800" dirty="0" smtClean="0"/>
-              <a:t> </a:t>
-            </a:r>
+              <a:t>(v),</a:t>
+            </a:r>
+          </a:p>
+          <a:p>
             <a:r>
               <a:rPr lang="en-US" sz="2800" dirty="0"/>
-              <a:t>            </a:t>
+              <a:t>             </a:t>
             </a:r>
             <a:r>
               <a:rPr lang="en-US" sz="2800" dirty="0" err="1"/>
@@ -18990,21 +18685,13 @@
             </a:r>
             <a:r>
               <a:rPr lang="en-US" sz="2800" dirty="0"/>
-              <a:t>(e</a:t>
-            </a:r>
-            <a:r>
-              <a:rPr lang="en-US" sz="2800" dirty="0" smtClean="0"/>
-              <a:t>),</a:t>
-            </a:r>
-          </a:p>
-          <a:p>
-            <a:r>
-              <a:rPr lang="en-US" sz="2800" dirty="0" smtClean="0"/>
-              <a:t> </a:t>
-            </a:r>
+              <a:t>(e),</a:t>
+            </a:r>
+          </a:p>
+          <a:p>
             <a:r>
               <a:rPr lang="en-US" sz="2800" dirty="0"/>
-              <a:t>            </a:t>
+              <a:t>             </a:t>
             </a:r>
             <a:r>
               <a:rPr lang="en-US" sz="2800" dirty="0" err="1"/>
@@ -19019,7 +18706,7 @@
               <a:t>HandleDone</a:t>
             </a:r>
             <a:r>
-              <a:rPr lang="en-US" sz="2800" dirty="0" smtClean="0"/>
+              <a:rPr lang="en-US" sz="2800" dirty="0"/>
               <a:t>);</a:t>
             </a:r>
           </a:p>
@@ -19028,12 +18715,8 @@
           </a:p>
           <a:p>
             <a:r>
-              <a:rPr lang="en-US" sz="2800" dirty="0" smtClean="0"/>
-              <a:t> </a:t>
-            </a:r>
-            <a:r>
               <a:rPr lang="en-US" sz="2800" dirty="0"/>
-              <a:t>        </a:t>
+              <a:t>         </a:t>
             </a:r>
             <a:r>
               <a:rPr lang="en-US" sz="2800" dirty="0" err="1"/>
@@ -19059,13 +18742,6 @@
   <p:transition>
     <p:fade/>
   </p:transition>
-  <p:timing>
-    <p:tnLst>
-      <p:par>
-        <p:cTn id="1" dur="indefinite" restart="never" nodeType="tmRoot"/>
-      </p:par>
-    </p:tnLst>
-  </p:timing>
 </p:sld>
 </file>
 
@@ -19102,14 +18778,13 @@
           <a:lstStyle/>
           <a:p>
             <a:r>
-              <a:rPr lang="en-US" dirty="0" err="1" smtClean="0"/>
+              <a:rPr lang="en-US" dirty="0" err="1"/>
               <a:t>RxJs</a:t>
             </a:r>
             <a:r>
-              <a:rPr lang="en-US" dirty="0" smtClean="0"/>
+              <a:rPr lang="en-US" dirty="0"/>
               <a:t> Observable Pattern</a:t>
             </a:r>
-            <a:endParaRPr lang="en-US" dirty="0"/>
           </a:p>
         </p:txBody>
       </p:sp>
@@ -19157,40 +18832,28 @@
             </a:r>
             <a:r>
               <a:rPr lang="en-US" sz="2800" dirty="0"/>
-              <a:t> = </a:t>
-            </a:r>
-            <a:r>
-              <a:rPr lang="en-US" sz="2800" dirty="0" smtClean="0"/>
-              <a:t>...;</a:t>
-            </a:r>
-          </a:p>
-          <a:p>
-            <a:endParaRPr lang="en-US" sz="2800" dirty="0" smtClean="0"/>
+              <a:t> = ...;</a:t>
+            </a:r>
+          </a:p>
+          <a:p>
+            <a:endParaRPr lang="en-US" sz="2800" dirty="0"/>
           </a:p>
           <a:p>
             <a:r>
               <a:rPr lang="en-US" sz="2800" dirty="0"/>
-              <a:t> </a:t>
-            </a:r>
-            <a:r>
-              <a:rPr lang="en-US" sz="2800" dirty="0" smtClean="0"/>
-              <a:t>       // query?</a:t>
-            </a:r>
-          </a:p>
-          <a:p>
-            <a:endParaRPr lang="en-US" sz="2800" dirty="0" smtClean="0"/>
-          </a:p>
-          <a:p>
-            <a:r>
-              <a:rPr lang="en-US" sz="2800" dirty="0" smtClean="0"/>
-              <a:t> </a:t>
-            </a:r>
+              <a:t>        // query?</a:t>
+            </a:r>
+          </a:p>
+          <a:p>
+            <a:endParaRPr lang="en-US" sz="2800" dirty="0"/>
+          </a:p>
+          <a:p>
             <a:r>
               <a:rPr lang="en-US" sz="2800" dirty="0"/>
-              <a:t>       </a:t>
-            </a:r>
-            <a:r>
-              <a:rPr lang="en-US" sz="2800" dirty="0" err="1" smtClean="0">
+              <a:t>        </a:t>
+            </a:r>
+            <a:r>
+              <a:rPr lang="en-US" sz="2800" dirty="0" err="1">
                 <a:solidFill>
                   <a:srgbClr val="0000FF"/>
                 </a:solidFill>
@@ -19206,48 +18869,28 @@
               <a:t>obs.Subscribe</a:t>
             </a:r>
             <a:r>
-              <a:rPr lang="en-US" sz="2800" dirty="0" smtClean="0"/>
+              <a:rPr lang="en-US" sz="2800" dirty="0"/>
               <a:t>(</a:t>
             </a:r>
           </a:p>
           <a:p>
             <a:r>
-              <a:rPr lang="en-US" sz="2800" dirty="0" smtClean="0"/>
-              <a:t> </a:t>
-            </a:r>
-            <a:r>
               <a:rPr lang="en-US" sz="2800" dirty="0"/>
-              <a:t>            </a:t>
-            </a:r>
-            <a:r>
-              <a:rPr lang="en-US" sz="2800" dirty="0" smtClean="0"/>
-              <a:t>function(v) { </a:t>
-            </a:r>
-            <a:r>
-              <a:rPr lang="en-US" sz="2800" dirty="0" err="1" smtClean="0"/>
+              <a:t>             function(v) { </a:t>
+            </a:r>
+            <a:r>
+              <a:rPr lang="en-US" sz="2800" dirty="0" err="1"/>
               <a:t>DoSomething</a:t>
             </a:r>
             <a:r>
-              <a:rPr lang="en-US" sz="2800" dirty="0" smtClean="0"/>
+              <a:rPr lang="en-US" sz="2800" dirty="0"/>
               <a:t>(v); },</a:t>
             </a:r>
           </a:p>
           <a:p>
             <a:r>
-              <a:rPr lang="en-US" sz="2800" dirty="0" smtClean="0"/>
-              <a:t> </a:t>
-            </a:r>
-            <a:r>
               <a:rPr lang="en-US" sz="2800" dirty="0"/>
-              <a:t>            </a:t>
-            </a:r>
-            <a:r>
-              <a:rPr lang="en-US" sz="2800" dirty="0" smtClean="0"/>
-              <a:t>function(e) {</a:t>
-            </a:r>
-            <a:r>
-              <a:rPr lang="en-US" sz="2800" dirty="0"/>
-              <a:t> </a:t>
+              <a:t>             function(e) { </a:t>
             </a:r>
             <a:r>
               <a:rPr lang="en-US" sz="2800" dirty="0" err="1"/>
@@ -19255,58 +18898,30 @@
             </a:r>
             <a:r>
               <a:rPr lang="en-US" sz="2800" dirty="0"/>
-              <a:t>(e</a:t>
-            </a:r>
-            <a:r>
-              <a:rPr lang="en-US" sz="2800" dirty="0" smtClean="0"/>
-              <a:t>); },</a:t>
-            </a:r>
-          </a:p>
-          <a:p>
-            <a:r>
-              <a:rPr lang="en-US" sz="2800" dirty="0" smtClean="0"/>
-              <a:t> </a:t>
-            </a:r>
+              <a:t>(e); },</a:t>
+            </a:r>
+          </a:p>
+          <a:p>
             <a:r>
               <a:rPr lang="en-US" sz="2800" dirty="0"/>
-              <a:t>            </a:t>
-            </a:r>
-            <a:r>
-              <a:rPr lang="en-US" sz="2800" dirty="0" smtClean="0"/>
-              <a:t>function()</a:t>
+              <a:t>             function() { </a:t>
+            </a:r>
+            <a:r>
+              <a:rPr lang="en-US" sz="2800" dirty="0" err="1"/>
+              <a:t>HandleDone</a:t>
             </a:r>
             <a:r>
               <a:rPr lang="en-US" sz="2800" dirty="0"/>
-              <a:t> </a:t>
-            </a:r>
-            <a:r>
-              <a:rPr lang="en-US" sz="2800" dirty="0" smtClean="0"/>
-              <a:t>{</a:t>
-            </a:r>
+              <a:t>(); });</a:t>
+            </a:r>
+          </a:p>
+          <a:p>
+            <a:endParaRPr lang="en-US" sz="2800" dirty="0"/>
+          </a:p>
+          <a:p>
             <a:r>
               <a:rPr lang="en-US" sz="2800" dirty="0"/>
-              <a:t> </a:t>
-            </a:r>
-            <a:r>
-              <a:rPr lang="en-US" sz="2800" dirty="0" err="1" smtClean="0"/>
-              <a:t>HandleDone</a:t>
-            </a:r>
-            <a:r>
-              <a:rPr lang="en-US" sz="2800" dirty="0" smtClean="0"/>
-              <a:t>(); });</a:t>
-            </a:r>
-          </a:p>
-          <a:p>
-            <a:endParaRPr lang="en-US" sz="2800" dirty="0"/>
-          </a:p>
-          <a:p>
-            <a:r>
-              <a:rPr lang="en-US" sz="2800" dirty="0" smtClean="0"/>
-              <a:t> </a:t>
-            </a:r>
-            <a:r>
-              <a:rPr lang="en-US" sz="2800" dirty="0"/>
-              <a:t>        </a:t>
+              <a:t>         </a:t>
             </a:r>
             <a:r>
               <a:rPr lang="en-US" sz="2800" dirty="0" err="1"/>
@@ -19332,13 +18947,6 @@
   <p:transition>
     <p:fade/>
   </p:transition>
-  <p:timing>
-    <p:tnLst>
-      <p:par>
-        <p:cTn id="1" dur="indefinite" restart="never" nodeType="tmRoot"/>
-      </p:par>
-    </p:tnLst>
-  </p:timing>
 </p:sld>
 </file>
 
@@ -19381,7 +18989,7 @@
           <a:p>
             <a:pPr marL="0" indent="0"/>
             <a:r>
-              <a:rPr lang="en-US" sz="2400" dirty="0" err="1" smtClean="0">
+              <a:rPr lang="en-US" sz="2400" dirty="0" err="1">
                 <a:solidFill>
                   <a:srgbClr val="0000FF"/>
                 </a:solidFill>
@@ -19395,31 +19003,24 @@
                 <a:latin typeface="Consolas" pitchFamily="49" charset="0"/>
                 <a:cs typeface="Consolas" pitchFamily="49" charset="0"/>
               </a:rPr>
-              <a:t> </a:t>
-            </a:r>
-            <a:r>
-              <a:rPr lang="en-US" sz="2400" dirty="0" smtClean="0">
-                <a:latin typeface="Consolas" pitchFamily="49" charset="0"/>
-                <a:cs typeface="Consolas" pitchFamily="49" charset="0"/>
-              </a:rPr>
-              <a:t>geo = </a:t>
-            </a:r>
-            <a:r>
-              <a:rPr lang="en-US" sz="2400" dirty="0" err="1" smtClean="0">
+              <a:t> geo = </a:t>
+            </a:r>
+            <a:r>
+              <a:rPr lang="en-US" sz="2400" dirty="0" err="1">
                 <a:latin typeface="Consolas" pitchFamily="49" charset="0"/>
                 <a:cs typeface="Consolas" pitchFamily="49" charset="0"/>
               </a:rPr>
               <a:t>Rx.Observable.Create</a:t>
             </a:r>
             <a:r>
-              <a:rPr lang="en-US" sz="2400" dirty="0" smtClean="0">
+              <a:rPr lang="en-US" sz="2400" dirty="0">
                 <a:latin typeface="Consolas" pitchFamily="49" charset="0"/>
                 <a:cs typeface="Consolas" pitchFamily="49" charset="0"/>
               </a:rPr>
               <a:t>(</a:t>
             </a:r>
             <a:r>
-              <a:rPr lang="en-US" sz="2400" dirty="0" smtClean="0">
+              <a:rPr lang="en-US" sz="2400" dirty="0">
                 <a:solidFill>
                   <a:srgbClr val="0000FF"/>
                 </a:solidFill>
@@ -19435,22 +19036,18 @@
               </a:rPr>
               <a:t> (observer) { </a:t>
             </a:r>
-            <a:endParaRPr lang="en-US" sz="2400" dirty="0" smtClean="0">
-              <a:latin typeface="Consolas" pitchFamily="49" charset="0"/>
-              <a:cs typeface="Consolas" pitchFamily="49" charset="0"/>
-            </a:endParaRPr>
           </a:p>
           <a:p>
             <a:pPr marL="0" indent="0"/>
             <a:r>
-              <a:rPr lang="en-US" sz="2400" dirty="0" smtClean="0">
+              <a:rPr lang="en-US" sz="2400" dirty="0">
                 <a:latin typeface="Consolas" pitchFamily="49" charset="0"/>
                 <a:cs typeface="Consolas" pitchFamily="49" charset="0"/>
               </a:rPr>
               <a:t>    </a:t>
             </a:r>
             <a:r>
-              <a:rPr lang="en-US" sz="2400" dirty="0" err="1" smtClean="0">
+              <a:rPr lang="en-US" sz="2400" dirty="0" err="1">
                 <a:solidFill>
                   <a:srgbClr val="0000FF"/>
                 </a:solidFill>
@@ -19488,7 +19085,7 @@
               <a:t>navigator.geolocation.watchPosition</a:t>
             </a:r>
             <a:r>
-              <a:rPr lang="en-US" sz="2400" dirty="0" smtClean="0">
+              <a:rPr lang="en-US" sz="2400" dirty="0">
                 <a:latin typeface="Consolas" pitchFamily="49" charset="0"/>
                 <a:cs typeface="Consolas" pitchFamily="49" charset="0"/>
               </a:rPr>
@@ -19498,7 +19095,7 @@
           <a:p>
             <a:pPr marL="0" indent="0"/>
             <a:r>
-              <a:rPr lang="en-US" sz="2400" dirty="0" smtClean="0">
+              <a:rPr lang="en-US" sz="2400" dirty="0">
                 <a:solidFill>
                   <a:srgbClr val="0000FF"/>
                 </a:solidFill>
@@ -19526,21 +19123,7 @@
                 <a:latin typeface="Consolas" pitchFamily="49" charset="0"/>
                 <a:cs typeface="Consolas" pitchFamily="49" charset="0"/>
               </a:rPr>
-              <a:t>) </a:t>
-            </a:r>
-            <a:r>
-              <a:rPr lang="en-US" sz="2400" dirty="0" smtClean="0">
-                <a:latin typeface="Consolas" pitchFamily="49" charset="0"/>
-                <a:cs typeface="Consolas" pitchFamily="49" charset="0"/>
-              </a:rPr>
-              <a:t>{</a:t>
-            </a:r>
-            <a:r>
-              <a:rPr lang="en-US" sz="2400" dirty="0">
-                <a:latin typeface="Consolas" pitchFamily="49" charset="0"/>
-                <a:cs typeface="Consolas" pitchFamily="49" charset="0"/>
-              </a:rPr>
-              <a:t> </a:t>
+              <a:t>) { </a:t>
             </a:r>
             <a:r>
               <a:rPr lang="en-US" sz="2400" dirty="0" err="1">
@@ -19564,45 +19147,24 @@
               <a:t>pos.coords</a:t>
             </a:r>
             <a:r>
-              <a:rPr lang="en-US" sz="2400" dirty="0" smtClean="0">
-                <a:latin typeface="Consolas" pitchFamily="49" charset="0"/>
-                <a:cs typeface="Consolas" pitchFamily="49" charset="0"/>
-              </a:rPr>
-              <a:t>);</a:t>
-            </a:r>
-            <a:r>
               <a:rPr lang="en-US" sz="2400" dirty="0">
                 <a:latin typeface="Consolas" pitchFamily="49" charset="0"/>
                 <a:cs typeface="Consolas" pitchFamily="49" charset="0"/>
               </a:rPr>
-              <a:t>  </a:t>
-            </a:r>
-            <a:r>
-              <a:rPr lang="en-US" sz="2400" dirty="0" smtClean="0">
-                <a:latin typeface="Consolas" pitchFamily="49" charset="0"/>
-                <a:cs typeface="Consolas" pitchFamily="49" charset="0"/>
-              </a:rPr>
-              <a:t>},</a:t>
+              <a:t>);  },</a:t>
             </a:r>
           </a:p>
           <a:p>
             <a:pPr marL="0" indent="0"/>
-            <a:r>
-              <a:rPr lang="en-US" sz="2400" dirty="0" smtClean="0">
-                <a:latin typeface="Consolas" pitchFamily="49" charset="0"/>
-                <a:cs typeface="Consolas" pitchFamily="49" charset="0"/>
-              </a:rPr>
-              <a:t> </a:t>
-            </a:r>
             <a:r>
               <a:rPr lang="en-US" sz="2400" dirty="0">
                 <a:latin typeface="Consolas" pitchFamily="49" charset="0"/>
                 <a:cs typeface="Consolas" pitchFamily="49" charset="0"/>
               </a:rPr>
-              <a:t>       </a:t>
-            </a:r>
-            <a:r>
-              <a:rPr lang="en-US" sz="2400" dirty="0" smtClean="0">
+              <a:t>        </a:t>
+            </a:r>
+            <a:r>
+              <a:rPr lang="en-US" sz="2400" dirty="0">
                 <a:solidFill>
                   <a:srgbClr val="0000FF"/>
                 </a:solidFill>
@@ -19616,21 +19178,7 @@
                 <a:latin typeface="Consolas" pitchFamily="49" charset="0"/>
                 <a:cs typeface="Consolas" pitchFamily="49" charset="0"/>
               </a:rPr>
-              <a:t> (err) </a:t>
-            </a:r>
-            <a:r>
-              <a:rPr lang="en-US" sz="2400" dirty="0" smtClean="0">
-                <a:latin typeface="Consolas" pitchFamily="49" charset="0"/>
-                <a:cs typeface="Consolas" pitchFamily="49" charset="0"/>
-              </a:rPr>
-              <a:t>{</a:t>
-            </a:r>
-            <a:r>
-              <a:rPr lang="en-US" sz="2400" dirty="0">
-                <a:latin typeface="Consolas" pitchFamily="49" charset="0"/>
-                <a:cs typeface="Consolas" pitchFamily="49" charset="0"/>
-              </a:rPr>
-              <a:t> </a:t>
+              <a:t> (err) { </a:t>
             </a:r>
             <a:r>
               <a:rPr lang="en-US" sz="2400" dirty="0" err="1">
@@ -19644,28 +19192,17 @@
                 <a:latin typeface="Consolas" pitchFamily="49" charset="0"/>
                 <a:cs typeface="Consolas" pitchFamily="49" charset="0"/>
               </a:rPr>
-              <a:t>(err</a:t>
-            </a:r>
-            <a:r>
-              <a:rPr lang="en-US" sz="2400" dirty="0" smtClean="0">
-                <a:latin typeface="Consolas" pitchFamily="49" charset="0"/>
-                <a:cs typeface="Consolas" pitchFamily="49" charset="0"/>
-              </a:rPr>
-              <a:t>);</a:t>
-            </a:r>
+              <a:t>(err);  }</a:t>
+            </a:r>
+          </a:p>
+          <a:p>
+            <a:pPr marL="0" indent="0"/>
             <a:r>
               <a:rPr lang="en-US" sz="2400" dirty="0">
                 <a:latin typeface="Consolas" pitchFamily="49" charset="0"/>
                 <a:cs typeface="Consolas" pitchFamily="49" charset="0"/>
               </a:rPr>
-              <a:t>  </a:t>
-            </a:r>
-            <a:r>
-              <a:rPr lang="en-US" sz="2400" dirty="0" smtClean="0">
-                <a:latin typeface="Consolas" pitchFamily="49" charset="0"/>
-                <a:cs typeface="Consolas" pitchFamily="49" charset="0"/>
-              </a:rPr>
-              <a:t>}</a:t>
+              <a:t>    );</a:t>
             </a:r>
           </a:p>
           <a:p>
@@ -19675,36 +19212,8 @@
                 <a:latin typeface="Consolas" pitchFamily="49" charset="0"/>
                 <a:cs typeface="Consolas" pitchFamily="49" charset="0"/>
               </a:rPr>
-              <a:t> </a:t>
-            </a:r>
-            <a:r>
-              <a:rPr lang="en-US" sz="2400" dirty="0" smtClean="0">
-                <a:latin typeface="Consolas" pitchFamily="49" charset="0"/>
-                <a:cs typeface="Consolas" pitchFamily="49" charset="0"/>
-              </a:rPr>
-              <a:t>   );</a:t>
-            </a:r>
-          </a:p>
-          <a:p>
-            <a:pPr marL="0" indent="0"/>
-            <a:r>
-              <a:rPr lang="en-US" sz="2400" dirty="0" smtClean="0">
-                <a:latin typeface="Consolas" pitchFamily="49" charset="0"/>
-                <a:cs typeface="Consolas" pitchFamily="49" charset="0"/>
-              </a:rPr>
-              <a:t> </a:t>
-            </a:r>
-            <a:r>
-              <a:rPr lang="en-US" sz="2400" dirty="0">
-                <a:latin typeface="Consolas" pitchFamily="49" charset="0"/>
-                <a:cs typeface="Consolas" pitchFamily="49" charset="0"/>
-              </a:rPr>
-              <a:t>   </a:t>
-            </a:r>
-            <a:endParaRPr lang="en-US" sz="2400" dirty="0" smtClean="0">
-              <a:latin typeface="Consolas" pitchFamily="49" charset="0"/>
-              <a:cs typeface="Consolas" pitchFamily="49" charset="0"/>
-            </a:endParaRPr>
+              <a:t>    </a:t>
+            </a:r>
           </a:p>
           <a:p>
             <a:pPr marL="0" indent="0"/>
@@ -19747,14 +19256,7 @@
                 <a:latin typeface="Consolas" pitchFamily="49" charset="0"/>
                 <a:cs typeface="Consolas" pitchFamily="49" charset="0"/>
               </a:rPr>
-              <a:t> () </a:t>
-            </a:r>
-            <a:r>
-              <a:rPr lang="en-US" sz="2400" dirty="0" smtClean="0">
-                <a:latin typeface="Consolas" pitchFamily="49" charset="0"/>
-                <a:cs typeface="Consolas" pitchFamily="49" charset="0"/>
-              </a:rPr>
-              <a:t>{</a:t>
+              <a:t> () {</a:t>
             </a:r>
           </a:p>
           <a:p>
@@ -19788,7 +19290,7 @@
               <a:t>watchId</a:t>
             </a:r>
             <a:r>
-              <a:rPr lang="en-US" sz="2400" dirty="0" smtClean="0">
+              <a:rPr lang="en-US" sz="2400" dirty="0">
                 <a:latin typeface="Consolas" pitchFamily="49" charset="0"/>
                 <a:cs typeface="Consolas" pitchFamily="49" charset="0"/>
               </a:rPr>
@@ -19802,20 +19304,13 @@
                 <a:latin typeface="Consolas" pitchFamily="49" charset="0"/>
                 <a:cs typeface="Consolas" pitchFamily="49" charset="0"/>
               </a:rPr>
-              <a:t>    </a:t>
-            </a:r>
-            <a:r>
-              <a:rPr lang="en-US" sz="2400" dirty="0" smtClean="0">
-                <a:latin typeface="Consolas" pitchFamily="49" charset="0"/>
-                <a:cs typeface="Consolas" pitchFamily="49" charset="0"/>
-              </a:rPr>
-              <a:t>};</a:t>
+              <a:t>    };</a:t>
             </a:r>
           </a:p>
           <a:p>
             <a:pPr marL="0" indent="0"/>
             <a:r>
-              <a:rPr lang="en-US" sz="2400" dirty="0" smtClean="0">
+              <a:rPr lang="en-US" sz="2400" dirty="0">
                 <a:latin typeface="Consolas" pitchFamily="49" charset="0"/>
                 <a:cs typeface="Consolas" pitchFamily="49" charset="0"/>
               </a:rPr>
@@ -19842,21 +19337,21 @@
               <a:t>var</a:t>
             </a:r>
             <a:r>
-              <a:rPr lang="en-US" sz="2400" dirty="0" smtClean="0">
+              <a:rPr lang="en-US" sz="2400" dirty="0">
                 <a:latin typeface="Consolas" pitchFamily="49" charset="0"/>
                 <a:cs typeface="Consolas" pitchFamily="49" charset="0"/>
               </a:rPr>
               <a:t> d = </a:t>
             </a:r>
             <a:r>
-              <a:rPr lang="en-US" sz="2400" dirty="0" err="1" smtClean="0">
+              <a:rPr lang="en-US" sz="2400" dirty="0" err="1">
                 <a:latin typeface="Consolas" pitchFamily="49" charset="0"/>
                 <a:cs typeface="Consolas" pitchFamily="49" charset="0"/>
               </a:rPr>
               <a:t>geo.Subscribe</a:t>
             </a:r>
             <a:r>
-              <a:rPr lang="en-US" sz="2400" dirty="0" smtClean="0">
+              <a:rPr lang="en-US" sz="2400" dirty="0">
                 <a:latin typeface="Consolas" pitchFamily="49" charset="0"/>
                 <a:cs typeface="Consolas" pitchFamily="49" charset="0"/>
               </a:rPr>
@@ -19873,28 +19368,28 @@
               <a:t>function(</a:t>
             </a:r>
             <a:r>
-              <a:rPr lang="en-US" sz="2400" dirty="0" err="1" smtClean="0">
+              <a:rPr lang="en-US" sz="2400" dirty="0" err="1">
                 <a:latin typeface="Consolas" pitchFamily="49" charset="0"/>
                 <a:cs typeface="Consolas" pitchFamily="49" charset="0"/>
               </a:rPr>
               <a:t>pos</a:t>
             </a:r>
             <a:r>
-              <a:rPr lang="en-US" sz="2400" dirty="0" smtClean="0">
+              <a:rPr lang="en-US" sz="2400" dirty="0">
                 <a:latin typeface="Consolas" pitchFamily="49" charset="0"/>
                 <a:cs typeface="Consolas" pitchFamily="49" charset="0"/>
               </a:rPr>
               <a:t>)  {  alert(</a:t>
             </a:r>
             <a:r>
-              <a:rPr lang="en-US" sz="2400" dirty="0" err="1" smtClean="0">
+              <a:rPr lang="en-US" sz="2400" dirty="0" err="1">
                 <a:latin typeface="Consolas" pitchFamily="49" charset="0"/>
                 <a:cs typeface="Consolas" pitchFamily="49" charset="0"/>
               </a:rPr>
               <a:t>pos</a:t>
             </a:r>
             <a:r>
-              <a:rPr lang="en-US" sz="2400" dirty="0" smtClean="0">
+              <a:rPr lang="en-US" sz="2400" dirty="0">
                 <a:latin typeface="Consolas" pitchFamily="49" charset="0"/>
                 <a:cs typeface="Consolas" pitchFamily="49" charset="0"/>
               </a:rPr>
@@ -19911,7 +19406,7 @@
           <a:p>
             <a:pPr marL="0" indent="0"/>
             <a:r>
-              <a:rPr lang="en-US" sz="2400" dirty="0" smtClean="0">
+              <a:rPr lang="en-US" sz="2400" dirty="0">
                 <a:latin typeface="Consolas" pitchFamily="49" charset="0"/>
                 <a:cs typeface="Consolas" pitchFamily="49" charset="0"/>
               </a:rPr>
@@ -19928,23 +19423,19 @@
           <a:p>
             <a:pPr marL="0" indent="0"/>
             <a:r>
-              <a:rPr lang="en-US" sz="2400" dirty="0" err="1" smtClean="0">
+              <a:rPr lang="en-US" sz="2400" dirty="0" err="1">
                 <a:latin typeface="Consolas" pitchFamily="49" charset="0"/>
                 <a:cs typeface="Consolas" pitchFamily="49" charset="0"/>
               </a:rPr>
               <a:t>d.Dispose</a:t>
             </a:r>
             <a:r>
-              <a:rPr lang="en-US" sz="2400" dirty="0" smtClean="0">
+              <a:rPr lang="en-US" sz="2400" dirty="0">
                 <a:latin typeface="Consolas" pitchFamily="49" charset="0"/>
                 <a:cs typeface="Consolas" pitchFamily="49" charset="0"/>
               </a:rPr>
               <a:t>();</a:t>
             </a:r>
-            <a:endParaRPr lang="en-US" sz="2400" dirty="0">
-              <a:latin typeface="Consolas" pitchFamily="49" charset="0"/>
-              <a:cs typeface="Consolas" pitchFamily="49" charset="0"/>
-            </a:endParaRPr>
           </a:p>
         </p:txBody>
       </p:sp>
@@ -20000,7 +19491,7 @@
               <a:buNone/>
               <a:tabLst/>
             </a:pPr>
-            <a:endParaRPr kumimoji="0" lang="en-US" sz="3200" b="1" i="0" u="none" strike="noStrike" cap="none" normalizeH="0" baseline="0" dirty="0" smtClean="0">
+            <a:endParaRPr kumimoji="0" lang="en-US" sz="3200" b="1" i="0" u="none" strike="noStrike" cap="none" normalizeH="0" baseline="0" dirty="0">
               <a:ln>
                 <a:noFill/>
               </a:ln>
@@ -20067,7 +19558,7 @@
               <a:buNone/>
               <a:tabLst/>
             </a:pPr>
-            <a:endParaRPr kumimoji="0" lang="en-US" sz="3200" b="1" i="0" u="none" strike="noStrike" cap="none" normalizeH="0" baseline="0" dirty="0" smtClean="0">
+            <a:endParaRPr kumimoji="0" lang="en-US" sz="3200" b="1" i="0" u="none" strike="noStrike" cap="none" normalizeH="0" baseline="0" dirty="0">
               <a:ln>
                 <a:noFill/>
               </a:ln>
@@ -20098,7 +19589,7 @@
           <a:lstStyle/>
           <a:p>
             <a:r>
-              <a:rPr lang="en-US" dirty="0" err="1" smtClean="0"/>
+              <a:rPr lang="en-US" dirty="0" err="1"/>
               <a:t>Observable.Create</a:t>
             </a:r>
             <a:endParaRPr lang="en-US" dirty="0"/>
@@ -20155,7 +19646,7 @@
               <a:buNone/>
               <a:tabLst/>
             </a:pPr>
-            <a:endParaRPr kumimoji="0" lang="en-US" sz="3200" b="1" i="0" u="none" strike="noStrike" cap="none" normalizeH="0" baseline="0" dirty="0" smtClean="0">
+            <a:endParaRPr kumimoji="0" lang="en-US" sz="3200" b="1" i="0" u="none" strike="noStrike" cap="none" normalizeH="0" baseline="0" dirty="0">
               <a:ln>
                 <a:noFill/>
               </a:ln>
@@ -20220,7 +19711,7 @@
               <a:buNone/>
               <a:tabLst/>
             </a:pPr>
-            <a:endParaRPr kumimoji="0" lang="en-US" sz="3200" b="1" i="0" u="none" strike="noStrike" cap="none" normalizeH="0" baseline="0" dirty="0" smtClean="0">
+            <a:endParaRPr kumimoji="0" lang="en-US" sz="3200" b="1" i="0" u="none" strike="noStrike" cap="none" normalizeH="0" baseline="0" dirty="0">
               <a:ln>
                 <a:noFill/>
               </a:ln>
@@ -20287,7 +19778,7 @@
               <a:buNone/>
               <a:tabLst/>
             </a:pPr>
-            <a:endParaRPr kumimoji="0" lang="en-US" sz="3200" b="1" i="0" u="none" strike="noStrike" cap="none" normalizeH="0" baseline="0" dirty="0" smtClean="0">
+            <a:endParaRPr kumimoji="0" lang="en-US" sz="3200" b="1" i="0" u="none" strike="noStrike" cap="none" normalizeH="0" baseline="0" dirty="0">
               <a:ln>
                 <a:noFill/>
               </a:ln>
@@ -20354,7 +19845,7 @@
               <a:buNone/>
               <a:tabLst/>
             </a:pPr>
-            <a:endParaRPr kumimoji="0" lang="en-US" sz="3200" b="1" i="0" u="none" strike="noStrike" cap="none" normalizeH="0" baseline="0" dirty="0" smtClean="0">
+            <a:endParaRPr kumimoji="0" lang="en-US" sz="3200" b="1" i="0" u="none" strike="noStrike" cap="none" normalizeH="0" baseline="0" dirty="0">
               <a:ln>
                 <a:noFill/>
               </a:ln>
@@ -20421,7 +19912,7 @@
               <a:buNone/>
               <a:tabLst/>
             </a:pPr>
-            <a:endParaRPr kumimoji="0" lang="en-US" sz="3200" b="1" i="0" u="none" strike="noStrike" cap="none" normalizeH="0" baseline="0" dirty="0" smtClean="0">
+            <a:endParaRPr kumimoji="0" lang="en-US" sz="3200" b="1" i="0" u="none" strike="noStrike" cap="none" normalizeH="0" baseline="0" dirty="0">
               <a:ln>
                 <a:noFill/>
               </a:ln>
@@ -20488,7 +19979,7 @@
               <a:buNone/>
               <a:tabLst/>
             </a:pPr>
-            <a:endParaRPr kumimoji="0" lang="en-US" sz="3200" b="1" i="0" u="none" strike="noStrike" cap="none" normalizeH="0" baseline="0" dirty="0" smtClean="0">
+            <a:endParaRPr kumimoji="0" lang="en-US" sz="3200" b="1" i="0" u="none" strike="noStrike" cap="none" normalizeH="0" baseline="0" dirty="0">
               <a:ln>
                 <a:noFill/>
               </a:ln>
@@ -20555,7 +20046,7 @@
               <a:buNone/>
               <a:tabLst/>
             </a:pPr>
-            <a:endParaRPr kumimoji="0" lang="en-US" sz="3200" b="1" i="0" u="none" strike="noStrike" cap="none" normalizeH="0" baseline="0" dirty="0" smtClean="0">
+            <a:endParaRPr kumimoji="0" lang="en-US" sz="3200" b="1" i="0" u="none" strike="noStrike" cap="none" normalizeH="0" baseline="0" dirty="0">
               <a:ln>
                 <a:noFill/>
               </a:ln>
@@ -20622,7 +20113,7 @@
               <a:buNone/>
               <a:tabLst/>
             </a:pPr>
-            <a:endParaRPr kumimoji="0" lang="en-US" sz="3200" b="1" i="0" u="none" strike="noStrike" cap="none" normalizeH="0" baseline="0" dirty="0" smtClean="0">
+            <a:endParaRPr kumimoji="0" lang="en-US" sz="3200" b="1" i="0" u="none" strike="noStrike" cap="none" normalizeH="0" baseline="0" dirty="0">
               <a:ln>
                 <a:noFill/>
               </a:ln>
@@ -20689,7 +20180,7 @@
               <a:buNone/>
               <a:tabLst/>
             </a:pPr>
-            <a:endParaRPr kumimoji="0" lang="en-US" sz="3200" b="1" i="0" u="none" strike="noStrike" cap="none" normalizeH="0" baseline="0" dirty="0" smtClean="0">
+            <a:endParaRPr kumimoji="0" lang="en-US" sz="3200" b="1" i="0" u="none" strike="noStrike" cap="none" normalizeH="0" baseline="0" dirty="0">
               <a:ln>
                 <a:noFill/>
               </a:ln>
@@ -20756,7 +20247,7 @@
               <a:buNone/>
               <a:tabLst/>
             </a:pPr>
-            <a:endParaRPr kumimoji="0" lang="en-US" sz="3200" b="1" i="0" u="none" strike="noStrike" cap="none" normalizeH="0" baseline="0" dirty="0" smtClean="0">
+            <a:endParaRPr kumimoji="0" lang="en-US" sz="3200" b="1" i="0" u="none" strike="noStrike" cap="none" normalizeH="0" baseline="0" dirty="0">
               <a:ln>
                 <a:noFill/>
               </a:ln>
@@ -20832,7 +20323,7 @@
               <a:buNone/>
               <a:tabLst/>
             </a:pPr>
-            <a:endParaRPr kumimoji="0" lang="en-US" sz="3200" b="1" i="0" u="none" strike="noStrike" cap="none" normalizeH="0" baseline="0" dirty="0" smtClean="0">
+            <a:endParaRPr kumimoji="0" lang="en-US" sz="3200" b="1" i="0" u="none" strike="noStrike" cap="none" normalizeH="0" baseline="0" dirty="0">
               <a:ln>
                 <a:noFill/>
               </a:ln>
@@ -20877,10 +20368,9 @@
           <a:lstStyle/>
           <a:p>
             <a:r>
-              <a:rPr lang="en-US" dirty="0" smtClean="0"/>
+              <a:rPr lang="en-US" dirty="0"/>
               <a:t>8675309</a:t>
             </a:r>
-            <a:endParaRPr lang="en-US" dirty="0"/>
           </a:p>
         </p:txBody>
       </p:sp>
@@ -20936,7 +20426,7 @@
               <a:buNone/>
               <a:tabLst/>
             </a:pPr>
-            <a:endParaRPr kumimoji="0" lang="en-US" sz="3200" b="1" i="0" u="none" strike="noStrike" cap="none" normalizeH="0" baseline="0" dirty="0" smtClean="0">
+            <a:endParaRPr kumimoji="0" lang="en-US" sz="3200" b="1" i="0" u="none" strike="noStrike" cap="none" normalizeH="0" baseline="0" dirty="0">
               <a:ln>
                 <a:noFill/>
               </a:ln>
@@ -21003,7 +20493,7 @@
               <a:buNone/>
               <a:tabLst/>
             </a:pPr>
-            <a:endParaRPr kumimoji="0" lang="en-US" sz="3200" b="1" i="0" u="none" strike="noStrike" cap="none" normalizeH="0" baseline="0" dirty="0" smtClean="0">
+            <a:endParaRPr kumimoji="0" lang="en-US" sz="3200" b="1" i="0" u="none" strike="noStrike" cap="none" normalizeH="0" baseline="0" dirty="0">
               <a:ln>
                 <a:noFill/>
               </a:ln>
@@ -21070,7 +20560,7 @@
               <a:buNone/>
               <a:tabLst/>
             </a:pPr>
-            <a:endParaRPr kumimoji="0" lang="en-US" sz="3200" b="1" i="0" u="none" strike="noStrike" cap="none" normalizeH="0" baseline="0" dirty="0" smtClean="0">
+            <a:endParaRPr kumimoji="0" lang="en-US" sz="3200" b="1" i="0" u="none" strike="noStrike" cap="none" normalizeH="0" baseline="0" dirty="0">
               <a:ln>
                 <a:noFill/>
               </a:ln>
@@ -21137,7 +20627,7 @@
               <a:buNone/>
               <a:tabLst/>
             </a:pPr>
-            <a:endParaRPr kumimoji="0" lang="en-US" sz="3200" b="1" i="0" u="none" strike="noStrike" cap="none" normalizeH="0" baseline="0" dirty="0" smtClean="0">
+            <a:endParaRPr kumimoji="0" lang="en-US" sz="3200" b="1" i="0" u="none" strike="noStrike" cap="none" normalizeH="0" baseline="0" dirty="0">
               <a:ln>
                 <a:noFill/>
               </a:ln>
@@ -21268,7 +20758,7 @@
               <a:buNone/>
               <a:tabLst/>
             </a:pPr>
-            <a:endParaRPr kumimoji="0" lang="en-US" sz="3200" b="1" i="0" u="none" strike="noStrike" cap="none" normalizeH="0" baseline="0" dirty="0" smtClean="0">
+            <a:endParaRPr kumimoji="0" lang="en-US" sz="3200" b="1" i="0" u="none" strike="noStrike" cap="none" normalizeH="0" baseline="0" dirty="0">
               <a:ln>
                 <a:noFill/>
               </a:ln>
@@ -21335,7 +20825,7 @@
               <a:buNone/>
               <a:tabLst/>
             </a:pPr>
-            <a:endParaRPr kumimoji="0" lang="en-US" sz="3200" b="1" i="0" u="none" strike="noStrike" cap="none" normalizeH="0" baseline="0" dirty="0" smtClean="0">
+            <a:endParaRPr kumimoji="0" lang="en-US" sz="3200" b="1" i="0" u="none" strike="noStrike" cap="none" normalizeH="0" baseline="0" dirty="0">
               <a:ln>
                 <a:noFill/>
               </a:ln>
@@ -21402,7 +20892,7 @@
               <a:buNone/>
               <a:tabLst/>
             </a:pPr>
-            <a:endParaRPr kumimoji="0" lang="en-US" sz="3200" b="1" i="0" u="none" strike="noStrike" cap="none" normalizeH="0" baseline="0" dirty="0" smtClean="0">
+            <a:endParaRPr kumimoji="0" lang="en-US" sz="3200" b="1" i="0" u="none" strike="noStrike" cap="none" normalizeH="0" baseline="0" dirty="0">
               <a:ln>
                 <a:noFill/>
               </a:ln>
@@ -21469,7 +20959,7 @@
               <a:buNone/>
               <a:tabLst/>
             </a:pPr>
-            <a:endParaRPr kumimoji="0" lang="en-US" sz="3200" b="1" i="0" u="none" strike="noStrike" cap="none" normalizeH="0" baseline="0" dirty="0" smtClean="0">
+            <a:endParaRPr kumimoji="0" lang="en-US" sz="3200" b="1" i="0" u="none" strike="noStrike" cap="none" normalizeH="0" baseline="0" dirty="0">
               <a:ln>
                 <a:noFill/>
               </a:ln>
@@ -21514,10 +21004,9 @@
           <a:lstStyle/>
           <a:p>
             <a:r>
-              <a:rPr lang="en-US" dirty="0" smtClean="0"/>
+              <a:rPr lang="en-US" dirty="0"/>
               <a:t>8675309</a:t>
             </a:r>
-            <a:endParaRPr lang="en-US" dirty="0"/>
           </a:p>
         </p:txBody>
       </p:sp>
@@ -23671,7 +23160,7 @@
               <a:tabLst/>
             </a:pPr>
             <a:r>
-              <a:rPr kumimoji="0" lang="en-US" sz="3200" b="1" i="0" u="none" strike="noStrike" cap="none" normalizeH="0" baseline="0" dirty="0" smtClean="0">
+              <a:rPr kumimoji="0" lang="en-US" sz="3200" b="1" i="0" u="none" strike="noStrike" cap="none" normalizeH="0" baseline="0" dirty="0">
                 <a:ln>
                   <a:noFill/>
                 </a:ln>
@@ -23704,7 +23193,7 @@
           <a:lstStyle/>
           <a:p>
             <a:r>
-              <a:rPr lang="en-US" dirty="0" err="1" smtClean="0"/>
+              <a:rPr lang="en-US" dirty="0" err="1"/>
               <a:t>RX.Observable.Prototype</a:t>
             </a:r>
             <a:endParaRPr lang="en-US" dirty="0"/>
@@ -23771,7 +23260,7 @@
               <a:tabLst/>
             </a:pPr>
             <a:r>
-              <a:rPr kumimoji="0" lang="en-US" sz="3200" b="1" i="0" u="none" strike="noStrike" cap="none" normalizeH="0" baseline="0" dirty="0" smtClean="0">
+              <a:rPr kumimoji="0" lang="en-US" sz="3200" b="1" i="0" u="none" strike="noStrike" cap="none" normalizeH="0" baseline="0" dirty="0">
                 <a:ln>
                   <a:noFill/>
                 </a:ln>
@@ -23848,7 +23337,7 @@
               <a:tabLst/>
             </a:pPr>
             <a:r>
-              <a:rPr kumimoji="0" lang="en-US" sz="3200" b="1" i="0" u="none" strike="noStrike" cap="none" normalizeH="0" baseline="0" dirty="0" smtClean="0">
+              <a:rPr kumimoji="0" lang="en-US" sz="3200" b="1" i="0" u="none" strike="noStrike" cap="none" normalizeH="0" baseline="0" dirty="0">
                 <a:ln>
                   <a:noFill/>
                 </a:ln>
@@ -23923,7 +23412,7 @@
               <a:tabLst/>
             </a:pPr>
             <a:r>
-              <a:rPr kumimoji="0" lang="en-US" sz="3200" b="1" i="0" u="none" strike="noStrike" cap="none" normalizeH="0" baseline="0" dirty="0" smtClean="0">
+              <a:rPr kumimoji="0" lang="en-US" sz="3200" b="1" i="0" u="none" strike="noStrike" cap="none" normalizeH="0" baseline="0" dirty="0">
                 <a:ln>
                   <a:noFill/>
                 </a:ln>
@@ -23998,7 +23487,7 @@
               <a:tabLst/>
             </a:pPr>
             <a:r>
-              <a:rPr kumimoji="0" lang="en-US" sz="2000" i="0" u="none" strike="noStrike" cap="none" normalizeH="0" baseline="0" dirty="0" smtClean="0">
+              <a:rPr kumimoji="0" lang="en-US" sz="2000" i="0" u="none" strike="noStrike" cap="none" normalizeH="0" baseline="0" dirty="0">
                 <a:ln>
                   <a:noFill/>
                 </a:ln>
@@ -24031,7 +23520,7 @@
               <a:tabLst/>
             </a:pPr>
             <a:r>
-              <a:rPr lang="en-US" sz="2000" dirty="0" smtClean="0">
+              <a:rPr lang="en-US" sz="2000" dirty="0">
                 <a:solidFill>
                   <a:srgbClr val="000000"/>
                 </a:solidFill>
@@ -24060,7 +23549,7 @@
               <a:tabLst/>
             </a:pPr>
             <a:r>
-              <a:rPr kumimoji="0" lang="en-US" sz="2000" i="0" u="none" strike="noStrike" cap="none" normalizeH="0" baseline="0" dirty="0" smtClean="0">
+              <a:rPr kumimoji="0" lang="en-US" sz="2000" i="0" u="none" strike="noStrike" cap="none" normalizeH="0" baseline="0" dirty="0">
                 <a:ln>
                   <a:noFill/>
                 </a:ln>
@@ -24093,7 +23582,7 @@
               <a:tabLst/>
             </a:pPr>
             <a:r>
-              <a:rPr lang="en-US" sz="2000" dirty="0" smtClean="0">
+              <a:rPr lang="en-US" sz="2000" dirty="0">
                 <a:solidFill>
                   <a:srgbClr val="000000"/>
                 </a:solidFill>
@@ -24122,7 +23611,7 @@
               <a:tabLst/>
             </a:pPr>
             <a:r>
-              <a:rPr kumimoji="0" lang="en-US" sz="2000" i="0" u="none" strike="noStrike" cap="none" normalizeH="0" baseline="0" dirty="0" smtClean="0">
+              <a:rPr kumimoji="0" lang="en-US" sz="2000" i="0" u="none" strike="noStrike" cap="none" normalizeH="0" baseline="0" dirty="0">
                 <a:ln>
                   <a:noFill/>
                 </a:ln>
@@ -24155,7 +23644,7 @@
               <a:tabLst/>
             </a:pPr>
             <a:r>
-              <a:rPr lang="en-US" sz="2000" dirty="0" err="1" smtClean="0">
+              <a:rPr lang="en-US" sz="2000" dirty="0" err="1">
                 <a:solidFill>
                   <a:srgbClr val="000000"/>
                 </a:solidFill>
@@ -24165,7 +23654,7 @@
               </a:rPr>
               <a:t>GroupBy</a:t>
             </a:r>
-            <a:endParaRPr kumimoji="0" lang="en-US" sz="2000" i="0" u="none" strike="noStrike" cap="none" normalizeH="0" baseline="0" dirty="0" smtClean="0">
+            <a:endParaRPr kumimoji="0" lang="en-US" sz="2000" i="0" u="none" strike="noStrike" cap="none" normalizeH="0" baseline="0" dirty="0">
               <a:ln>
                 <a:noFill/>
               </a:ln>
@@ -24238,7 +23727,7 @@
               <a:tabLst/>
             </a:pPr>
             <a:r>
-              <a:rPr kumimoji="0" lang="en-US" sz="2000" i="0" u="none" strike="noStrike" cap="none" normalizeH="0" baseline="0" dirty="0" err="1" smtClean="0">
+              <a:rPr kumimoji="0" lang="en-US" sz="2000" i="0" u="none" strike="noStrike" cap="none" normalizeH="0" baseline="0" dirty="0" err="1">
                 <a:ln>
                   <a:noFill/>
                 </a:ln>
@@ -24252,7 +23741,7 @@
               </a:rPr>
               <a:t>StartsWith</a:t>
             </a:r>
-            <a:endParaRPr kumimoji="0" lang="en-US" sz="2000" i="0" u="none" strike="noStrike" cap="none" normalizeH="0" baseline="0" dirty="0" smtClean="0">
+            <a:endParaRPr kumimoji="0" lang="en-US" sz="2000" i="0" u="none" strike="noStrike" cap="none" normalizeH="0" baseline="0" dirty="0">
               <a:ln>
                 <a:noFill/>
               </a:ln>
@@ -24283,7 +23772,7 @@
               <a:tabLst/>
             </a:pPr>
             <a:r>
-              <a:rPr lang="en-US" sz="2000" dirty="0" smtClean="0">
+              <a:rPr lang="en-US" sz="2000" dirty="0">
                 <a:solidFill>
                   <a:srgbClr val="000000"/>
                 </a:solidFill>
@@ -24312,7 +23801,7 @@
               <a:tabLst/>
             </a:pPr>
             <a:r>
-              <a:rPr lang="en-US" sz="2000" dirty="0" err="1" smtClean="0">
+              <a:rPr lang="en-US" sz="2000" dirty="0" err="1">
                 <a:solidFill>
                   <a:srgbClr val="000000"/>
                 </a:solidFill>
@@ -24322,7 +23811,7 @@
               </a:rPr>
               <a:t>MergeObservable</a:t>
             </a:r>
-            <a:endParaRPr lang="en-US" sz="2000" dirty="0" smtClean="0">
+            <a:endParaRPr lang="en-US" sz="2000" dirty="0">
               <a:solidFill>
                 <a:srgbClr val="000000"/>
               </a:solidFill>
@@ -24349,7 +23838,7 @@
               <a:tabLst/>
             </a:pPr>
             <a:r>
-              <a:rPr kumimoji="0" lang="en-US" sz="2000" i="0" u="none" strike="noStrike" cap="none" normalizeH="0" baseline="0" dirty="0" err="1" smtClean="0">
+              <a:rPr kumimoji="0" lang="en-US" sz="2000" i="0" u="none" strike="noStrike" cap="none" normalizeH="0" baseline="0" dirty="0" err="1">
                 <a:ln>
                   <a:noFill/>
                 </a:ln>
@@ -24363,7 +23852,7 @@
               </a:rPr>
               <a:t>Concat</a:t>
             </a:r>
-            <a:endParaRPr kumimoji="0" lang="en-US" sz="2000" i="0" u="none" strike="noStrike" cap="none" normalizeH="0" baseline="0" dirty="0" smtClean="0">
+            <a:endParaRPr kumimoji="0" lang="en-US" sz="2000" i="0" u="none" strike="noStrike" cap="none" normalizeH="0" baseline="0" dirty="0">
               <a:ln>
                 <a:noFill/>
               </a:ln>
@@ -24394,7 +23883,7 @@
               <a:tabLst/>
             </a:pPr>
             <a:r>
-              <a:rPr lang="en-US" sz="2000" dirty="0" smtClean="0">
+              <a:rPr lang="en-US" sz="2000" dirty="0">
                 <a:solidFill>
                   <a:srgbClr val="000000"/>
                 </a:solidFill>
@@ -24423,7 +23912,7 @@
               <a:tabLst/>
             </a:pPr>
             <a:r>
-              <a:rPr kumimoji="0" lang="en-US" sz="2000" i="0" u="none" strike="noStrike" cap="none" normalizeH="0" baseline="0" dirty="0" err="1" smtClean="0">
+              <a:rPr kumimoji="0" lang="en-US" sz="2000" i="0" u="none" strike="noStrike" cap="none" normalizeH="0" baseline="0" dirty="0" err="1">
                 <a:ln>
                   <a:noFill/>
                 </a:ln>
@@ -24437,7 +23926,7 @@
               </a:rPr>
               <a:t>CombineLatest</a:t>
             </a:r>
-            <a:endParaRPr kumimoji="0" lang="en-US" sz="2000" i="0" u="none" strike="noStrike" cap="none" normalizeH="0" baseline="0" dirty="0" smtClean="0">
+            <a:endParaRPr kumimoji="0" lang="en-US" sz="2000" i="0" u="none" strike="noStrike" cap="none" normalizeH="0" baseline="0" dirty="0">
               <a:ln>
                 <a:noFill/>
               </a:ln>
@@ -24468,7 +23957,7 @@
               <a:tabLst/>
             </a:pPr>
             <a:r>
-              <a:rPr lang="en-US" sz="2000" dirty="0" smtClean="0">
+              <a:rPr lang="en-US" sz="2000" dirty="0">
                 <a:solidFill>
                   <a:srgbClr val="000000"/>
                 </a:solidFill>
@@ -24497,7 +23986,7 @@
               <a:tabLst/>
             </a:pPr>
             <a:r>
-              <a:rPr kumimoji="0" lang="en-US" sz="2000" i="0" u="none" strike="noStrike" cap="none" normalizeH="0" baseline="0" dirty="0" err="1" smtClean="0">
+              <a:rPr kumimoji="0" lang="en-US" sz="2000" i="0" u="none" strike="noStrike" cap="none" normalizeH="0" baseline="0" dirty="0" err="1">
                 <a:ln>
                   <a:noFill/>
                 </a:ln>
@@ -24511,7 +24000,7 @@
               </a:rPr>
               <a:t>SelectMany</a:t>
             </a:r>
-            <a:endParaRPr kumimoji="0" lang="en-US" sz="2000" i="0" u="none" strike="noStrike" cap="none" normalizeH="0" baseline="0" dirty="0" smtClean="0">
+            <a:endParaRPr kumimoji="0" lang="en-US" sz="2000" i="0" u="none" strike="noStrike" cap="none" normalizeH="0" baseline="0" dirty="0">
               <a:ln>
                 <a:noFill/>
               </a:ln>
@@ -24542,7 +24031,7 @@
               <a:tabLst/>
             </a:pPr>
             <a:r>
-              <a:rPr lang="en-US" sz="2000" dirty="0" err="1" smtClean="0">
+              <a:rPr lang="en-US" sz="2000" dirty="0" err="1">
                 <a:solidFill>
                   <a:srgbClr val="000000"/>
                 </a:solidFill>
@@ -24552,7 +24041,7 @@
               </a:rPr>
               <a:t>TakeWhile</a:t>
             </a:r>
-            <a:endParaRPr lang="en-US" sz="2000" dirty="0" smtClean="0">
+            <a:endParaRPr lang="en-US" sz="2000" dirty="0">
               <a:solidFill>
                 <a:srgbClr val="000000"/>
               </a:solidFill>
@@ -24579,7 +24068,7 @@
               <a:tabLst/>
             </a:pPr>
             <a:r>
-              <a:rPr kumimoji="0" lang="en-US" sz="2000" i="0" u="none" strike="noStrike" cap="none" normalizeH="0" baseline="0" dirty="0" err="1" smtClean="0">
+              <a:rPr kumimoji="0" lang="en-US" sz="2000" i="0" u="none" strike="noStrike" cap="none" normalizeH="0" baseline="0" dirty="0" err="1">
                 <a:ln>
                   <a:noFill/>
                 </a:ln>
@@ -24593,7 +24082,7 @@
               </a:rPr>
               <a:t>TakeUntil</a:t>
             </a:r>
-            <a:endParaRPr kumimoji="0" lang="en-US" sz="2000" i="0" u="none" strike="noStrike" cap="none" normalizeH="0" baseline="0" dirty="0" smtClean="0">
+            <a:endParaRPr kumimoji="0" lang="en-US" sz="2000" i="0" u="none" strike="noStrike" cap="none" normalizeH="0" baseline="0" dirty="0">
               <a:ln>
                 <a:noFill/>
               </a:ln>
@@ -24624,7 +24113,7 @@
               <a:tabLst/>
             </a:pPr>
             <a:r>
-              <a:rPr lang="en-US" sz="2000" dirty="0" err="1" smtClean="0">
+              <a:rPr lang="en-US" sz="2000" dirty="0" err="1">
                 <a:solidFill>
                   <a:srgbClr val="000000"/>
                 </a:solidFill>
@@ -24634,7 +24123,7 @@
               </a:rPr>
               <a:t>SkipUntil</a:t>
             </a:r>
-            <a:endParaRPr lang="en-US" sz="2000" dirty="0" smtClean="0">
+            <a:endParaRPr lang="en-US" sz="2000" dirty="0">
               <a:solidFill>
                 <a:srgbClr val="000000"/>
               </a:solidFill>
@@ -24661,7 +24150,7 @@
               <a:tabLst/>
             </a:pPr>
             <a:r>
-              <a:rPr kumimoji="0" lang="en-US" sz="2000" i="0" u="none" strike="noStrike" cap="none" normalizeH="0" baseline="0" dirty="0" smtClean="0">
+              <a:rPr kumimoji="0" lang="en-US" sz="2000" i="0" u="none" strike="noStrike" cap="none" normalizeH="0" baseline="0" dirty="0">
                 <a:ln>
                   <a:noFill/>
                 </a:ln>
@@ -24736,7 +24225,7 @@
               <a:tabLst/>
             </a:pPr>
             <a:r>
-              <a:rPr kumimoji="0" lang="en-US" sz="2000" i="0" u="none" strike="noStrike" cap="none" normalizeH="0" baseline="0" dirty="0" smtClean="0">
+              <a:rPr kumimoji="0" lang="en-US" sz="2000" i="0" u="none" strike="noStrike" cap="none" normalizeH="0" baseline="0" dirty="0">
                 <a:ln>
                   <a:noFill/>
                 </a:ln>
@@ -24769,7 +24258,7 @@
               <a:tabLst/>
             </a:pPr>
             <a:r>
-              <a:rPr lang="en-US" sz="2000" dirty="0" smtClean="0">
+              <a:rPr lang="en-US" sz="2000" dirty="0">
                 <a:solidFill>
                   <a:srgbClr val="000000"/>
                 </a:solidFill>
@@ -24798,7 +24287,7 @@
               <a:tabLst/>
             </a:pPr>
             <a:r>
-              <a:rPr kumimoji="0" lang="en-US" sz="2000" i="0" u="none" strike="noStrike" cap="none" normalizeH="0" baseline="0" dirty="0" err="1" smtClean="0">
+              <a:rPr kumimoji="0" lang="en-US" sz="2000" i="0" u="none" strike="noStrike" cap="none" normalizeH="0" baseline="0" dirty="0" err="1">
                 <a:ln>
                   <a:noFill/>
                 </a:ln>
@@ -24812,7 +24301,7 @@
               </a:rPr>
               <a:t>DistinctUntilChanged</a:t>
             </a:r>
-            <a:endParaRPr kumimoji="0" lang="en-US" sz="2000" i="0" u="none" strike="noStrike" cap="none" normalizeH="0" baseline="0" dirty="0" smtClean="0">
+            <a:endParaRPr kumimoji="0" lang="en-US" sz="2000" i="0" u="none" strike="noStrike" cap="none" normalizeH="0" baseline="0" dirty="0">
               <a:ln>
                 <a:noFill/>
               </a:ln>
@@ -24843,7 +24332,7 @@
               <a:tabLst/>
             </a:pPr>
             <a:r>
-              <a:rPr lang="en-US" sz="2000" dirty="0" smtClean="0">
+              <a:rPr lang="en-US" sz="2000" dirty="0">
                 <a:solidFill>
                   <a:srgbClr val="000000"/>
                 </a:solidFill>
@@ -24872,7 +24361,7 @@
               <a:tabLst/>
             </a:pPr>
             <a:r>
-              <a:rPr kumimoji="0" lang="en-US" sz="2000" i="0" u="none" strike="noStrike" cap="none" normalizeH="0" baseline="0" dirty="0" err="1" smtClean="0">
+              <a:rPr kumimoji="0" lang="en-US" sz="2000" i="0" u="none" strike="noStrike" cap="none" normalizeH="0" baseline="0" dirty="0" err="1">
                 <a:ln>
                   <a:noFill/>
                 </a:ln>
@@ -24886,7 +24375,7 @@
               </a:rPr>
               <a:t>SkipLast</a:t>
             </a:r>
-            <a:endParaRPr kumimoji="0" lang="en-US" sz="2000" i="0" u="none" strike="noStrike" cap="none" normalizeH="0" baseline="0" dirty="0" smtClean="0">
+            <a:endParaRPr kumimoji="0" lang="en-US" sz="2000" i="0" u="none" strike="noStrike" cap="none" normalizeH="0" baseline="0" dirty="0">
               <a:ln>
                 <a:noFill/>
               </a:ln>
@@ -24917,7 +24406,7 @@
               <a:tabLst/>
             </a:pPr>
             <a:r>
-              <a:rPr lang="en-US" sz="2000" dirty="0" err="1" smtClean="0">
+              <a:rPr lang="en-US" sz="2000" dirty="0" err="1">
                 <a:solidFill>
                   <a:srgbClr val="000000"/>
                 </a:solidFill>
@@ -24927,7 +24416,7 @@
               </a:rPr>
               <a:t>TakeLast</a:t>
             </a:r>
-            <a:endParaRPr kumimoji="0" lang="en-US" sz="2000" i="0" u="none" strike="noStrike" cap="none" normalizeH="0" baseline="0" dirty="0" smtClean="0">
+            <a:endParaRPr kumimoji="0" lang="en-US" sz="2000" i="0" u="none" strike="noStrike" cap="none" normalizeH="0" baseline="0" dirty="0">
               <a:ln>
                 <a:noFill/>
               </a:ln>
@@ -25000,7 +24489,7 @@
               <a:tabLst/>
             </a:pPr>
             <a:r>
-              <a:rPr kumimoji="0" lang="en-US" sz="2000" i="0" u="none" strike="noStrike" cap="none" normalizeH="0" baseline="0" dirty="0" smtClean="0">
+              <a:rPr kumimoji="0" lang="en-US" sz="2000" i="0" u="none" strike="noStrike" cap="none" normalizeH="0" baseline="0" dirty="0">
                 <a:ln>
                   <a:noFill/>
                 </a:ln>
@@ -25033,7 +24522,7 @@
               <a:tabLst/>
             </a:pPr>
             <a:r>
-              <a:rPr lang="en-US" sz="2000" dirty="0" smtClean="0">
+              <a:rPr lang="en-US" sz="2000" dirty="0">
                 <a:solidFill>
                   <a:srgbClr val="000000"/>
                 </a:solidFill>
@@ -25062,7 +24551,7 @@
               <a:tabLst/>
             </a:pPr>
             <a:r>
-              <a:rPr kumimoji="0" lang="en-US" sz="2000" i="0" u="none" strike="noStrike" cap="none" normalizeH="0" baseline="0" dirty="0" smtClean="0">
+              <a:rPr kumimoji="0" lang="en-US" sz="2000" i="0" u="none" strike="noStrike" cap="none" normalizeH="0" baseline="0" dirty="0">
                 <a:ln>
                   <a:noFill/>
                 </a:ln>
@@ -25095,7 +24584,7 @@
               <a:tabLst/>
             </a:pPr>
             <a:r>
-              <a:rPr lang="en-US" sz="2000" dirty="0" err="1" smtClean="0">
+              <a:rPr lang="en-US" sz="2000" dirty="0" err="1">
                 <a:solidFill>
                   <a:srgbClr val="000000"/>
                 </a:solidFill>
@@ -25105,7 +24594,7 @@
               </a:rPr>
               <a:t>OnErrorResumeNext</a:t>
             </a:r>
-            <a:endParaRPr kumimoji="0" lang="en-US" sz="2000" i="0" u="none" strike="noStrike" cap="none" normalizeH="0" baseline="0" dirty="0" smtClean="0">
+            <a:endParaRPr kumimoji="0" lang="en-US" sz="2000" i="0" u="none" strike="noStrike" cap="none" normalizeH="0" baseline="0" dirty="0">
               <a:ln>
                 <a:noFill/>
               </a:ln>
@@ -25178,7 +24667,7 @@
               <a:tabLst/>
             </a:pPr>
             <a:r>
-              <a:rPr lang="en-US" sz="2000" dirty="0" err="1" smtClean="0">
+              <a:rPr lang="en-US" sz="2000" dirty="0" err="1">
                 <a:solidFill>
                   <a:srgbClr val="000000"/>
                 </a:solidFill>
@@ -25188,7 +24677,7 @@
               </a:rPr>
               <a:t>TimeInterval</a:t>
             </a:r>
-            <a:endParaRPr lang="en-US" sz="2000" dirty="0" smtClean="0">
+            <a:endParaRPr lang="en-US" sz="2000" dirty="0">
               <a:solidFill>
                 <a:srgbClr val="000000"/>
               </a:solidFill>
@@ -25215,7 +24704,7 @@
               <a:tabLst/>
             </a:pPr>
             <a:r>
-              <a:rPr kumimoji="0" lang="en-US" sz="2000" i="0" u="none" strike="noStrike" cap="none" normalizeH="0" baseline="0" dirty="0" err="1" smtClean="0">
+              <a:rPr kumimoji="0" lang="en-US" sz="2000" i="0" u="none" strike="noStrike" cap="none" normalizeH="0" baseline="0" dirty="0" err="1">
                 <a:ln>
                   <a:noFill/>
                 </a:ln>
@@ -25229,7 +24718,7 @@
               </a:rPr>
               <a:t>RemoveInterval</a:t>
             </a:r>
-            <a:endParaRPr kumimoji="0" lang="en-US" sz="2000" i="0" u="none" strike="noStrike" cap="none" normalizeH="0" baseline="0" dirty="0" smtClean="0">
+            <a:endParaRPr kumimoji="0" lang="en-US" sz="2000" i="0" u="none" strike="noStrike" cap="none" normalizeH="0" baseline="0" dirty="0">
               <a:ln>
                 <a:noFill/>
               </a:ln>
@@ -25260,7 +24749,7 @@
               <a:tabLst/>
             </a:pPr>
             <a:r>
-              <a:rPr lang="en-US" sz="2000" dirty="0" err="1" smtClean="0">
+              <a:rPr lang="en-US" sz="2000" dirty="0" err="1">
                 <a:solidFill>
                   <a:srgbClr val="000000"/>
                 </a:solidFill>
@@ -25270,7 +24759,7 @@
               </a:rPr>
               <a:t>RemoveTimestamp</a:t>
             </a:r>
-            <a:endParaRPr lang="en-US" sz="2000" dirty="0" smtClean="0">
+            <a:endParaRPr lang="en-US" sz="2000" dirty="0">
               <a:solidFill>
                 <a:srgbClr val="000000"/>
               </a:solidFill>
@@ -25297,7 +24786,7 @@
               <a:tabLst/>
             </a:pPr>
             <a:r>
-              <a:rPr kumimoji="0" lang="en-US" sz="2000" i="0" u="none" strike="noStrike" cap="none" normalizeH="0" baseline="0" dirty="0" err="1" smtClean="0">
+              <a:rPr kumimoji="0" lang="en-US" sz="2000" i="0" u="none" strike="noStrike" cap="none" normalizeH="0" baseline="0" dirty="0" err="1">
                 <a:ln>
                   <a:noFill/>
                 </a:ln>
@@ -25311,7 +24800,7 @@
               </a:rPr>
               <a:t>BufferWithTime</a:t>
             </a:r>
-            <a:endParaRPr kumimoji="0" lang="en-US" sz="2000" i="0" u="none" strike="noStrike" cap="none" normalizeH="0" baseline="0" dirty="0" smtClean="0">
+            <a:endParaRPr kumimoji="0" lang="en-US" sz="2000" i="0" u="none" strike="noStrike" cap="none" normalizeH="0" baseline="0" dirty="0">
               <a:ln>
                 <a:noFill/>
               </a:ln>
@@ -25342,7 +24831,7 @@
               <a:tabLst/>
             </a:pPr>
             <a:r>
-              <a:rPr lang="en-US" sz="2000" dirty="0" err="1" smtClean="0">
+              <a:rPr lang="en-US" sz="2000" dirty="0" err="1">
                 <a:solidFill>
                   <a:srgbClr val="000000"/>
                 </a:solidFill>
@@ -25352,7 +24841,7 @@
               </a:rPr>
               <a:t>BufferWithCount</a:t>
             </a:r>
-            <a:endParaRPr lang="en-US" sz="2000" dirty="0" smtClean="0">
+            <a:endParaRPr lang="en-US" sz="2000" dirty="0">
               <a:solidFill>
                 <a:srgbClr val="000000"/>
               </a:solidFill>
@@ -25379,7 +24868,7 @@
               <a:tabLst/>
             </a:pPr>
             <a:r>
-              <a:rPr kumimoji="0" lang="en-US" sz="2000" i="0" u="none" strike="noStrike" cap="none" normalizeH="0" baseline="0" dirty="0" smtClean="0">
+              <a:rPr kumimoji="0" lang="en-US" sz="2000" i="0" u="none" strike="noStrike" cap="none" normalizeH="0" baseline="0" dirty="0">
                 <a:ln>
                   <a:noFill/>
                 </a:ln>
@@ -25412,7 +24901,7 @@
               <a:tabLst/>
             </a:pPr>
             <a:r>
-              <a:rPr lang="en-US" sz="2000" dirty="0" smtClean="0">
+              <a:rPr lang="en-US" sz="2000" dirty="0">
                 <a:solidFill>
                   <a:srgbClr val="000000"/>
                 </a:solidFill>
@@ -25441,7 +24930,7 @@
               <a:tabLst/>
             </a:pPr>
             <a:r>
-              <a:rPr kumimoji="0" lang="en-US" sz="2000" i="0" u="none" strike="noStrike" cap="none" normalizeH="0" baseline="0" dirty="0" smtClean="0">
+              <a:rPr kumimoji="0" lang="en-US" sz="2000" i="0" u="none" strike="noStrike" cap="none" normalizeH="0" baseline="0" dirty="0">
                 <a:ln>
                   <a:noFill/>
                 </a:ln>
@@ -25474,7 +24963,7 @@
               <a:tabLst/>
             </a:pPr>
             <a:r>
-              <a:rPr lang="en-US" sz="2000" dirty="0" smtClean="0">
+              <a:rPr lang="en-US" sz="2000" dirty="0">
                 <a:solidFill>
                   <a:srgbClr val="000000"/>
                 </a:solidFill>
@@ -25503,7 +24992,7 @@
               <a:tabLst/>
             </a:pPr>
             <a:r>
-              <a:rPr kumimoji="0" lang="en-US" sz="2000" i="0" u="none" strike="noStrike" cap="none" normalizeH="0" baseline="0" dirty="0" smtClean="0">
+              <a:rPr kumimoji="0" lang="en-US" sz="2000" i="0" u="none" strike="noStrike" cap="none" normalizeH="0" baseline="0" dirty="0">
                 <a:ln>
                   <a:noFill/>
                 </a:ln>
@@ -25536,7 +25025,7 @@
               <a:tabLst/>
             </a:pPr>
             <a:r>
-              <a:rPr lang="en-US" sz="2000" dirty="0" smtClean="0">
+              <a:rPr lang="en-US" sz="2000" dirty="0">
                 <a:solidFill>
                   <a:srgbClr val="000000"/>
                 </a:solidFill>
@@ -25546,7 +25035,7 @@
               </a:rPr>
               <a:t>Delay</a:t>
             </a:r>
-            <a:endParaRPr kumimoji="0" lang="en-US" sz="2000" i="0" u="none" strike="noStrike" cap="none" normalizeH="0" baseline="0" dirty="0" smtClean="0">
+            <a:endParaRPr kumimoji="0" lang="en-US" sz="2000" i="0" u="none" strike="noStrike" cap="none" normalizeH="0" baseline="0" dirty="0">
               <a:ln>
                 <a:noFill/>
               </a:ln>
@@ -25619,7 +25108,7 @@
               <a:tabLst/>
             </a:pPr>
             <a:r>
-              <a:rPr kumimoji="0" lang="en-US" sz="2000" i="0" u="none" strike="noStrike" cap="none" normalizeH="0" baseline="0" dirty="0" smtClean="0">
+              <a:rPr kumimoji="0" lang="en-US" sz="2000" i="0" u="none" strike="noStrike" cap="none" normalizeH="0" baseline="0" dirty="0">
                 <a:ln>
                   <a:noFill/>
                 </a:ln>
@@ -25652,7 +25141,7 @@
               <a:tabLst/>
             </a:pPr>
             <a:r>
-              <a:rPr lang="en-US" sz="2000" dirty="0" smtClean="0">
+              <a:rPr lang="en-US" sz="2000" dirty="0">
                 <a:solidFill>
                   <a:srgbClr val="000000"/>
                 </a:solidFill>
@@ -25681,7 +25170,7 @@
               <a:tabLst/>
             </a:pPr>
             <a:r>
-              <a:rPr kumimoji="0" lang="en-US" sz="2000" i="0" u="none" strike="noStrike" cap="none" normalizeH="0" baseline="0" dirty="0" err="1" smtClean="0">
+              <a:rPr kumimoji="0" lang="en-US" sz="2000" i="0" u="none" strike="noStrike" cap="none" normalizeH="0" baseline="0" dirty="0" err="1">
                 <a:ln>
                   <a:noFill/>
                 </a:ln>
@@ -25695,7 +25184,7 @@
               </a:rPr>
               <a:t>AsObservsable</a:t>
             </a:r>
-            <a:endParaRPr kumimoji="0" lang="en-US" sz="2000" i="0" u="none" strike="noStrike" cap="none" normalizeH="0" baseline="0" dirty="0" smtClean="0">
+            <a:endParaRPr kumimoji="0" lang="en-US" sz="2000" i="0" u="none" strike="noStrike" cap="none" normalizeH="0" baseline="0" dirty="0">
               <a:ln>
                 <a:noFill/>
               </a:ln>
@@ -25726,7 +25215,7 @@
               <a:tabLst/>
             </a:pPr>
             <a:r>
-              <a:rPr lang="en-US" sz="2000" dirty="0" smtClean="0">
+              <a:rPr lang="en-US" sz="2000" dirty="0">
                 <a:solidFill>
                   <a:srgbClr val="000000"/>
                 </a:solidFill>
@@ -25736,7 +25225,7 @@
               </a:rPr>
               <a:t>Publish</a:t>
             </a:r>
-            <a:endParaRPr kumimoji="0" lang="en-US" sz="2000" i="0" u="none" strike="noStrike" cap="none" normalizeH="0" baseline="0" dirty="0" smtClean="0">
+            <a:endParaRPr kumimoji="0" lang="en-US" sz="2000" i="0" u="none" strike="noStrike" cap="none" normalizeH="0" baseline="0" dirty="0">
               <a:ln>
                 <a:noFill/>
               </a:ln>
@@ -25764,13 +25253,6 @@
   <p:transition>
     <p:fade/>
   </p:transition>
-  <p:timing>
-    <p:tnLst>
-      <p:par>
-        <p:cTn id="1" dur="indefinite" restart="never" nodeType="tmRoot"/>
-      </p:par>
-    </p:tnLst>
-  </p:timing>
 </p:sld>
 </file>
 
@@ -25807,10 +25289,9 @@
           <a:lstStyle/>
           <a:p>
             <a:r>
-              <a:rPr lang="en-US" dirty="0" smtClean="0"/>
+              <a:rPr lang="en-US" dirty="0"/>
               <a:t>Factory Generators</a:t>
             </a:r>
-            <a:endParaRPr lang="en-US" dirty="0"/>
           </a:p>
         </p:txBody>
       </p:sp>
@@ -25830,130 +25311,129 @@
           <a:lstStyle/>
           <a:p>
             <a:r>
-              <a:rPr lang="en-US" sz="2800" dirty="0" err="1" smtClean="0"/>
+              <a:rPr lang="en-US" sz="2800" dirty="0" err="1"/>
               <a:t>Rx.Observable.Range</a:t>
             </a:r>
             <a:r>
-              <a:rPr lang="en-US" sz="2800" dirty="0" smtClean="0"/>
+              <a:rPr lang="en-US" sz="2800" dirty="0"/>
               <a:t>(0,5);</a:t>
             </a:r>
           </a:p>
           <a:p>
             <a:r>
-              <a:rPr lang="en-US" sz="2800" dirty="0" err="1" smtClean="0"/>
+              <a:rPr lang="en-US" sz="2800" dirty="0" err="1"/>
               <a:t>Rx.Observable.Return</a:t>
             </a:r>
             <a:r>
-              <a:rPr lang="en-US" sz="2800" dirty="0" smtClean="0"/>
+              <a:rPr lang="en-US" sz="2800" dirty="0"/>
               <a:t>(“This is a single value”);</a:t>
             </a:r>
           </a:p>
           <a:p>
             <a:r>
-              <a:rPr lang="en-US" sz="2800" dirty="0" err="1" smtClean="0"/>
+              <a:rPr lang="en-US" sz="2800" dirty="0" err="1"/>
               <a:t>Rx.Observable.FromArray</a:t>
             </a:r>
             <a:r>
-              <a:rPr lang="en-US" sz="2800" dirty="0" smtClean="0"/>
+              <a:rPr lang="en-US" sz="2800" dirty="0"/>
               <a:t>([“a”, “b”, “c”]);</a:t>
             </a:r>
           </a:p>
           <a:p>
             <a:r>
-              <a:rPr lang="en-US" sz="2800" dirty="0" err="1" smtClean="0"/>
+              <a:rPr lang="en-US" sz="2800" dirty="0" err="1"/>
               <a:t>Rx.Observable.Timer</a:t>
             </a:r>
             <a:r>
-              <a:rPr lang="en-US" sz="2800" dirty="0" smtClean="0"/>
+              <a:rPr lang="en-US" sz="2800" dirty="0"/>
               <a:t>(1000,2000);</a:t>
             </a:r>
           </a:p>
           <a:p>
             <a:r>
-              <a:rPr lang="en-US" sz="2800" dirty="0" err="1" smtClean="0"/>
+              <a:rPr lang="en-US" sz="2800" dirty="0" err="1"/>
               <a:t>Rx.Observable.Create</a:t>
             </a:r>
             <a:r>
-              <a:rPr lang="en-US" sz="2800" dirty="0" smtClean="0"/>
+              <a:rPr lang="en-US" sz="2800" dirty="0"/>
               <a:t>(function(subscriber) { return  function() { </a:t>
             </a:r>
             <a:r>
-              <a:rPr lang="en-US" sz="2800" dirty="0" err="1" smtClean="0"/>
+              <a:rPr lang="en-US" sz="2800" dirty="0" err="1"/>
               <a:t>unsub</a:t>
             </a:r>
             <a:r>
-              <a:rPr lang="en-US" sz="2800" dirty="0" smtClean="0"/>
+              <a:rPr lang="en-US" sz="2800" dirty="0"/>
               <a:t>() }});</a:t>
             </a:r>
           </a:p>
           <a:p>
             <a:r>
-              <a:rPr lang="en-US" sz="2800" dirty="0" err="1" smtClean="0"/>
+              <a:rPr lang="en-US" sz="2800" dirty="0" err="1"/>
               <a:t>Rx.Observable.FromDOMEvent</a:t>
             </a:r>
             <a:r>
-              <a:rPr lang="en-US" sz="2800" dirty="0" smtClean="0"/>
+              <a:rPr lang="en-US" sz="2800" dirty="0"/>
               <a:t>(</a:t>
             </a:r>
             <a:r>
-              <a:rPr lang="en-US" sz="2800" dirty="0" err="1" smtClean="0"/>
+              <a:rPr lang="en-US" sz="2800" dirty="0" err="1"/>
               <a:t>Document.GetElementById</a:t>
             </a:r>
             <a:r>
-              <a:rPr lang="en-US" sz="2800" dirty="0" smtClean="0"/>
+              <a:rPr lang="en-US" sz="2800" dirty="0"/>
               <a:t>(“image”), “</a:t>
             </a:r>
             <a:r>
-              <a:rPr lang="en-US" sz="2800" dirty="0" err="1" smtClean="0"/>
+              <a:rPr lang="en-US" sz="2800" dirty="0" err="1"/>
               <a:t>mousemove</a:t>
             </a:r>
             <a:r>
-              <a:rPr lang="en-US" sz="2800" dirty="0" smtClean="0"/>
+              <a:rPr lang="en-US" sz="2800" dirty="0"/>
               <a:t>”);</a:t>
             </a:r>
           </a:p>
           <a:p>
             <a:r>
-              <a:rPr lang="en-US" sz="2800" dirty="0" err="1" smtClean="0"/>
+              <a:rPr lang="en-US" sz="2800" dirty="0" err="1"/>
               <a:t>Rx.Observable.FromJQuery</a:t>
             </a:r>
             <a:r>
-              <a:rPr lang="en-US" sz="2800" dirty="0" smtClean="0"/>
+              <a:rPr lang="en-US" sz="2800" dirty="0"/>
               <a:t>($(“div,, span”), “click”);</a:t>
             </a:r>
           </a:p>
           <a:p>
             <a:r>
-              <a:rPr lang="en-US" sz="2800" dirty="0" smtClean="0"/>
+              <a:rPr lang="en-US" sz="2800" dirty="0"/>
               <a:t>$(“div, span”).</a:t>
             </a:r>
             <a:r>
-              <a:rPr lang="en-US" sz="2800" dirty="0" err="1" smtClean="0"/>
+              <a:rPr lang="en-US" sz="2800" dirty="0" err="1"/>
               <a:t>ToObservable</a:t>
             </a:r>
             <a:r>
-              <a:rPr lang="en-US" sz="2800" dirty="0" smtClean="0"/>
+              <a:rPr lang="en-US" sz="2800" dirty="0"/>
               <a:t>(“click”);</a:t>
             </a:r>
           </a:p>
           <a:p>
             <a:r>
-              <a:rPr lang="en-US" sz="2800" dirty="0" err="1" smtClean="0"/>
+              <a:rPr lang="en-US" sz="2800" dirty="0" err="1"/>
               <a:t>Rx.Obsevable.XmlHttpRequest</a:t>
             </a:r>
             <a:r>
-              <a:rPr lang="en-US" sz="2800" dirty="0" smtClean="0"/>
+              <a:rPr lang="en-US" sz="2800" dirty="0"/>
               <a:t>(</a:t>
             </a:r>
             <a:r>
-              <a:rPr lang="en-US" sz="2800" dirty="0" err="1" smtClean="0"/>
+              <a:rPr lang="en-US" sz="2800" dirty="0" err="1"/>
               <a:t>url</a:t>
             </a:r>
             <a:r>
-              <a:rPr lang="en-US" sz="2800" dirty="0" smtClean="0"/>
+              <a:rPr lang="en-US" sz="2800" dirty="0"/>
               <a:t>);</a:t>
             </a:r>
-            <a:endParaRPr lang="en-US" sz="2800" dirty="0"/>
           </a:p>
           <a:p>
             <a:endParaRPr lang="en-US" dirty="0"/>
@@ -25973,13 +25453,6 @@
   <p:transition>
     <p:fade/>
   </p:transition>
-  <p:timing>
-    <p:tnLst>
-      <p:par>
-        <p:cTn id="1" dur="indefinite" restart="never" nodeType="tmRoot"/>
-      </p:par>
-    </p:tnLst>
-  </p:timing>
 </p:sld>
 </file>
 
@@ -26016,10 +25489,9 @@
           <a:lstStyle/>
           <a:p>
             <a:r>
-              <a:rPr lang="en-US" dirty="0" smtClean="0"/>
+              <a:rPr lang="en-US" dirty="0"/>
               <a:t>Demo</a:t>
             </a:r>
-            <a:endParaRPr lang="en-US" dirty="0"/>
           </a:p>
         </p:txBody>
       </p:sp>
@@ -26039,10 +25511,9 @@
           <a:lstStyle/>
           <a:p>
             <a:r>
-              <a:rPr lang="en-US" dirty="0" smtClean="0"/>
+              <a:rPr lang="en-US" dirty="0"/>
               <a:t>Generating Observables</a:t>
             </a:r>
-            <a:endParaRPr lang="en-US" dirty="0"/>
           </a:p>
         </p:txBody>
       </p:sp>
@@ -26059,13 +25530,6 @@
   <p:transition>
     <p:fade/>
   </p:transition>
-  <p:timing>
-    <p:tnLst>
-      <p:par>
-        <p:cTn id="1" dur="indefinite" restart="never" nodeType="tmRoot"/>
-      </p:par>
-    </p:tnLst>
-  </p:timing>
 </p:sld>
 </file>
 
@@ -26102,10 +25566,9 @@
           <a:lstStyle/>
           <a:p>
             <a:r>
-              <a:rPr lang="en-US" dirty="0" smtClean="0"/>
+              <a:rPr lang="en-US" dirty="0"/>
               <a:t>Combining streams</a:t>
             </a:r>
-            <a:endParaRPr lang="en-US" dirty="0"/>
           </a:p>
         </p:txBody>
       </p:sp>
@@ -26142,13 +25605,6 @@
     <a:masterClrMapping/>
   </p:clrMapOvr>
   <p:transition/>
-  <p:timing>
-    <p:tnLst>
-      <p:par>
-        <p:cTn id="1" dur="indefinite" restart="never" nodeType="tmRoot"/>
-      </p:par>
-    </p:tnLst>
-  </p:timing>
 </p:sld>
 </file>
 
@@ -26344,7 +25800,7 @@
           <a:lstStyle/>
           <a:p>
             <a:r>
-              <a:rPr lang="en-US" dirty="0" err="1" smtClean="0"/>
+              <a:rPr lang="en-US" dirty="0" err="1"/>
               <a:t>SelectMany</a:t>
             </a:r>
             <a:endParaRPr lang="en-US" dirty="0"/>
@@ -27528,10 +26984,9 @@
           <a:lstStyle/>
           <a:p>
             <a:r>
-              <a:rPr lang="en-US" sz="2400" dirty="0" smtClean="0"/>
+              <a:rPr lang="en-US" sz="2400" dirty="0"/>
               <a:t>Ox</a:t>
             </a:r>
-            <a:endParaRPr lang="en-US" sz="2400" dirty="0"/>
           </a:p>
         </p:txBody>
       </p:sp>
@@ -27558,12 +27013,8 @@
           <a:lstStyle/>
           <a:p>
             <a:r>
-              <a:rPr lang="en-US" sz="2400" dirty="0" err="1" smtClean="0"/>
-              <a:t>f</a:t>
-            </a:r>
-            <a:r>
               <a:rPr lang="en-US" sz="2400" dirty="0" err="1"/>
-              <a:t>x</a:t>
+              <a:t>fx</a:t>
             </a:r>
             <a:endParaRPr lang="en-US" sz="2400" dirty="0"/>
           </a:p>
@@ -27592,12 +27043,8 @@
           <a:lstStyle/>
           <a:p>
             <a:r>
-              <a:rPr lang="en-US" sz="2400" dirty="0" err="1" smtClean="0"/>
-              <a:t>f</a:t>
-            </a:r>
-            <a:r>
               <a:rPr lang="en-US" sz="2400" dirty="0" err="1"/>
-              <a:t>x</a:t>
+              <a:t>fx</a:t>
             </a:r>
             <a:endParaRPr lang="en-US" sz="2400" dirty="0"/>
           </a:p>
@@ -27626,12 +27073,8 @@
           <a:lstStyle/>
           <a:p>
             <a:r>
-              <a:rPr lang="en-US" sz="2400" dirty="0" err="1" smtClean="0"/>
-              <a:t>f</a:t>
-            </a:r>
-            <a:r>
               <a:rPr lang="en-US" sz="2400" dirty="0" err="1"/>
-              <a:t>x</a:t>
+              <a:t>fx</a:t>
             </a:r>
             <a:endParaRPr lang="en-US" sz="2400" dirty="0"/>
           </a:p>
@@ -27660,7 +27103,7 @@
           <a:lstStyle/>
           <a:p>
             <a:r>
-              <a:rPr lang="en-US" sz="2400" dirty="0" err="1" smtClean="0"/>
+              <a:rPr lang="en-US" sz="2400" dirty="0" err="1"/>
               <a:t>Oy</a:t>
             </a:r>
             <a:endParaRPr lang="en-US" sz="2400" dirty="0"/>
@@ -27690,7 +27133,7 @@
           <a:lstStyle/>
           <a:p>
             <a:r>
-              <a:rPr lang="en-US" sz="2400" dirty="0" err="1" smtClean="0"/>
+              <a:rPr lang="en-US" sz="2400" dirty="0" err="1"/>
               <a:t>Oy</a:t>
             </a:r>
             <a:endParaRPr lang="en-US" sz="2400" dirty="0"/>
@@ -27720,7 +27163,7 @@
           <a:lstStyle/>
           <a:p>
             <a:r>
-              <a:rPr lang="en-US" sz="2400" dirty="0" err="1" smtClean="0"/>
+              <a:rPr lang="en-US" sz="2400" dirty="0" err="1"/>
               <a:t>Oy</a:t>
             </a:r>
             <a:endParaRPr lang="en-US" sz="2400" dirty="0"/>
@@ -27750,7 +27193,7 @@
           <a:lstStyle/>
           <a:p>
             <a:r>
-              <a:rPr lang="en-US" sz="2400" dirty="0" err="1" smtClean="0"/>
+              <a:rPr lang="en-US" sz="2400" dirty="0" err="1"/>
               <a:t>Oy</a:t>
             </a:r>
             <a:endParaRPr lang="en-US" sz="2400" dirty="0"/>
@@ -27780,38 +27223,37 @@
           <a:lstStyle/>
           <a:p>
             <a:r>
-              <a:rPr lang="en-US" sz="2400" dirty="0" err="1" smtClean="0"/>
+              <a:rPr lang="en-US" sz="2400" dirty="0" err="1"/>
               <a:t>var</a:t>
             </a:r>
             <a:r>
-              <a:rPr lang="en-US" sz="2400" dirty="0" smtClean="0"/>
+              <a:rPr lang="en-US" sz="2400" dirty="0"/>
               <a:t> </a:t>
             </a:r>
             <a:r>
-              <a:rPr lang="en-US" sz="2400" dirty="0" err="1" smtClean="0"/>
+              <a:rPr lang="en-US" sz="2400" dirty="0" err="1"/>
               <a:t>ObservableY</a:t>
             </a:r>
             <a:r>
-              <a:rPr lang="en-US" sz="2400" dirty="0" smtClean="0"/>
+              <a:rPr lang="en-US" sz="2400" dirty="0"/>
               <a:t> = </a:t>
             </a:r>
             <a:r>
-              <a:rPr lang="en-US" sz="2400" dirty="0" err="1" smtClean="0"/>
+              <a:rPr lang="en-US" sz="2400" dirty="0" err="1"/>
               <a:t>ObservableX.SelectMany</a:t>
             </a:r>
             <a:r>
-              <a:rPr lang="en-US" sz="2400" dirty="0" smtClean="0"/>
+              <a:rPr lang="en-US" sz="2400" dirty="0"/>
               <a:t>(function(x) { </a:t>
             </a:r>
             <a:r>
-              <a:rPr lang="en-US" sz="2400" dirty="0" err="1" smtClean="0"/>
+              <a:rPr lang="en-US" sz="2400" dirty="0" err="1"/>
               <a:t>SomeGenerator</a:t>
             </a:r>
             <a:r>
-              <a:rPr lang="en-US" sz="2400" dirty="0" smtClean="0"/>
+              <a:rPr lang="en-US" sz="2400" dirty="0"/>
               <a:t>(x); });</a:t>
             </a:r>
-            <a:endParaRPr lang="en-US" sz="2400" dirty="0"/>
           </a:p>
         </p:txBody>
       </p:sp>
@@ -28126,7 +27568,7 @@
           <a:lstStyle/>
           <a:p>
             <a:r>
-              <a:rPr lang="en-US" dirty="0" err="1" smtClean="0"/>
+              <a:rPr lang="en-US" dirty="0" err="1"/>
               <a:t>TakeUntil</a:t>
             </a:r>
             <a:endParaRPr lang="en-US" dirty="0"/>
@@ -28892,7 +28334,7 @@
           <a:lstStyle/>
           <a:p>
             <a:r>
-              <a:rPr lang="en-US" sz="2400" dirty="0" err="1" smtClean="0"/>
+              <a:rPr lang="en-US" sz="2400" dirty="0" err="1"/>
               <a:t>oX</a:t>
             </a:r>
             <a:endParaRPr lang="en-US" sz="2400" dirty="0"/>
@@ -28922,7 +28364,7 @@
           <a:lstStyle/>
           <a:p>
             <a:r>
-              <a:rPr lang="en-US" sz="2400" dirty="0" err="1" smtClean="0"/>
+              <a:rPr lang="en-US" sz="2400" dirty="0" err="1"/>
               <a:t>oY</a:t>
             </a:r>
             <a:endParaRPr lang="en-US" sz="2400" dirty="0"/>
@@ -28952,7 +28394,7 @@
           <a:lstStyle/>
           <a:p>
             <a:r>
-              <a:rPr lang="en-US" sz="2400" dirty="0" err="1" smtClean="0"/>
+              <a:rPr lang="en-US" sz="2400" dirty="0" err="1"/>
               <a:t>oX</a:t>
             </a:r>
             <a:endParaRPr lang="en-US" sz="2400" dirty="0"/>
@@ -30509,10 +29951,9 @@
           <a:lstStyle/>
           <a:p>
             <a:r>
-              <a:rPr lang="en-US" dirty="0" smtClean="0"/>
+              <a:rPr lang="en-US" dirty="0"/>
               <a:t>Reactive Framework</a:t>
             </a:r>
-            <a:endParaRPr lang="en-US" dirty="0"/>
           </a:p>
         </p:txBody>
       </p:sp>
@@ -30543,24 +29984,15 @@
             </a:pPr>
             <a:r>
               <a:rPr lang="en-US" sz="6000" i="1" dirty="0"/>
-              <a:t>“</a:t>
-            </a:r>
-            <a:r>
-              <a:rPr lang="en-US" sz="6000" i="1" dirty="0" smtClean="0"/>
-              <a:t>Rx </a:t>
-            </a:r>
-            <a:r>
-              <a:rPr lang="en-US" sz="6000" i="1" dirty="0"/>
-              <a:t>is a library for </a:t>
-            </a:r>
-            <a:endParaRPr lang="en-US" sz="6000" i="1" dirty="0" smtClean="0"/>
+              <a:t>“Rx is a library for </a:t>
+            </a:r>
           </a:p>
           <a:p>
             <a:pPr marL="0" indent="0" algn="ctr">
               <a:buNone/>
             </a:pPr>
             <a:r>
-              <a:rPr lang="en-US" sz="6000" i="1" dirty="0" smtClean="0">
+              <a:rPr lang="en-US" sz="6000" i="1" dirty="0">
                 <a:solidFill>
                   <a:schemeClr val="accent2"/>
                 </a:solidFill>
@@ -30568,7 +30000,7 @@
               <a:t>composing</a:t>
             </a:r>
             <a:r>
-              <a:rPr lang="en-US" sz="6000" i="1" dirty="0" smtClean="0"/>
+              <a:rPr lang="en-US" sz="6000" i="1" dirty="0"/>
               <a:t> </a:t>
             </a:r>
             <a:r>
@@ -30581,11 +30013,7 @@
             </a:r>
             <a:r>
               <a:rPr lang="en-US" sz="6000" i="1" dirty="0"/>
-              <a:t> </a:t>
-            </a:r>
-            <a:r>
-              <a:rPr lang="en-US" sz="6000" i="1" dirty="0" smtClean="0"/>
-              <a:t>and</a:t>
+              <a:t> and</a:t>
             </a:r>
           </a:p>
           <a:p>
@@ -30593,7 +30021,7 @@
               <a:buNone/>
             </a:pPr>
             <a:r>
-              <a:rPr lang="en-US" sz="6000" i="1" dirty="0" smtClean="0"/>
+              <a:rPr lang="en-US" sz="6000" i="1" dirty="0"/>
               <a:t> </a:t>
             </a:r>
             <a:r>
@@ -30606,37 +30034,20 @@
             </a:r>
             <a:r>
               <a:rPr lang="en-US" sz="6000" i="1" dirty="0"/>
-              <a:t>-based </a:t>
-            </a:r>
-            <a:r>
-              <a:rPr lang="en-US" sz="6000" i="1" dirty="0" smtClean="0"/>
-              <a:t>operations </a:t>
-            </a:r>
-            <a:r>
-              <a:rPr lang="en-US" sz="6000" i="1" dirty="0"/>
-              <a:t>using </a:t>
-            </a:r>
-            <a:endParaRPr lang="en-US" sz="6000" i="1" dirty="0" smtClean="0"/>
+              <a:t>-based operations using </a:t>
+            </a:r>
           </a:p>
           <a:p>
             <a:pPr marL="0" indent="0" algn="ctr">
               <a:buNone/>
             </a:pPr>
-            <a:r>
-              <a:rPr lang="en-US" sz="6000" i="1" dirty="0" smtClean="0">
-                <a:solidFill>
-                  <a:schemeClr val="accent2"/>
-                </a:solidFill>
-              </a:rPr>
-              <a:t>observable </a:t>
-            </a:r>
             <a:r>
               <a:rPr lang="en-US" sz="6000" i="1" dirty="0">
                 <a:solidFill>
                   <a:schemeClr val="accent2"/>
                 </a:solidFill>
               </a:rPr>
-              <a:t>collections</a:t>
+              <a:t>observable collections</a:t>
             </a:r>
             <a:r>
               <a:rPr lang="en-US" sz="6000" i="1" dirty="0"/>
@@ -30658,13 +30069,6 @@
   <p:transition>
     <p:fade/>
   </p:transition>
-  <p:timing>
-    <p:tnLst>
-      <p:par>
-        <p:cTn id="1" dur="indefinite" restart="never" nodeType="tmRoot"/>
-      </p:par>
-    </p:tnLst>
-  </p:timing>
 </p:sld>
 </file>
 
@@ -30701,10 +30105,9 @@
           <a:lstStyle/>
           <a:p>
             <a:r>
-              <a:rPr lang="en-US" dirty="0" smtClean="0"/>
+              <a:rPr lang="en-US" dirty="0"/>
               <a:t>Rx Interfaces</a:t>
             </a:r>
-            <a:endParaRPr lang="en-US" dirty="0"/>
           </a:p>
         </p:txBody>
       </p:sp>
@@ -30785,13 +30188,6 @@
   <p:transition>
     <p:fade/>
   </p:transition>
-  <p:timing>
-    <p:tnLst>
-      <p:par>
-        <p:cTn id="1" dur="indefinite" restart="never" nodeType="tmRoot"/>
-      </p:par>
-    </p:tnLst>
-  </p:timing>
 </p:sld>
 </file>
 
@@ -30828,10 +30224,9 @@
           <a:lstStyle/>
           <a:p>
             <a:r>
-              <a:rPr lang="en-US" dirty="0" smtClean="0"/>
+              <a:rPr lang="en-US" dirty="0"/>
               <a:t>Observable Events</a:t>
             </a:r>
-            <a:endParaRPr lang="en-US" dirty="0"/>
           </a:p>
         </p:txBody>
       </p:sp>
@@ -30860,7 +30255,7 @@
               <a:buChar char="Ø"/>
             </a:pPr>
             <a:r>
-              <a:rPr lang="en-US" sz="4400" dirty="0" smtClean="0"/>
+              <a:rPr lang="en-US" sz="4400" dirty="0"/>
               <a:t>First Class Objects</a:t>
             </a:r>
           </a:p>
@@ -30870,7 +30265,7 @@
               <a:buChar char="Ø"/>
             </a:pPr>
             <a:r>
-              <a:rPr lang="en-US" sz="4400" dirty="0" smtClean="0"/>
+              <a:rPr lang="en-US" sz="4400" dirty="0"/>
               <a:t>Standardize event model</a:t>
             </a:r>
           </a:p>
@@ -30880,7 +30275,7 @@
               <a:buChar char="Ø"/>
             </a:pPr>
             <a:r>
-              <a:rPr lang="en-US" sz="4400" dirty="0" smtClean="0"/>
+              <a:rPr lang="en-US" sz="4400" dirty="0"/>
               <a:t>Disposable</a:t>
             </a:r>
           </a:p>
@@ -30890,7 +30285,7 @@
               <a:buChar char="Ø"/>
             </a:pPr>
             <a:r>
-              <a:rPr lang="en-US" sz="4400" dirty="0" smtClean="0"/>
+              <a:rPr lang="en-US" sz="4400" dirty="0"/>
               <a:t>Supports DI</a:t>
             </a:r>
           </a:p>
@@ -30900,7 +30295,7 @@
               <a:buChar char="Ø"/>
             </a:pPr>
             <a:r>
-              <a:rPr lang="en-US" sz="4400" dirty="0" err="1" smtClean="0"/>
+              <a:rPr lang="en-US" sz="4400" dirty="0" err="1"/>
               <a:t>Mockable</a:t>
             </a:r>
             <a:endParaRPr lang="en-US" sz="4400" dirty="0"/>
@@ -30920,13 +30315,6 @@
   <p:transition>
     <p:fade/>
   </p:transition>
-  <p:timing>
-    <p:tnLst>
-      <p:par>
-        <p:cTn id="1" dur="indefinite" restart="never" nodeType="tmRoot"/>
-      </p:par>
-    </p:tnLst>
-  </p:timing>
 </p:sld>
 </file>
 
@@ -30963,10 +30351,9 @@
           <a:lstStyle/>
           <a:p>
             <a:r>
-              <a:rPr lang="en-US" dirty="0" smtClean="0"/>
+              <a:rPr lang="en-US" dirty="0"/>
               <a:t>Composing with Events</a:t>
             </a:r>
-            <a:endParaRPr lang="en-US" dirty="0"/>
           </a:p>
         </p:txBody>
       </p:sp>
@@ -30988,7 +30375,7 @@
           <a:lstStyle/>
           <a:p>
             <a:r>
-              <a:rPr lang="en-US" smtClean="0"/>
+              <a:rPr lang="en-US"/>
               <a:t>demo </a:t>
             </a:r>
             <a:endParaRPr lang="en-US" dirty="0"/>
@@ -31008,13 +30395,6 @@
   <p:transition>
     <p:fade/>
   </p:transition>
-  <p:timing>
-    <p:tnLst>
-      <p:par>
-        <p:cTn id="1" dur="indefinite" restart="never" nodeType="tmRoot"/>
-      </p:par>
-    </p:tnLst>
-  </p:timing>
 </p:sld>
 </file>
 
@@ -31051,10 +30431,9 @@
           <a:lstStyle/>
           <a:p>
             <a:r>
-              <a:rPr lang="en-US" dirty="0" smtClean="0"/>
+              <a:rPr lang="en-US" dirty="0"/>
               <a:t>Asynchronous Service Requests</a:t>
             </a:r>
-            <a:endParaRPr lang="en-US" dirty="0"/>
           </a:p>
         </p:txBody>
       </p:sp>
@@ -31108,7 +30487,7 @@
               </a:spcAft>
             </a:pPr>
             <a:r>
-              <a:rPr lang="en-US" sz="2200" dirty="0" err="1" smtClean="0">
+              <a:rPr lang="en-US" sz="2200" dirty="0" err="1">
                 <a:gradFill>
                   <a:gsLst>
                     <a:gs pos="0">
@@ -31123,7 +30502,7 @@
               </a:rPr>
               <a:t>BingTranslator</a:t>
             </a:r>
-            <a:endParaRPr lang="en-US" sz="2200" dirty="0" smtClean="0">
+            <a:endParaRPr lang="en-US" sz="2200" dirty="0">
               <a:gradFill>
                 <a:gsLst>
                   <a:gs pos="0">
@@ -31189,7 +30568,7 @@
               </a:spcAft>
             </a:pPr>
             <a:r>
-              <a:rPr lang="en-US" sz="2200" dirty="0" smtClean="0">
+              <a:rPr lang="en-US" sz="2200" dirty="0">
                 <a:gradFill>
                   <a:gsLst>
                     <a:gs pos="0">
@@ -31263,7 +30642,7 @@
               </a:spcAft>
             </a:pPr>
             <a:r>
-              <a:rPr lang="en-US" sz="2200" dirty="0" err="1" smtClean="0">
+              <a:rPr lang="en-US" sz="2200" dirty="0" err="1">
                 <a:gradFill>
                   <a:gsLst>
                     <a:gs pos="0">
@@ -31278,7 +30657,7 @@
               </a:rPr>
               <a:t>ObservableX</a:t>
             </a:r>
-            <a:endParaRPr lang="en-US" sz="2200" dirty="0" smtClean="0">
+            <a:endParaRPr lang="en-US" sz="2200" dirty="0">
               <a:gradFill>
                 <a:gsLst>
                   <a:gs pos="0">
@@ -31350,7 +30729,7 @@
               </a:spcAft>
             </a:pPr>
             <a:r>
-              <a:rPr lang="en-US" sz="2200" dirty="0" smtClean="0">
+              <a:rPr lang="en-US" sz="2200" dirty="0">
                 <a:gradFill>
                   <a:gsLst>
                     <a:gs pos="0">
@@ -31424,7 +30803,7 @@
               </a:spcAft>
             </a:pPr>
             <a:r>
-              <a:rPr lang="en-US" sz="2200" dirty="0" err="1" smtClean="0">
+              <a:rPr lang="en-US" sz="2200" dirty="0" err="1">
                 <a:gradFill>
                   <a:gsLst>
                     <a:gs pos="0">
@@ -31439,7 +30818,7 @@
               </a:rPr>
               <a:t>TakeUntil</a:t>
             </a:r>
-            <a:endParaRPr lang="en-US" sz="2200" dirty="0" smtClean="0">
+            <a:endParaRPr lang="en-US" sz="2200" dirty="0">
               <a:gradFill>
                 <a:gsLst>
                   <a:gs pos="0">
@@ -31793,10 +31172,9 @@
           <a:lstStyle/>
           <a:p>
             <a:r>
-              <a:rPr lang="en-US" dirty="0" smtClean="0"/>
+              <a:rPr lang="en-US" dirty="0"/>
               <a:t>Asynchronous Services</a:t>
             </a:r>
-            <a:endParaRPr lang="en-US" dirty="0"/>
           </a:p>
         </p:txBody>
       </p:sp>
@@ -31818,7 +31196,7 @@
           <a:lstStyle/>
           <a:p>
             <a:r>
-              <a:rPr lang="en-US" smtClean="0"/>
+              <a:rPr lang="en-US"/>
               <a:t>demo </a:t>
             </a:r>
             <a:endParaRPr lang="en-US" dirty="0"/>
@@ -31838,13 +31216,6 @@
   <p:transition>
     <p:fade/>
   </p:transition>
-  <p:timing>
-    <p:tnLst>
-      <p:par>
-        <p:cTn id="1" dur="indefinite" restart="never" nodeType="tmRoot"/>
-      </p:par>
-    </p:tnLst>
-  </p:timing>
 </p:sld>
 </file>
 
@@ -31881,18 +31252,17 @@
           <a:lstStyle/>
           <a:p>
             <a:r>
-              <a:rPr lang="en-US" dirty="0" smtClean="0"/>
+              <a:rPr lang="en-US" dirty="0"/>
               <a:t>Why </a:t>
             </a:r>
             <a:r>
-              <a:rPr lang="en-US" dirty="0" err="1" smtClean="0"/>
+              <a:rPr lang="en-US" dirty="0" err="1"/>
               <a:t>RxJs</a:t>
             </a:r>
             <a:r>
-              <a:rPr lang="en-US" dirty="0" smtClean="0"/>
+              <a:rPr lang="en-US" dirty="0"/>
               <a:t>?</a:t>
             </a:r>
-            <a:endParaRPr lang="en-US" dirty="0"/>
           </a:p>
         </p:txBody>
       </p:sp>
@@ -31916,7 +31286,7 @@
               <a:buChar char="Ø"/>
             </a:pPr>
             <a:r>
-              <a:rPr lang="en-US" sz="4800" dirty="0" smtClean="0"/>
+              <a:rPr lang="en-US" sz="4800" dirty="0"/>
               <a:t>Reuse LINQ knowledge</a:t>
             </a:r>
           </a:p>
@@ -31926,7 +31296,7 @@
               <a:buChar char="Ø"/>
             </a:pPr>
             <a:r>
-              <a:rPr lang="en-US" sz="4800" dirty="0" smtClean="0"/>
+              <a:rPr lang="en-US" sz="4800" dirty="0"/>
               <a:t>Coordination of events/streams</a:t>
             </a:r>
           </a:p>
@@ -31936,7 +31306,7 @@
               <a:buChar char="Ø"/>
             </a:pPr>
             <a:r>
-              <a:rPr lang="en-US" sz="4800" dirty="0" smtClean="0"/>
+              <a:rPr lang="en-US" sz="4800" dirty="0"/>
               <a:t>Standardized events</a:t>
             </a:r>
           </a:p>
@@ -31946,7 +31316,7 @@
               <a:buChar char="Ø"/>
             </a:pPr>
             <a:r>
-              <a:rPr lang="en-US" sz="4800" dirty="0" smtClean="0"/>
+              <a:rPr lang="en-US" sz="4800" dirty="0"/>
               <a:t>State machine management</a:t>
             </a:r>
           </a:p>
@@ -31956,16 +31326,12 @@
               <a:buChar char="Ø"/>
             </a:pPr>
             <a:r>
-              <a:rPr lang="en-US" sz="4800" dirty="0" err="1" smtClean="0"/>
+              <a:rPr lang="en-US" sz="4800" dirty="0" err="1"/>
               <a:t>Async</a:t>
             </a:r>
             <a:r>
-              <a:rPr lang="en-US" sz="4800" dirty="0" smtClean="0"/>
-              <a:t> time related </a:t>
-            </a:r>
-            <a:r>
-              <a:rPr lang="en-US" sz="4800" dirty="0" smtClean="0"/>
-              <a:t>operations</a:t>
+              <a:rPr lang="en-US" sz="4800" dirty="0"/>
+              <a:t> time related operations</a:t>
             </a:r>
           </a:p>
           <a:p>
@@ -31974,8 +31340,8 @@
               <a:buChar char="Ø"/>
             </a:pPr>
             <a:r>
-              <a:rPr lang="en-US" sz="4800" dirty="0" smtClean="0"/>
-              <a:t>Gesture Detection</a:t>
+              <a:rPr lang="en-US" sz="4800" dirty="0"/>
+              <a:t>Promise cancellation</a:t>
             </a:r>
           </a:p>
           <a:p>
@@ -31984,10 +31350,9 @@
               <a:buChar char="Ø"/>
             </a:pPr>
             <a:r>
-              <a:rPr lang="en-US" sz="4800" dirty="0" smtClean="0"/>
-              <a:t>Web Sockets?</a:t>
-            </a:r>
-            <a:endParaRPr lang="en-US" sz="4800" dirty="0" smtClean="0"/>
+              <a:rPr lang="en-US" sz="4800" dirty="0"/>
+              <a:t>Gesture Detection</a:t>
+            </a:r>
           </a:p>
           <a:p>
             <a:pPr marL="685800" indent="-685800">
@@ -31995,10 +31360,19 @@
               <a:buChar char="Ø"/>
             </a:pPr>
             <a:r>
-              <a:rPr lang="en-US" sz="4800" dirty="0" smtClean="0"/>
+              <a:rPr lang="en-US" sz="4800" dirty="0"/>
+              <a:t>Web Sockets?</a:t>
+            </a:r>
+          </a:p>
+          <a:p>
+            <a:pPr marL="685800" indent="-685800">
+              <a:buFont typeface="Wingdings" pitchFamily="2" charset="2"/>
+              <a:buChar char="Ø"/>
+            </a:pPr>
+            <a:r>
+              <a:rPr lang="en-US" sz="4800" dirty="0"/>
               <a:t>???</a:t>
             </a:r>
-            <a:endParaRPr lang="en-US" sz="4800" dirty="0"/>
           </a:p>
         </p:txBody>
       </p:sp>
@@ -32845,6 +32219,109 @@
                       </p:childTnLst>
                     </p:cTn>
                   </p:par>
+                  <p:par>
+                    <p:cTn id="51" fill="hold">
+                      <p:stCondLst>
+                        <p:cond delay="indefinite"/>
+                      </p:stCondLst>
+                      <p:childTnLst>
+                        <p:par>
+                          <p:cTn id="52" fill="hold">
+                            <p:stCondLst>
+                              <p:cond delay="0"/>
+                            </p:stCondLst>
+                            <p:childTnLst>
+                              <p:par>
+                                <p:cTn id="53" presetID="2" presetClass="entr" presetSubtype="4" fill="hold" nodeType="clickEffect">
+                                  <p:stCondLst>
+                                    <p:cond delay="0"/>
+                                  </p:stCondLst>
+                                  <p:childTnLst>
+                                    <p:set>
+                                      <p:cBhvr>
+                                        <p:cTn id="54" dur="1" fill="hold">
+                                          <p:stCondLst>
+                                            <p:cond delay="0"/>
+                                          </p:stCondLst>
+                                        </p:cTn>
+                                        <p:tgtEl>
+                                          <p:spTgt spid="5">
+                                            <p:txEl>
+                                              <p:pRg st="8" end="8"/>
+                                            </p:txEl>
+                                          </p:spTgt>
+                                        </p:tgtEl>
+                                        <p:attrNameLst>
+                                          <p:attrName>style.visibility</p:attrName>
+                                        </p:attrNameLst>
+                                      </p:cBhvr>
+                                      <p:to>
+                                        <p:strVal val="visible"/>
+                                      </p:to>
+                                    </p:set>
+                                    <p:anim calcmode="lin" valueType="num">
+                                      <p:cBhvr additive="base">
+                                        <p:cTn id="55" dur="500" fill="hold"/>
+                                        <p:tgtEl>
+                                          <p:spTgt spid="5">
+                                            <p:txEl>
+                                              <p:pRg st="8" end="8"/>
+                                            </p:txEl>
+                                          </p:spTgt>
+                                        </p:tgtEl>
+                                        <p:attrNameLst>
+                                          <p:attrName>ppt_x</p:attrName>
+                                        </p:attrNameLst>
+                                      </p:cBhvr>
+                                      <p:tavLst>
+                                        <p:tav tm="0">
+                                          <p:val>
+                                            <p:strVal val="#ppt_x"/>
+                                          </p:val>
+                                        </p:tav>
+                                        <p:tav tm="100000">
+                                          <p:val>
+                                            <p:strVal val="#ppt_x"/>
+                                          </p:val>
+                                        </p:tav>
+                                      </p:tavLst>
+                                    </p:anim>
+                                    <p:anim calcmode="lin" valueType="num">
+                                      <p:cBhvr additive="base">
+                                        <p:cTn id="56" dur="500" fill="hold"/>
+                                        <p:tgtEl>
+                                          <p:spTgt spid="5">
+                                            <p:txEl>
+                                              <p:pRg st="8" end="8"/>
+                                            </p:txEl>
+                                          </p:spTgt>
+                                        </p:tgtEl>
+                                        <p:attrNameLst>
+                                          <p:attrName>ppt_y</p:attrName>
+                                        </p:attrNameLst>
+                                      </p:cBhvr>
+                                      <p:tavLst>
+                                        <p:tav tm="0">
+                                          <p:val>
+                                            <p:strVal val="1+#ppt_h/2"/>
+                                          </p:val>
+                                        </p:tav>
+                                        <p:tav tm="100000">
+                                          <p:val>
+                                            <p:strVal val="#ppt_y"/>
+                                          </p:val>
+                                        </p:tav>
+                                      </p:tavLst>
+                                    </p:anim>
+                                  </p:childTnLst>
+                                </p:cTn>
+                              </p:par>
+                            </p:childTnLst>
+                          </p:cTn>
+                        </p:par>
+                      </p:childTnLst>
+                    </p:cTn>
+                  </p:par>
                 </p:childTnLst>
               </p:cTn>
               <p:prevCondLst>
@@ -32871,7 +32348,7 @@
 </file>
 
 <file path=ppt/slides/slide26.xml><?xml version="1.0" encoding="utf-8"?>
-<p:sld xmlns:a="http://schemas.openxmlformats.org/drawingml/2006/main" xmlns:r="http://schemas.openxmlformats.org/officeDocument/2006/relationships" xmlns:p="http://schemas.openxmlformats.org/presentationml/2006/main">
+<p:sld xmlns:a="http://schemas.openxmlformats.org/drawingml/2006/main" xmlns:r="http://schemas.openxmlformats.org/officeDocument/2006/relationships" xmlns:p="http://schemas.openxmlformats.org/presentationml/2006/main" show="0">
   <p:cSld>
     <p:spTree>
       <p:nvGrpSpPr>
@@ -32910,10 +32387,9 @@
           <a:lstStyle/>
           <a:p>
             <a:r>
-              <a:rPr lang="en-US" dirty="0" smtClean="0"/>
+              <a:rPr lang="en-US" dirty="0"/>
               <a:t>Further Information</a:t>
             </a:r>
-            <a:endParaRPr lang="en-US" dirty="0"/>
           </a:p>
         </p:txBody>
       </p:sp>
@@ -32938,90 +32414,80 @@
           <a:lstStyle/>
           <a:p>
             <a:r>
-              <a:rPr lang="en-US" sz="4000" dirty="0" smtClean="0"/>
+              <a:rPr lang="en-US" sz="4000" dirty="0"/>
               <a:t>Rx Data Developer Center: </a:t>
             </a:r>
             <a:br>
-              <a:rPr lang="en-US" sz="4000" dirty="0" smtClean="0"/>
+              <a:rPr lang="en-US" sz="4000" dirty="0"/>
             </a:br>
             <a:r>
               <a:rPr lang="en-US" sz="2400" dirty="0">
                 <a:hlinkClick r:id="rId2"/>
               </a:rPr>
-              <a:t>http://</a:t>
-            </a:r>
-            <a:r>
-              <a:rPr lang="en-US" sz="2400" dirty="0" smtClean="0">
-                <a:hlinkClick r:id="rId2"/>
-              </a:rPr>
-              <a:t>msdn.microsoft.com/data/gg577609</a:t>
-            </a:r>
-            <a:r>
-              <a:rPr lang="en-US" sz="2400" dirty="0" smtClean="0"/>
+              <a:t>http://msdn.microsoft.com/data/gg577609</a:t>
+            </a:r>
+            <a:r>
+              <a:rPr lang="en-US" sz="2400" dirty="0"/>
               <a:t> </a:t>
             </a:r>
             <a:br>
-              <a:rPr lang="en-US" sz="2400" dirty="0" smtClean="0"/>
+              <a:rPr lang="en-US" sz="2400" dirty="0"/>
             </a:br>
-            <a:endParaRPr lang="en-US" sz="2400" dirty="0" smtClean="0"/>
-          </a:p>
-          <a:p>
-            <a:r>
-              <a:rPr lang="en-US" sz="4000" dirty="0" smtClean="0"/>
+            <a:endParaRPr lang="en-US" sz="2400" dirty="0"/>
+          </a:p>
+          <a:p>
+            <a:r>
+              <a:rPr lang="en-US" sz="4000" dirty="0"/>
               <a:t>Reactive Extensions Team Blog: </a:t>
             </a:r>
             <a:br>
-              <a:rPr lang="en-US" sz="4000" dirty="0" smtClean="0"/>
+              <a:rPr lang="en-US" sz="4000" dirty="0"/>
             </a:br>
             <a:r>
-              <a:rPr lang="en-US" sz="2400" dirty="0" smtClean="0">
+              <a:rPr lang="en-US" sz="2400" dirty="0">
                 <a:hlinkClick r:id="rId3"/>
               </a:rPr>
               <a:t>http://blogs.msdn.com/rxteam</a:t>
             </a:r>
-            <a:r>
-              <a:rPr lang="en-US" sz="2400" dirty="0" smtClean="0"/>
-              <a:t/>
-            </a:r>
             <a:br>
-              <a:rPr lang="en-US" sz="2400" dirty="0" smtClean="0"/>
+              <a:rPr lang="en-US" sz="2400" dirty="0"/>
             </a:br>
-            <a:endParaRPr lang="en-US" sz="2400" dirty="0" smtClean="0"/>
-          </a:p>
-          <a:p>
-            <a:r>
-              <a:rPr lang="en-US" sz="4000" dirty="0" smtClean="0"/>
+            <a:endParaRPr lang="en-US" sz="2400" dirty="0"/>
+          </a:p>
+          <a:p>
+            <a:r>
+              <a:rPr lang="en-US" sz="4000" dirty="0"/>
               <a:t>Channel9: </a:t>
             </a:r>
             <a:br>
-              <a:rPr lang="en-US" sz="4000" dirty="0" smtClean="0"/>
+              <a:rPr lang="en-US" sz="4000" dirty="0"/>
             </a:br>
             <a:r>
-              <a:rPr lang="en-US" sz="2400" dirty="0" smtClean="0">
+              <a:rPr lang="en-US" sz="2400" dirty="0">
                 <a:hlinkClick r:id="rId4"/>
               </a:rPr>
               <a:t>http://channel9.msdn.com/Tags/Rx</a:t>
             </a:r>
             <a:r>
-              <a:rPr lang="en-US" sz="2400" dirty="0" smtClean="0"/>
+              <a:rPr lang="en-US" sz="2400" dirty="0"/>
               <a:t> </a:t>
             </a:r>
             <a:br>
-              <a:rPr lang="en-US" sz="2400" dirty="0" smtClean="0"/>
+              <a:rPr lang="en-US" sz="2400" dirty="0"/>
             </a:br>
-            <a:endParaRPr lang="en-US" sz="2400" dirty="0" smtClean="0"/>
-          </a:p>
-          <a:p>
-            <a:r>
-              <a:rPr lang="en-US" sz="4000" dirty="0" smtClean="0"/>
+            <a:endParaRPr lang="en-US" sz="2400" dirty="0"/>
+          </a:p>
+          <a:p>
+            <a:r>
+              <a:rPr lang="en-US" sz="4000" dirty="0"/>
               <a:t>Matt </a:t>
             </a:r>
             <a:r>
-              <a:rPr lang="en-US" sz="4000" dirty="0" err="1" smtClean="0"/>
+              <a:rPr lang="en-US" sz="4000" dirty="0" err="1"/>
               <a:t>Podwysocki’s</a:t>
             </a:r>
             <a:r>
-              <a:rPr lang="en-US" sz="4000" dirty="0" smtClean="0"/>
+              <a:rPr lang="en-US" sz="4000" dirty="0"/>
               <a:t> Blog:</a:t>
             </a:r>
           </a:p>
@@ -33029,32 +32495,20 @@
             <a:r>
               <a:rPr lang="en-US" sz="4000" dirty="0"/>
               <a:t>	</a:t>
-            </a:r>
-            <a:r>
-              <a:rPr lang="en-US" sz="2400" dirty="0" smtClean="0">
-                <a:hlinkClick r:id="rId5"/>
-              </a:rPr>
-              <a:t>http</a:t>
             </a:r>
             <a:r>
               <a:rPr lang="en-US" sz="2400" dirty="0">
                 <a:hlinkClick r:id="rId5"/>
               </a:rPr>
-              <a:t>://</a:t>
-            </a:r>
-            <a:r>
-              <a:rPr lang="en-US" sz="2400" dirty="0" smtClean="0">
-                <a:hlinkClick r:id="rId5"/>
-              </a:rPr>
-              <a:t>weblogs.asp.net/podwysocki/archive/tags/Reactive+Framework/default.aspx</a:t>
-            </a:r>
-            <a:r>
-              <a:rPr lang="en-US" sz="2400" dirty="0" smtClean="0"/>
+              <a:t>http://weblogs.asp.net/podwysocki/archive/tags/Reactive+Framework/default.aspx</a:t>
+            </a:r>
+            <a:r>
+              <a:rPr lang="en-US" sz="2400" dirty="0"/>
               <a:t> </a:t>
             </a:r>
           </a:p>
           <a:p>
-            <a:endParaRPr lang="en-US" dirty="0" smtClean="0"/>
+            <a:endParaRPr lang="en-US" dirty="0"/>
           </a:p>
         </p:txBody>
       </p:sp>
@@ -33071,13 +32525,6 @@
   <p:transition>
     <p:fade/>
   </p:transition>
-  <p:timing>
-    <p:tnLst>
-      <p:par>
-        <p:cTn id="1" dur="indefinite" restart="never" nodeType="tmRoot"/>
-      </p:par>
-    </p:tnLst>
-  </p:timing>
 </p:sld>
 </file>
 
@@ -33121,10 +32568,9 @@
           <a:lstStyle/>
           <a:p>
             <a:r>
-              <a:rPr lang="en-US" dirty="0" smtClean="0"/>
+              <a:rPr lang="en-US" dirty="0"/>
               <a:t>Call to Action</a:t>
             </a:r>
-            <a:endParaRPr lang="en-US" dirty="0"/>
           </a:p>
         </p:txBody>
       </p:sp>
@@ -33152,113 +32598,25 @@
               <a:buNone/>
             </a:pPr>
             <a:r>
-              <a:rPr lang="en-US" sz="3200" dirty="0" smtClean="0">
+              <a:rPr lang="en-US" sz="3200" dirty="0">
                 <a:solidFill>
                   <a:schemeClr val="accent2"/>
                 </a:solidFill>
               </a:rPr>
               <a:t>Get the bits</a:t>
             </a:r>
-            <a:endParaRPr lang="en-US" sz="3200" dirty="0" smtClean="0"/>
-          </a:p>
-          <a:p>
-            <a:pPr marL="457200" indent="-457200">
-              <a:buFont typeface="Arial" pitchFamily="34" charset="0"/>
-              <a:buChar char="•"/>
-            </a:pPr>
-            <a:r>
-              <a:rPr lang="en-US" sz="3200" dirty="0" smtClean="0"/>
-              <a:t>Shipped in Windows Phone 7 ROM</a:t>
-            </a:r>
-          </a:p>
-          <a:p>
-            <a:pPr marL="457200" indent="-457200">
-              <a:buFont typeface="Arial" pitchFamily="34" charset="0"/>
-              <a:buChar char="•"/>
-            </a:pPr>
-            <a:r>
-              <a:rPr lang="en-US" sz="3200" dirty="0" smtClean="0"/>
-              <a:t>Install with </a:t>
-            </a:r>
-            <a:r>
-              <a:rPr lang="en-US" sz="3200" dirty="0" err="1" smtClean="0"/>
-              <a:t>NuGet</a:t>
-            </a:r>
-            <a:endParaRPr lang="en-US" sz="3200" dirty="0" smtClean="0"/>
-          </a:p>
-          <a:p>
-            <a:pPr marL="457200" indent="-457200">
-              <a:buFont typeface="Arial" pitchFamily="34" charset="0"/>
-              <a:buChar char="•"/>
-            </a:pPr>
+            <a:endParaRPr lang="en-US" sz="3200" dirty="0"/>
+          </a:p>
+          <a:p>
+            <a:pPr marL="0" indent="0"/>
+            <a:endParaRPr lang="en-US" sz="3200" dirty="0"/>
+          </a:p>
+          <a:p>
+            <a:pPr marL="0" indent="0"/>
             <a:r>
               <a:rPr lang="en-US" sz="3200" dirty="0"/>
-              <a:t>Download at MSDN Data Developer </a:t>
-            </a:r>
-            <a:r>
-              <a:rPr lang="en-US" sz="3200" dirty="0" smtClean="0"/>
-              <a:t>Center</a:t>
-            </a:r>
-          </a:p>
-          <a:p>
-            <a:pPr marL="0" indent="0">
-              <a:buNone/>
-            </a:pPr>
-            <a:endParaRPr lang="en-US" sz="3200" dirty="0" smtClean="0">
-              <a:solidFill>
-                <a:schemeClr val="accent2"/>
-              </a:solidFill>
-            </a:endParaRPr>
-          </a:p>
-          <a:p>
-            <a:pPr marL="0" indent="0">
-              <a:buNone/>
-            </a:pPr>
-            <a:r>
-              <a:rPr lang="en-US" sz="3200" dirty="0" smtClean="0">
-                <a:solidFill>
-                  <a:schemeClr val="accent2"/>
-                </a:solidFill>
-              </a:rPr>
-              <a:t>Join the Community </a:t>
-            </a:r>
-            <a:r>
-              <a:rPr lang="en-US" sz="3200" dirty="0">
-                <a:solidFill>
-                  <a:schemeClr val="tx1"/>
-                </a:solidFill>
-              </a:rPr>
-              <a:t>(MSDN </a:t>
-            </a:r>
-            <a:r>
-              <a:rPr lang="en-US" sz="3200" dirty="0" smtClean="0">
-                <a:solidFill>
-                  <a:schemeClr val="tx1"/>
-                </a:solidFill>
-              </a:rPr>
-              <a:t>forums)</a:t>
-            </a:r>
-          </a:p>
-          <a:p>
-            <a:r>
-              <a:rPr lang="en-US" sz="3200" dirty="0" smtClean="0">
-                <a:hlinkClick r:id="rId2"/>
-              </a:rPr>
-              <a:t>http</a:t>
-            </a:r>
-            <a:r>
-              <a:rPr lang="en-US" sz="3200" dirty="0">
-                <a:hlinkClick r:id="rId2"/>
-              </a:rPr>
-              <a:t>://social.msdn.microsoft.com/Forums/en-US/rx</a:t>
-            </a:r>
-            <a:endParaRPr lang="en-US" sz="3200" dirty="0"/>
-          </a:p>
-          <a:p>
-            <a:pPr marL="0" indent="0">
-              <a:buNone/>
-            </a:pPr>
-            <a:endParaRPr lang="en-US" sz="3200" dirty="0"/>
+              <a:t>http://www.learnrxjs.io/</a:t>
+            </a:r>
           </a:p>
         </p:txBody>
       </p:sp>
@@ -33275,13 +32633,6 @@
   <p:transition>
     <p:fade/>
   </p:transition>
-  <p:timing>
-    <p:tnLst>
-      <p:par>
-        <p:cTn id="1" dur="indefinite" restart="never" nodeType="tmRoot"/>
-      </p:par>
-    </p:tnLst>
-  </p:timing>
 </p:sld>
 </file>
 
@@ -33323,7 +32674,7 @@
           <a:lstStyle/>
           <a:p>
             <a:r>
-              <a:rPr lang="en-US" dirty="0" smtClean="0">
+              <a:rPr lang="en-US" dirty="0">
                 <a:solidFill>
                   <a:schemeClr val="tx1"/>
                 </a:solidFill>
@@ -33331,14 +32682,14 @@
               <a:t>Jim Wooley</a:t>
             </a:r>
             <a:br>
-              <a:rPr lang="en-US" dirty="0" smtClean="0">
+              <a:rPr lang="en-US" dirty="0">
                 <a:solidFill>
                   <a:schemeClr val="tx1"/>
                 </a:solidFill>
               </a:rPr>
             </a:br>
             <a:r>
-              <a:rPr lang="en-US" dirty="0" smtClean="0">
+              <a:rPr lang="en-US" dirty="0">
                 <a:solidFill>
                   <a:schemeClr val="tx1"/>
                 </a:solidFill>
@@ -33346,31 +32697,26 @@
               <a:t>@</a:t>
             </a:r>
             <a:r>
-              <a:rPr lang="en-US" dirty="0" err="1" smtClean="0">
+              <a:rPr lang="en-US" dirty="0" err="1">
                 <a:solidFill>
                   <a:schemeClr val="tx1"/>
                 </a:solidFill>
               </a:rPr>
               <a:t>jimwooley</a:t>
             </a:r>
-            <a:r>
-              <a:rPr lang="en-US" dirty="0" smtClean="0"/>
-              <a:t/>
-            </a:r>
             <a:br>
-              <a:rPr lang="en-US" dirty="0" smtClean="0"/>
+              <a:rPr lang="en-US" dirty="0"/>
             </a:br>
             <a:r>
-              <a:rPr lang="en-US" dirty="0" smtClean="0">
+              <a:rPr lang="en-US" dirty="0">
                 <a:hlinkClick r:id="rId3"/>
               </a:rPr>
               <a:t>http://www.ThinqLinq.com</a:t>
             </a:r>
             <a:r>
-              <a:rPr lang="en-US" dirty="0" smtClean="0"/>
+              <a:rPr lang="en-US" dirty="0"/>
               <a:t> </a:t>
             </a:r>
-            <a:endParaRPr lang="en-US" dirty="0"/>
           </a:p>
         </p:txBody>
       </p:sp>
@@ -33397,7 +32743,7 @@
           <a:lstStyle/>
           <a:p>
             <a:r>
-              <a:rPr dirty="0" smtClean="0"/>
+              <a:rPr dirty="0"/>
               <a:t>questions</a:t>
             </a:r>
             <a:endParaRPr lang="en-US" dirty="0"/>
@@ -33499,13 +32845,6 @@
   <p:transition>
     <p:fade/>
   </p:transition>
-  <p:timing>
-    <p:tnLst>
-      <p:par>
-        <p:cTn id="1" dur="indefinite" restart="never" nodeType="tmRoot"/>
-      </p:par>
-    </p:tnLst>
-  </p:timing>
 </p:sld>
 </file>
 
@@ -33542,7 +32881,7 @@
           <a:lstStyle/>
           <a:p>
             <a:r>
-              <a:rPr dirty="0" smtClean="0"/>
+              <a:rPr dirty="0"/>
               <a:t>Fill out your Surveys</a:t>
             </a:r>
             <a:endParaRPr lang="en-US" dirty="0"/>
@@ -33567,7 +32906,7 @@
           <a:lstStyle/>
           <a:p>
             <a:r>
-              <a:rPr dirty="0" smtClean="0"/>
+              <a:rPr dirty="0"/>
               <a:t>reminder</a:t>
             </a:r>
             <a:endParaRPr lang="en-US" dirty="0"/>
@@ -33587,13 +32926,6 @@
   <p:transition>
     <p:fade/>
   </p:transition>
-  <p:timing>
-    <p:tnLst>
-      <p:par>
-        <p:cTn id="1" dur="indefinite" restart="never" nodeType="tmRoot"/>
-      </p:par>
-    </p:tnLst>
-  </p:timing>
 </p:sld>
 </file>
 
@@ -33637,10 +32969,9 @@
           <a:lstStyle/>
           <a:p>
             <a:r>
-              <a:rPr lang="en-US" dirty="0" smtClean="0"/>
+              <a:rPr lang="en-US" dirty="0"/>
               <a:t>Reactive Framework</a:t>
             </a:r>
-            <a:endParaRPr lang="en-US" dirty="0"/>
           </a:p>
         </p:txBody>
       </p:sp>
@@ -33674,7 +33005,7 @@
               <a:t>“</a:t>
             </a:r>
             <a:r>
-              <a:rPr lang="en-US" sz="6000" i="1" dirty="0" err="1" smtClean="0">
+              <a:rPr lang="en-US" sz="6000" i="1" dirty="0" err="1">
                 <a:solidFill>
                   <a:schemeClr val="accent3"/>
                 </a:solidFill>
@@ -33682,21 +33013,16 @@
               <a:t>RxJs</a:t>
             </a:r>
             <a:r>
-              <a:rPr lang="en-US" sz="6000" i="1" dirty="0" smtClean="0"/>
-              <a:t> </a:t>
-            </a:r>
-            <a:r>
               <a:rPr lang="en-US" sz="6000" i="1" dirty="0"/>
-              <a:t>is a library for </a:t>
-            </a:r>
-            <a:endParaRPr lang="en-US" sz="6000" i="1" dirty="0" smtClean="0"/>
+              <a:t> is a library for </a:t>
+            </a:r>
           </a:p>
           <a:p>
             <a:pPr marL="0" indent="0" algn="ctr">
               <a:buNone/>
             </a:pPr>
             <a:r>
-              <a:rPr lang="en-US" sz="6000" i="1" dirty="0" smtClean="0">
+              <a:rPr lang="en-US" sz="6000" i="1" dirty="0">
                 <a:solidFill>
                   <a:schemeClr val="accent2"/>
                 </a:solidFill>
@@ -33704,7 +33030,7 @@
               <a:t>composing</a:t>
             </a:r>
             <a:r>
-              <a:rPr lang="en-US" sz="6000" i="1" dirty="0" smtClean="0"/>
+              <a:rPr lang="en-US" sz="6000" i="1" dirty="0"/>
               <a:t> </a:t>
             </a:r>
             <a:r>
@@ -33717,11 +33043,7 @@
             </a:r>
             <a:r>
               <a:rPr lang="en-US" sz="6000" i="1" dirty="0"/>
-              <a:t> </a:t>
-            </a:r>
-            <a:r>
-              <a:rPr lang="en-US" sz="6000" i="1" dirty="0" smtClean="0"/>
-              <a:t>and</a:t>
+              <a:t> and</a:t>
             </a:r>
           </a:p>
           <a:p>
@@ -33729,7 +33051,7 @@
               <a:buNone/>
             </a:pPr>
             <a:r>
-              <a:rPr lang="en-US" sz="6000" i="1" dirty="0" smtClean="0"/>
+              <a:rPr lang="en-US" sz="6000" i="1" dirty="0"/>
               <a:t> </a:t>
             </a:r>
             <a:r>
@@ -33742,24 +33064,15 @@
             </a:r>
             <a:r>
               <a:rPr lang="en-US" sz="6000" i="1" dirty="0"/>
-              <a:t>-based </a:t>
-            </a:r>
-            <a:r>
-              <a:rPr lang="en-US" sz="6000" i="1" dirty="0" smtClean="0"/>
-              <a:t>operations </a:t>
-            </a:r>
-            <a:r>
-              <a:rPr lang="en-US" sz="6000" i="1" dirty="0"/>
-              <a:t>using </a:t>
-            </a:r>
-            <a:endParaRPr lang="en-US" sz="6000" i="1" dirty="0" smtClean="0"/>
+              <a:t>-based operations using </a:t>
+            </a:r>
           </a:p>
           <a:p>
             <a:pPr marL="0" indent="0" algn="ctr">
               <a:buNone/>
             </a:pPr>
             <a:r>
-              <a:rPr lang="en-US" sz="6000" i="1" dirty="0" smtClean="0">
+              <a:rPr lang="en-US" sz="6000" i="1" dirty="0">
                 <a:solidFill>
                   <a:schemeClr val="accent2"/>
                 </a:solidFill>
@@ -33767,7 +33080,7 @@
               <a:t>observable </a:t>
             </a:r>
             <a:r>
-              <a:rPr lang="en-US" sz="6000" i="1" dirty="0" smtClean="0">
+              <a:rPr lang="en-US" sz="6000" i="1" dirty="0">
                 <a:solidFill>
                   <a:schemeClr val="accent3"/>
                 </a:solidFill>
@@ -33775,10 +33088,9 @@
               <a:t>prototypes</a:t>
             </a:r>
             <a:r>
-              <a:rPr lang="en-US" sz="6000" i="1" dirty="0" smtClean="0"/>
+              <a:rPr lang="en-US" sz="6000" i="1" dirty="0"/>
               <a:t>.”</a:t>
             </a:r>
-            <a:endParaRPr lang="en-US" sz="6000" i="1" dirty="0"/>
           </a:p>
         </p:txBody>
       </p:sp>
@@ -33795,13 +33107,6 @@
   <p:transition>
     <p:fade/>
   </p:transition>
-  <p:timing>
-    <p:tnLst>
-      <p:par>
-        <p:cTn id="1" dur="indefinite" restart="never" nodeType="tmRoot"/>
-      </p:par>
-    </p:tnLst>
-  </p:timing>
 </p:sld>
 </file>
 
@@ -33838,10 +33143,9 @@
           <a:lstStyle/>
           <a:p>
             <a:r>
-              <a:rPr lang="en-US" dirty="0" smtClean="0"/>
+              <a:rPr lang="en-US" dirty="0"/>
               <a:t>Observable Collection - Common Uses</a:t>
             </a:r>
-            <a:endParaRPr lang="en-US" dirty="0"/>
           </a:p>
         </p:txBody>
       </p:sp>
@@ -34134,13 +33438,6 @@
   <p:transition>
     <p:fade/>
   </p:transition>
-  <p:timing>
-    <p:tnLst>
-      <p:par>
-        <p:cTn id="1" dur="indefinite" restart="never" nodeType="tmRoot"/>
-      </p:par>
-    </p:tnLst>
-  </p:timing>
 </p:sld>
 </file>
 
@@ -34177,10 +33474,9 @@
           <a:lstStyle/>
           <a:p>
             <a:r>
-              <a:rPr lang="en-US" dirty="0" smtClean="0"/>
+              <a:rPr lang="en-US" dirty="0"/>
               <a:t>Flavors of Rx</a:t>
             </a:r>
-            <a:endParaRPr lang="en-US" dirty="0"/>
           </a:p>
         </p:txBody>
       </p:sp>
@@ -34476,7 +33772,7 @@
           <a:p>
             <a:pPr algn="ctr"/>
             <a:r>
-              <a:rPr lang="en-US" sz="5400" b="1" dirty="0" err="1" smtClean="0">
+              <a:rPr lang="en-US" sz="5400" b="1" dirty="0" err="1">
                 <a:ln w="11430"/>
                 <a:gradFill>
                   <a:gsLst>
@@ -34676,11 +33972,11 @@
           <a:lstStyle/>
           <a:p>
             <a:r>
-              <a:rPr lang="en-US" dirty="0" smtClean="0"/>
+              <a:rPr lang="en-US" dirty="0"/>
               <a:t>Pulling with </a:t>
             </a:r>
             <a:r>
-              <a:rPr lang="en-US" dirty="0" err="1" smtClean="0"/>
+              <a:rPr lang="en-US" dirty="0" err="1"/>
               <a:t>Enumerables</a:t>
             </a:r>
             <a:endParaRPr lang="en-US" dirty="0"/>
@@ -34821,14 +34117,14 @@
               <a:t> </a:t>
             </a:r>
             <a:r>
-              <a:rPr lang="en-US" dirty="0" err="1" smtClean="0">
+              <a:rPr lang="en-US" dirty="0" err="1">
                 <a:latin typeface="Consolas"/>
                 <a:ea typeface="Times New Roman"/>
                 <a:cs typeface="Times New Roman"/>
               </a:rPr>
               <a:t>bagOfCandies</a:t>
             </a:r>
-            <a:endParaRPr lang="en-US" dirty="0" smtClean="0">
+            <a:endParaRPr lang="en-US" dirty="0">
               <a:latin typeface="Consolas"/>
               <a:ea typeface="Times New Roman"/>
               <a:cs typeface="Times New Roman"/>
@@ -34864,14 +34160,6 @@
                 <a:tab pos="9306560" algn="l"/>
               </a:tabLst>
             </a:pPr>
-            <a:r>
-              <a:rPr lang="en-US" dirty="0">
-                <a:latin typeface="Consolas"/>
-                <a:ea typeface="Times New Roman"/>
-                <a:cs typeface="Times New Roman"/>
-              </a:rPr>
-              <a:t/>
-            </a:r>
             <a:br>
               <a:rPr lang="en-US" dirty="0">
                 <a:latin typeface="Consolas"/>
@@ -34933,14 +34221,6 @@
               </a:rPr>
               <a:t>HasNuts</a:t>
             </a:r>
-            <a:r>
-              <a:rPr lang="en-US" dirty="0">
-                <a:latin typeface="Consolas"/>
-                <a:ea typeface="Times New Roman"/>
-                <a:cs typeface="Times New Roman"/>
-              </a:rPr>
-              <a:t/>
-            </a:r>
             <a:br>
               <a:rPr lang="en-US" dirty="0">
                 <a:latin typeface="Consolas"/>
@@ -34948,7 +34228,7 @@
                 <a:cs typeface="Times New Roman"/>
               </a:rPr>
             </a:br>
-            <a:endParaRPr lang="en-US" dirty="0" smtClean="0">
+            <a:endParaRPr lang="en-US" dirty="0">
               <a:latin typeface="Consolas"/>
               <a:ea typeface="Times New Roman"/>
               <a:cs typeface="Times New Roman"/>
@@ -35092,14 +34372,6 @@
               </a:rPr>
               <a:t>GroupedCandies</a:t>
             </a:r>
-            <a:r>
-              <a:rPr lang="en-US" dirty="0">
-                <a:latin typeface="Consolas"/>
-                <a:ea typeface="Times New Roman"/>
-                <a:cs typeface="Times New Roman"/>
-              </a:rPr>
-              <a:t/>
-            </a:r>
             <a:br>
               <a:rPr lang="en-US" dirty="0">
                 <a:latin typeface="Consolas"/>
@@ -35107,7 +34379,7 @@
                 <a:cs typeface="Times New Roman"/>
               </a:rPr>
             </a:br>
-            <a:endParaRPr lang="en-US" dirty="0" smtClean="0">
+            <a:endParaRPr lang="en-US" dirty="0">
               <a:latin typeface="Consolas"/>
               <a:ea typeface="Times New Roman"/>
               <a:cs typeface="Times New Roman"/>
@@ -35415,23 +34687,7 @@
                 <a:ea typeface="Times New Roman"/>
                 <a:cs typeface="Times New Roman"/>
               </a:rPr>
-              <a:t> </a:t>
-            </a:r>
-            <a:r>
-              <a:rPr lang="en-US" dirty="0" smtClean="0">
-                <a:latin typeface="Consolas"/>
-                <a:ea typeface="Times New Roman"/>
-                <a:cs typeface="Times New Roman"/>
-              </a:rPr>
-              <a:t>aggregate</a:t>
-            </a:r>
-            <a:r>
-              <a:rPr lang="en-US" dirty="0">
-                <a:latin typeface="Consolas"/>
-                <a:ea typeface="Times New Roman"/>
-                <a:cs typeface="Times New Roman"/>
-              </a:rPr>
-              <a:t> </a:t>
+              <a:t> aggregate </a:t>
             </a:r>
             <a:r>
               <a:rPr lang="en-US" dirty="0">
@@ -35568,14 +34824,11 @@
           <a:p>
             <a:pPr algn="ctr"/>
             <a:r>
-              <a:rPr lang="en-US" sz="2000" dirty="0" smtClean="0">
+              <a:rPr lang="en-US" sz="2000" dirty="0">
                 <a:latin typeface="Tekton Pro" pitchFamily="34" charset="0"/>
               </a:rPr>
               <a:t>Move Next</a:t>
             </a:r>
-            <a:endParaRPr lang="en-US" sz="2000" dirty="0">
-              <a:latin typeface="Tekton Pro" pitchFamily="34" charset="0"/>
-            </a:endParaRPr>
           </a:p>
         </p:txBody>
       </p:sp>
@@ -35626,14 +34879,11 @@
           <a:p>
             <a:pPr algn="ctr"/>
             <a:r>
-              <a:rPr lang="en-US" sz="2000" dirty="0" smtClean="0">
+              <a:rPr lang="en-US" sz="2000" dirty="0">
                 <a:latin typeface="Tekton Pro" pitchFamily="34" charset="0"/>
               </a:rPr>
               <a:t>Move Next</a:t>
             </a:r>
-            <a:endParaRPr lang="en-US" sz="2000" dirty="0">
-              <a:latin typeface="Tekton Pro" pitchFamily="34" charset="0"/>
-            </a:endParaRPr>
           </a:p>
         </p:txBody>
       </p:sp>
@@ -35684,14 +34934,11 @@
           <a:p>
             <a:pPr algn="ctr"/>
             <a:r>
-              <a:rPr lang="en-US" sz="2000" dirty="0" smtClean="0">
+              <a:rPr lang="en-US" sz="2000" dirty="0">
                 <a:latin typeface="Tekton Pro" pitchFamily="34" charset="0"/>
               </a:rPr>
               <a:t>Move Next</a:t>
             </a:r>
-            <a:endParaRPr lang="en-US" sz="2000" dirty="0">
-              <a:latin typeface="Tekton Pro" pitchFamily="34" charset="0"/>
-            </a:endParaRPr>
           </a:p>
         </p:txBody>
       </p:sp>
@@ -35742,14 +34989,11 @@
           <a:p>
             <a:pPr algn="ctr"/>
             <a:r>
-              <a:rPr lang="en-US" sz="2000" dirty="0" smtClean="0">
+              <a:rPr lang="en-US" sz="2000" dirty="0">
                 <a:latin typeface="Tekton Pro" pitchFamily="34" charset="0"/>
               </a:rPr>
               <a:t>Move Next</a:t>
             </a:r>
-            <a:endParaRPr lang="en-US" sz="2000" dirty="0">
-              <a:latin typeface="Tekton Pro" pitchFamily="34" charset="0"/>
-            </a:endParaRPr>
           </a:p>
         </p:txBody>
       </p:sp>
@@ -35830,14 +35074,11 @@
           <a:p>
             <a:pPr algn="ctr"/>
             <a:r>
-              <a:rPr lang="en-US" sz="2000" dirty="0" smtClean="0">
+              <a:rPr lang="en-US" sz="2000" dirty="0">
                 <a:latin typeface="Tekton Pro" pitchFamily="34" charset="0"/>
               </a:rPr>
               <a:t>False</a:t>
             </a:r>
-            <a:endParaRPr lang="en-US" sz="2000" dirty="0">
-              <a:latin typeface="Tekton Pro" pitchFamily="34" charset="0"/>
-            </a:endParaRPr>
           </a:p>
         </p:txBody>
       </p:sp>
@@ -37332,15 +36573,15 @@
           <a:lstStyle/>
           <a:p>
             <a:r>
-              <a:rPr lang="en-US" dirty="0" err="1" smtClean="0"/>
+              <a:rPr lang="en-US" dirty="0" err="1"/>
               <a:t>IEnumerator</a:t>
             </a:r>
             <a:r>
-              <a:rPr lang="en-US" dirty="0" smtClean="0"/>
+              <a:rPr lang="en-US" dirty="0"/>
               <a:t> vs. </a:t>
             </a:r>
             <a:r>
-              <a:rPr lang="en-US" dirty="0" err="1" smtClean="0"/>
+              <a:rPr lang="en-US" dirty="0" err="1"/>
               <a:t>IObserver</a:t>
             </a:r>
             <a:endParaRPr lang="en-US" dirty="0"/>
@@ -37376,7 +36617,7 @@
           <a:lstStyle/>
           <a:p>
             <a:r>
-              <a:rPr lang="en-US" dirty="0" smtClean="0">
+              <a:rPr lang="en-US" dirty="0">
                 <a:solidFill>
                   <a:srgbClr val="400080"/>
                 </a:solidFill>
@@ -37400,14 +36641,14 @@
               <a:t> </a:t>
             </a:r>
             <a:r>
-              <a:rPr lang="en-US" dirty="0" err="1" smtClean="0">
+              <a:rPr lang="en-US" dirty="0" err="1">
                 <a:solidFill>
                   <a:srgbClr val="2B91AF"/>
                 </a:solidFill>
               </a:rPr>
               <a:t>IEnumerator</a:t>
             </a:r>
-            <a:endParaRPr lang="en-US" dirty="0" smtClean="0">
+            <a:endParaRPr lang="en-US" dirty="0">
               <a:solidFill>
                 <a:srgbClr val="2B91AF"/>
               </a:solidFill>
@@ -37415,7 +36656,7 @@
           </a:p>
           <a:p>
             <a:r>
-              <a:rPr lang="en-US" dirty="0" smtClean="0"/>
+              <a:rPr lang="en-US" dirty="0"/>
               <a:t>{</a:t>
             </a:r>
           </a:p>
@@ -37458,11 +36699,7 @@
             </a:r>
             <a:r>
               <a:rPr lang="en-US" dirty="0"/>
-              <a:t>; </a:t>
-            </a:r>
-            <a:r>
-              <a:rPr lang="en-US" dirty="0" smtClean="0"/>
-              <a:t>}</a:t>
+              <a:t>; }</a:t>
             </a:r>
           </a:p>
           <a:p>
@@ -37491,7 +36728,7 @@
               <a:t>MoveNext</a:t>
             </a:r>
             <a:r>
-              <a:rPr lang="en-US" dirty="0" smtClean="0"/>
+              <a:rPr lang="en-US" dirty="0"/>
               <a:t>();</a:t>
             </a:r>
           </a:p>
@@ -37521,16 +36758,15 @@
               <a:t>Reset</a:t>
             </a:r>
             <a:r>
-              <a:rPr lang="en-US" dirty="0" smtClean="0"/>
+              <a:rPr lang="en-US" dirty="0"/>
               <a:t>();</a:t>
             </a:r>
           </a:p>
           <a:p>
             <a:r>
-              <a:rPr lang="en-US" dirty="0" smtClean="0"/>
+              <a:rPr lang="en-US" dirty="0"/>
               <a:t>}</a:t>
             </a:r>
-            <a:endParaRPr lang="en-US" dirty="0"/>
           </a:p>
         </p:txBody>
       </p:sp>
@@ -37773,7 +37009,7 @@
           </a:lstStyle>
           <a:p>
             <a:r>
-              <a:rPr lang="en-US" dirty="0" smtClean="0">
+              <a:rPr lang="en-US" dirty="0">
                 <a:solidFill>
                   <a:srgbClr val="400080"/>
                 </a:solidFill>
@@ -37821,7 +37057,7 @@
               <a:t>T</a:t>
             </a:r>
             <a:r>
-              <a:rPr lang="en-US" dirty="0" smtClean="0">
+              <a:rPr lang="en-US" dirty="0">
                 <a:solidFill>
                   <a:srgbClr val="2E53D1"/>
                 </a:solidFill>
@@ -37831,7 +37067,7 @@
           </a:p>
           <a:p>
             <a:r>
-              <a:rPr lang="en-US" dirty="0" smtClean="0"/>
+              <a:rPr lang="en-US" dirty="0"/>
               <a:t>{</a:t>
             </a:r>
           </a:p>
@@ -37861,7 +37097,7 @@
               <a:t>OnCompleted</a:t>
             </a:r>
             <a:r>
-              <a:rPr lang="en-US" dirty="0" smtClean="0"/>
+              <a:rPr lang="en-US" dirty="0"/>
               <a:t>();</a:t>
             </a:r>
           </a:p>
@@ -37915,7 +37151,7 @@
               <a:t>exception</a:t>
             </a:r>
             <a:r>
-              <a:rPr lang="en-US" dirty="0" smtClean="0"/>
+              <a:rPr lang="en-US" dirty="0"/>
               <a:t>);</a:t>
             </a:r>
           </a:p>
@@ -37957,16 +37193,15 @@
               <a:t>value</a:t>
             </a:r>
             <a:r>
-              <a:rPr lang="en-US" dirty="0" smtClean="0"/>
+              <a:rPr lang="en-US" dirty="0"/>
               <a:t>);</a:t>
             </a:r>
           </a:p>
           <a:p>
             <a:r>
-              <a:rPr lang="en-US" dirty="0" smtClean="0"/>
+              <a:rPr lang="en-US" dirty="0"/>
               <a:t>}</a:t>
             </a:r>
-            <a:endParaRPr lang="en-US" dirty="0"/>
           </a:p>
         </p:txBody>
       </p:sp>
@@ -38082,7 +37317,7 @@
               </a:spcAft>
             </a:pPr>
             <a:r>
-              <a:rPr lang="en-US" sz="2200" dirty="0" smtClean="0">
+              <a:rPr lang="en-US" sz="2200" dirty="0">
                 <a:gradFill>
                   <a:gsLst>
                     <a:gs pos="0">
@@ -38366,10 +37601,9 @@
           <a:lstStyle/>
           <a:p>
             <a:r>
-              <a:rPr lang="en-US" dirty="0" smtClean="0"/>
+              <a:rPr lang="en-US" dirty="0"/>
               <a:t>Pushing with Observables</a:t>
             </a:r>
-            <a:endParaRPr lang="en-US" dirty="0"/>
           </a:p>
         </p:txBody>
       </p:sp>
@@ -38507,14 +37741,14 @@
               <a:t> </a:t>
             </a:r>
             <a:r>
-              <a:rPr lang="en-US" dirty="0" err="1" smtClean="0">
+              <a:rPr lang="en-US" dirty="0" err="1">
                 <a:latin typeface="Consolas"/>
                 <a:ea typeface="Times New Roman"/>
                 <a:cs typeface="Times New Roman"/>
               </a:rPr>
               <a:t>bagOfCandies</a:t>
             </a:r>
-            <a:endParaRPr lang="en-US" dirty="0" smtClean="0">
+            <a:endParaRPr lang="en-US" dirty="0">
               <a:latin typeface="Consolas"/>
               <a:ea typeface="Times New Roman"/>
               <a:cs typeface="Times New Roman"/>
@@ -38550,14 +37784,6 @@
                 <a:tab pos="9306560" algn="l"/>
               </a:tabLst>
             </a:pPr>
-            <a:r>
-              <a:rPr lang="en-US" dirty="0">
-                <a:latin typeface="Consolas"/>
-                <a:ea typeface="Times New Roman"/>
-                <a:cs typeface="Times New Roman"/>
-              </a:rPr>
-              <a:t/>
-            </a:r>
             <a:br>
               <a:rPr lang="en-US" dirty="0">
                 <a:latin typeface="Consolas"/>
@@ -38619,14 +37845,6 @@
               </a:rPr>
               <a:t>HasNuts</a:t>
             </a:r>
-            <a:r>
-              <a:rPr lang="en-US" dirty="0">
-                <a:latin typeface="Consolas"/>
-                <a:ea typeface="Times New Roman"/>
-                <a:cs typeface="Times New Roman"/>
-              </a:rPr>
-              <a:t/>
-            </a:r>
             <a:br>
               <a:rPr lang="en-US" dirty="0">
                 <a:latin typeface="Consolas"/>
@@ -38634,7 +37852,7 @@
                 <a:cs typeface="Times New Roman"/>
               </a:rPr>
             </a:br>
-            <a:endParaRPr lang="en-US" dirty="0" smtClean="0">
+            <a:endParaRPr lang="en-US" dirty="0">
               <a:latin typeface="Consolas"/>
               <a:ea typeface="Times New Roman"/>
               <a:cs typeface="Times New Roman"/>
@@ -38778,14 +37996,6 @@
               </a:rPr>
               <a:t>GroupedCandies</a:t>
             </a:r>
-            <a:r>
-              <a:rPr lang="en-US" dirty="0">
-                <a:latin typeface="Consolas"/>
-                <a:ea typeface="Times New Roman"/>
-                <a:cs typeface="Times New Roman"/>
-              </a:rPr>
-              <a:t/>
-            </a:r>
             <a:br>
               <a:rPr lang="en-US" dirty="0">
                 <a:latin typeface="Consolas"/>
@@ -38793,7 +38003,7 @@
                 <a:cs typeface="Times New Roman"/>
               </a:rPr>
             </a:br>
-            <a:endParaRPr lang="en-US" dirty="0" smtClean="0">
+            <a:endParaRPr lang="en-US" dirty="0">
               <a:latin typeface="Consolas"/>
               <a:ea typeface="Times New Roman"/>
               <a:cs typeface="Times New Roman"/>
@@ -39066,7 +38276,7 @@
               </a:tabLst>
             </a:pPr>
             <a:r>
-              <a:rPr lang="en-US" dirty="0" err="1" smtClean="0">
+              <a:rPr lang="en-US" dirty="0" err="1">
                 <a:latin typeface="Consolas"/>
                 <a:ea typeface="Times New Roman"/>
                 <a:cs typeface="Times New Roman"/>
@@ -39074,7 +38284,7 @@
               <a:t>query.Subscribe</a:t>
             </a:r>
             <a:r>
-              <a:rPr lang="en-US" dirty="0" smtClean="0">
+              <a:rPr lang="en-US" dirty="0">
                 <a:latin typeface="Consolas"/>
                 <a:ea typeface="Times New Roman"/>
                 <a:cs typeface="Times New Roman"/>
@@ -39082,7 +38292,7 @@
               <a:t>(group =&gt; </a:t>
             </a:r>
             <a:r>
-              <a:rPr lang="en-US" dirty="0" err="1" smtClean="0">
+              <a:rPr lang="en-US" dirty="0" err="1">
                 <a:latin typeface="Consolas"/>
                 <a:ea typeface="Times New Roman"/>
                 <a:cs typeface="Times New Roman"/>
@@ -39090,7 +38300,7 @@
               <a:t>DoSomething</a:t>
             </a:r>
             <a:r>
-              <a:rPr lang="en-US" dirty="0" smtClean="0">
+              <a:rPr lang="en-US" dirty="0">
                 <a:latin typeface="Consolas"/>
                 <a:ea typeface="Times New Roman"/>
                 <a:cs typeface="Times New Roman"/>
@@ -39213,14 +38423,11 @@
           <a:p>
             <a:pPr algn="ctr"/>
             <a:r>
-              <a:rPr lang="en-US" sz="2000" dirty="0" smtClean="0">
+              <a:rPr lang="en-US" sz="2000" dirty="0">
                 <a:latin typeface="Tekton Pro" pitchFamily="34" charset="0"/>
               </a:rPr>
               <a:t>Subscribe</a:t>
             </a:r>
-            <a:endParaRPr lang="en-US" sz="2000" dirty="0">
-              <a:latin typeface="Tekton Pro" pitchFamily="34" charset="0"/>
-            </a:endParaRPr>
           </a:p>
         </p:txBody>
       </p:sp>
@@ -39301,7 +38508,7 @@
           <a:p>
             <a:pPr algn="ctr"/>
             <a:r>
-              <a:rPr lang="en-US" sz="2000" dirty="0" err="1" smtClean="0">
+              <a:rPr lang="en-US" sz="2000" dirty="0" err="1">
                 <a:latin typeface="Tekton Pro" pitchFamily="34" charset="0"/>
               </a:rPr>
               <a:t>OnNext</a:t>
@@ -39359,7 +38566,7 @@
           <a:p>
             <a:pPr algn="ctr"/>
             <a:r>
-              <a:rPr lang="en-US" sz="2000" dirty="0" err="1" smtClean="0">
+              <a:rPr lang="en-US" sz="2000" dirty="0" err="1">
                 <a:latin typeface="Tekton Pro" pitchFamily="34" charset="0"/>
               </a:rPr>
               <a:t>OnNext</a:t>
@@ -39417,7 +38624,7 @@
           <a:p>
             <a:pPr algn="ctr"/>
             <a:r>
-              <a:rPr lang="en-US" sz="2000" dirty="0" err="1" smtClean="0">
+              <a:rPr lang="en-US" sz="2000" dirty="0" err="1">
                 <a:latin typeface="Tekton Pro" pitchFamily="34" charset="0"/>
               </a:rPr>
               <a:t>OnNext</a:t>
@@ -39475,7 +38682,7 @@
           <a:p>
             <a:pPr algn="ctr"/>
             <a:r>
-              <a:rPr lang="en-US" sz="2000" dirty="0" err="1" smtClean="0">
+              <a:rPr lang="en-US" sz="2000" dirty="0" err="1">
                 <a:latin typeface="Tekton Pro" pitchFamily="34" charset="0"/>
               </a:rPr>
               <a:t>OnNext</a:t>
@@ -39533,7 +38740,7 @@
           <a:p>
             <a:pPr algn="ctr"/>
             <a:r>
-              <a:rPr lang="en-US" sz="2000" dirty="0" err="1" smtClean="0">
+              <a:rPr lang="en-US" sz="2000" dirty="0" err="1">
                 <a:latin typeface="Tekton Pro" pitchFamily="34" charset="0"/>
               </a:rPr>
               <a:t>OnNext</a:t>
@@ -39591,7 +38798,7 @@
           <a:p>
             <a:pPr algn="ctr"/>
             <a:r>
-              <a:rPr lang="en-US" sz="2000" dirty="0" err="1" smtClean="0">
+              <a:rPr lang="en-US" sz="2000" dirty="0" err="1">
                 <a:latin typeface="Tekton Pro" pitchFamily="34" charset="0"/>
               </a:rPr>
               <a:t>OnCompleted</a:t>
@@ -41319,18 +40526,17 @@
           <a:lstStyle/>
           <a:p>
             <a:r>
-              <a:rPr lang="en-US" dirty="0" smtClean="0"/>
+              <a:rPr lang="en-US" dirty="0"/>
               <a:t>LINQ for </a:t>
             </a:r>
             <a:r>
-              <a:rPr lang="en-US" dirty="0" err="1" smtClean="0"/>
+              <a:rPr lang="en-US" dirty="0" err="1"/>
               <a:t>Javascript</a:t>
             </a:r>
             <a:r>
-              <a:rPr lang="en-US" dirty="0" smtClean="0"/>
+              <a:rPr lang="en-US" dirty="0"/>
               <a:t>?</a:t>
             </a:r>
-            <a:endParaRPr lang="en-US" dirty="0"/>
           </a:p>
         </p:txBody>
       </p:sp>
@@ -41355,7 +40561,7 @@
           <a:lstStyle/>
           <a:p>
             <a:r>
-              <a:rPr lang="en-US" dirty="0" smtClean="0">
+              <a:rPr lang="en-US" dirty="0">
                 <a:solidFill>
                   <a:schemeClr val="accent6"/>
                 </a:solidFill>
@@ -41366,7 +40572,7 @@
           </a:p>
           <a:p>
             <a:r>
-              <a:rPr lang="en-US" dirty="0" err="1" smtClean="0">
+              <a:rPr lang="en-US" dirty="0" err="1">
                 <a:solidFill>
                   <a:srgbClr val="0000FF"/>
                 </a:solidFill>
@@ -41408,27 +40614,15 @@
               <a:rPr lang="en-US" dirty="0">
                 <a:latin typeface="+mn-lt"/>
               </a:rPr>
-              <a:t> </a:t>
-            </a:r>
-            <a:r>
-              <a:rPr lang="en-US" dirty="0" smtClean="0">
-                <a:latin typeface="+mn-lt"/>
-              </a:rPr>
-              <a:t>Customers</a:t>
-            </a:r>
-          </a:p>
-          <a:p>
-            <a:r>
-              <a:rPr lang="en-US" dirty="0" smtClean="0">
-                <a:latin typeface="+mn-lt"/>
-              </a:rPr>
-              <a:t>   </a:t>
-            </a:r>
+              <a:t> Customers</a:t>
+            </a:r>
+          </a:p>
+          <a:p>
             <a:r>
               <a:rPr lang="en-US" dirty="0">
                 <a:latin typeface="+mn-lt"/>
               </a:rPr>
-              <a:t>                    </a:t>
+              <a:t>                       </a:t>
             </a:r>
             <a:r>
               <a:rPr lang="en-US" dirty="0">
@@ -41464,16 +40658,7 @@
                 </a:solidFill>
                 <a:latin typeface="+mn-lt"/>
               </a:rPr>
-              <a:t>"</a:t>
-            </a:r>
-            <a:r>
-              <a:rPr lang="en-US" dirty="0" smtClean="0">
-                <a:solidFill>
-                  <a:srgbClr val="A31515"/>
-                </a:solidFill>
-                <a:latin typeface="+mn-lt"/>
-              </a:rPr>
-              <a:t>Chattanooga“</a:t>
+              <a:t>"Chattanooga“</a:t>
             </a:r>
           </a:p>
           <a:p>
@@ -41484,28 +40669,13 @@
                 </a:solidFill>
                 <a:latin typeface="+mn-lt"/>
               </a:rPr>
-              <a:t> </a:t>
-            </a:r>
-            <a:r>
-              <a:rPr lang="en-US" dirty="0" smtClean="0">
-                <a:solidFill>
-                  <a:srgbClr val="A31515"/>
-                </a:solidFill>
-                <a:latin typeface="+mn-lt"/>
-              </a:rPr>
-              <a:t> </a:t>
-            </a:r>
-            <a:r>
-              <a:rPr lang="en-US" dirty="0" smtClean="0">
-                <a:latin typeface="+mn-lt"/>
-              </a:rPr>
-              <a:t> </a:t>
+              <a:t>  </a:t>
             </a:r>
             <a:r>
               <a:rPr lang="en-US" dirty="0">
                 <a:latin typeface="+mn-lt"/>
               </a:rPr>
-              <a:t>                    </a:t>
+              <a:t>                     </a:t>
             </a:r>
             <a:r>
               <a:rPr lang="en-US" dirty="0">
@@ -41560,7 +40730,7 @@
           <a:lstStyle/>
           <a:p>
             <a:r>
-              <a:rPr lang="en-US" sz="2000" b="1" dirty="0" smtClean="0">
+              <a:rPr lang="en-US" sz="2000" b="1" dirty="0">
                 <a:solidFill>
                   <a:schemeClr val="accent6"/>
                 </a:solidFill>
@@ -41570,7 +40740,7 @@
           </a:p>
           <a:p>
             <a:r>
-              <a:rPr lang="en-US" sz="2000" b="1" dirty="0" err="1" smtClean="0">
+              <a:rPr lang="en-US" sz="2000" b="1" dirty="0" err="1">
                 <a:solidFill>
                   <a:srgbClr val="0000FF"/>
                 </a:solidFill>
@@ -41579,21 +40749,13 @@
             </a:r>
             <a:r>
               <a:rPr lang="en-US" sz="2000" b="1" dirty="0"/>
-              <a:t> query = </a:t>
-            </a:r>
-            <a:r>
-              <a:rPr lang="en-US" sz="2000" b="1" dirty="0" smtClean="0"/>
-              <a:t>Customers</a:t>
-            </a:r>
-          </a:p>
-          <a:p>
-            <a:r>
-              <a:rPr lang="en-US" sz="2000" b="1" dirty="0" smtClean="0"/>
-              <a:t> </a:t>
-            </a:r>
+              <a:t> query = Customers</a:t>
+            </a:r>
+          </a:p>
+          <a:p>
             <a:r>
               <a:rPr lang="en-US" sz="2000" b="1" dirty="0"/>
-              <a:t>                    .Where(c =&gt; </a:t>
+              <a:t>                     .Where(c =&gt; </a:t>
             </a:r>
             <a:r>
               <a:rPr lang="en-US" sz="2000" b="1" dirty="0" err="1"/>
@@ -41609,29 +40771,17 @@
                   <a:srgbClr val="A31515"/>
                 </a:solidFill>
               </a:rPr>
-              <a:t>"Chattanooga</a:t>
-            </a:r>
-            <a:r>
-              <a:rPr lang="en-US" sz="2000" b="1" dirty="0" smtClean="0">
-                <a:solidFill>
-                  <a:srgbClr val="A31515"/>
-                </a:solidFill>
-              </a:rPr>
-              <a:t>"</a:t>
-            </a:r>
-            <a:r>
-              <a:rPr lang="en-US" sz="2000" b="1" dirty="0" smtClean="0"/>
+              <a:t>"Chattanooga"</a:t>
+            </a:r>
+            <a:r>
+              <a:rPr lang="en-US" sz="2000" b="1" dirty="0"/>
               <a:t>)</a:t>
             </a:r>
           </a:p>
           <a:p>
             <a:r>
-              <a:rPr lang="en-US" sz="2000" b="1" dirty="0" smtClean="0"/>
-              <a:t> </a:t>
-            </a:r>
-            <a:r>
               <a:rPr lang="en-US" sz="2000" b="1" dirty="0"/>
-              <a:t>                    .Select(c =&gt; </a:t>
+              <a:t>                     .Select(c =&gt; </a:t>
             </a:r>
             <a:r>
               <a:rPr lang="en-US" sz="2000" b="1" dirty="0" err="1"/>
@@ -41667,7 +40817,7 @@
           <a:lstStyle/>
           <a:p>
             <a:r>
-              <a:rPr lang="en-US" sz="2000" b="1" dirty="0" smtClean="0">
+              <a:rPr lang="en-US" sz="2000" b="1" dirty="0">
                 <a:solidFill>
                   <a:schemeClr val="accent6"/>
                 </a:solidFill>
@@ -41677,7 +40827,7 @@
           </a:p>
           <a:p>
             <a:r>
-              <a:rPr lang="en-US" sz="2000" b="1" dirty="0" err="1" smtClean="0">
+              <a:rPr lang="en-US" sz="2000" b="1" dirty="0" err="1">
                 <a:solidFill>
                   <a:srgbClr val="0000FF"/>
                 </a:solidFill>
@@ -41686,21 +40836,13 @@
             </a:r>
             <a:r>
               <a:rPr lang="en-US" sz="2000" b="1" dirty="0"/>
-              <a:t> query = </a:t>
-            </a:r>
-            <a:r>
-              <a:rPr lang="en-US" sz="2000" b="1" dirty="0" smtClean="0"/>
-              <a:t>Customers</a:t>
-            </a:r>
-          </a:p>
-          <a:p>
-            <a:r>
-              <a:rPr lang="en-US" sz="2000" b="1" dirty="0" smtClean="0"/>
-              <a:t> </a:t>
-            </a:r>
+              <a:t> query = Customers</a:t>
+            </a:r>
+          </a:p>
+          <a:p>
             <a:r>
               <a:rPr lang="en-US" sz="2000" b="1" dirty="0"/>
-              <a:t>                    .Where(</a:t>
+              <a:t>                     .Where(</a:t>
             </a:r>
             <a:r>
               <a:rPr lang="en-US" sz="2000" b="1" dirty="0">
@@ -41712,15 +40854,7 @@
             </a:r>
             <a:r>
               <a:rPr lang="en-US" sz="2000" b="1" dirty="0"/>
-              <a:t> </a:t>
-            </a:r>
-            <a:r>
-              <a:rPr lang="en-US" sz="2000" b="1" dirty="0" smtClean="0"/>
-              <a:t>(c)</a:t>
-            </a:r>
-            <a:r>
-              <a:rPr lang="en-US" sz="2000" b="1" dirty="0"/>
-              <a:t> { </a:t>
+              <a:t> (c) { </a:t>
             </a:r>
             <a:r>
               <a:rPr lang="en-US" sz="2000" b="1" dirty="0">
@@ -41735,11 +40869,11 @@
               <a:t> </a:t>
             </a:r>
             <a:r>
-              <a:rPr lang="en-US" sz="2000" b="1" dirty="0" err="1" smtClean="0"/>
+              <a:rPr lang="en-US" sz="2000" b="1" dirty="0" err="1"/>
               <a:t>c.City</a:t>
             </a:r>
             <a:r>
-              <a:rPr lang="en-US" sz="2000" b="1" dirty="0" smtClean="0"/>
+              <a:rPr lang="en-US" sz="2000" b="1" dirty="0"/>
               <a:t> === </a:t>
             </a:r>
             <a:r>
@@ -41751,26 +40885,14 @@
               <a:t>“Chattanooga” </a:t>
             </a:r>
             <a:r>
-              <a:rPr lang="en-US" sz="2000" b="1" dirty="0" smtClean="0"/>
-              <a:t>;</a:t>
-            </a:r>
-            <a:r>
               <a:rPr lang="en-US" sz="2000" b="1" dirty="0"/>
-              <a:t> </a:t>
-            </a:r>
-            <a:r>
-              <a:rPr lang="en-US" sz="2000" b="1" dirty="0" smtClean="0"/>
-              <a:t>})</a:t>
-            </a:r>
-          </a:p>
-          <a:p>
-            <a:r>
-              <a:rPr lang="en-US" sz="2000" b="1" dirty="0" smtClean="0"/>
-              <a:t> </a:t>
-            </a:r>
+              <a:t>; })</a:t>
+            </a:r>
+          </a:p>
+          <a:p>
             <a:r>
               <a:rPr lang="en-US" sz="2000" b="1" dirty="0"/>
-              <a:t>                    .Select(</a:t>
+              <a:t>                     .Select(</a:t>
             </a:r>
             <a:r>
               <a:rPr lang="en-US" sz="2000" b="1" dirty="0">
@@ -41782,15 +40904,7 @@
             </a:r>
             <a:r>
               <a:rPr lang="en-US" sz="2000" b="1" dirty="0"/>
-              <a:t> </a:t>
-            </a:r>
-            <a:r>
-              <a:rPr lang="en-US" sz="2000" b="1" dirty="0" smtClean="0"/>
-              <a:t>(c)</a:t>
-            </a:r>
-            <a:r>
-              <a:rPr lang="en-US" sz="2000" b="1" dirty="0"/>
-              <a:t> { </a:t>
+              <a:t> (c) { </a:t>
             </a:r>
             <a:r>
               <a:rPr lang="en-US" sz="2000" b="1" dirty="0">
@@ -41805,16 +40919,12 @@
               <a:t> </a:t>
             </a:r>
             <a:r>
-              <a:rPr lang="en-US" sz="2000" b="1" dirty="0" err="1" smtClean="0"/>
+              <a:rPr lang="en-US" sz="2000" b="1" dirty="0" err="1"/>
               <a:t>c.Name</a:t>
             </a:r>
             <a:r>
-              <a:rPr lang="en-US" sz="2000" b="1" dirty="0" smtClean="0"/>
-              <a:t>;</a:t>
-            </a:r>
-            <a:r>
               <a:rPr lang="en-US" sz="2000" b="1" dirty="0"/>
-              <a:t> });</a:t>
+              <a:t>; });</a:t>
             </a:r>
           </a:p>
         </p:txBody>
@@ -43674,88 +42784,6 @@
 </file>
 
 <file path=customXml/item1.xml><?xml version="1.0" encoding="utf-8"?>
-<p:properties xmlns:p="http://schemas.microsoft.com/office/2006/metadata/properties" xmlns:xsi="http://www.w3.org/2001/XMLSchema-instance" xmlns:pc="http://schemas.microsoft.com/office/infopath/2007/PartnerControls">
-  <documentManagement>
-    <TrackTaxHTField0 xmlns="2295e2e7-0eeb-498e-8716-217bb2ee6ee3">
-      <Terms xmlns="http://schemas.microsoft.com/office/infopath/2007/PartnerControls"/>
-    </TrackTaxHTField0>
-    <CampaignTaxHTField0 xmlns="2295e2e7-0eeb-498e-8716-217bb2ee6ee3">
-      <Terms xmlns="http://schemas.microsoft.com/office/infopath/2007/PartnerControls"/>
-    </CampaignTaxHTField0>
-    <Event_x0020_End_x0020_Date xmlns="2295e2e7-0eeb-498e-8716-217bb2ee6ee3">2011-04-14T07:00:00+00:00</Event_x0020_End_x0020_Date>
-    <Event_x0020_Start_x0020_Date xmlns="2295e2e7-0eeb-498e-8716-217bb2ee6ee3">2011-04-12T07:00:00+00:00</Event_x0020_Start_x0020_Date>
-    <MS_x0020_Speaker xmlns="2295e2e7-0eeb-498e-8716-217bb2ee6ee3">
-      <UserInfo>
-        <DisplayName/>
-        <AccountId xsi:nil="true"/>
-        <AccountType/>
-      </UserInfo>
-    </MS_x0020_Speaker>
-    <External_x0020_Speaker xmlns="2295e2e7-0eeb-498e-8716-217bb2ee6ee3">Jim Wooley</External_x0020_Speaker>
-    <Session_x0020_Code xmlns="2295e2e7-0eeb-498e-8716-217bb2ee6ee3">Ext08</Session_x0020_Code>
-    <ProductTaxHTField0 xmlns="2295e2e7-0eeb-498e-8716-217bb2ee6ee3">
-      <Terms xmlns="http://schemas.microsoft.com/office/infopath/2007/PartnerControls"/>
-    </ProductTaxHTField0>
-    <Presentation_x0020_Date xmlns="2295e2e7-0eeb-498e-8716-217bb2ee6ee3">2011-04-12T00:00:00</Presentation_x0020_Date>
-    <Event_x0020_LocationTaxHTField0 xmlns="2295e2e7-0eeb-498e-8716-217bb2ee6ee3">
-      <Terms xmlns="http://schemas.microsoft.com/office/infopath/2007/PartnerControls">
-        <TermInfo xmlns="http://schemas.microsoft.com/office/infopath/2007/PartnerControls">
-          <TermName xmlns="http://schemas.microsoft.com/office/infopath/2007/PartnerControls">Las Vegas</TermName>
-          <TermId xmlns="http://schemas.microsoft.com/office/infopath/2007/PartnerControls">66540359-439f-41eb-a371-8b4c5897c6f3</TermId>
-        </TermInfo>
-      </Terms>
-    </Event_x0020_LocationTaxHTField0>
-    <Event1TaxHTField0 xmlns="2295e2e7-0eeb-498e-8716-217bb2ee6ee3">
-      <Terms xmlns="http://schemas.microsoft.com/office/infopath/2007/PartnerControls">
-        <TermInfo xmlns="http://schemas.microsoft.com/office/infopath/2007/PartnerControls">
-          <TermName xmlns="http://schemas.microsoft.com/office/infopath/2007/PartnerControls">MIX</TermName>
-          <TermId xmlns="http://schemas.microsoft.com/office/infopath/2007/PartnerControls">a76b9c48-178b-43cd-8766-08bc07195231</TermId>
-        </TermInfo>
-      </Terms>
-    </Event1TaxHTField0>
-    <AudienceTaxHTField0 xmlns="8b529f77-48ab-4581-b468-93f09345b8aa">
-      <Terms xmlns="http://schemas.microsoft.com/office/infopath/2007/PartnerControls">
-        <TermInfo xmlns="http://schemas.microsoft.com/office/infopath/2007/PartnerControls">
-          <TermName xmlns="http://schemas.microsoft.com/office/infopath/2007/PartnerControls">Developers</TermName>
-          <TermId xmlns="http://schemas.microsoft.com/office/infopath/2007/PartnerControls">389e14a2-def5-4335-8627-c0368c2934a2</TermId>
-        </TermInfo>
-      </Terms>
-    </AudienceTaxHTField0>
-    <MS_x0020_Content_x0020_Owner xmlns="2295e2e7-0eeb-498e-8716-217bb2ee6ee3">
-      <UserInfo>
-        <DisplayName/>
-        <AccountId xsi:nil="true"/>
-        <AccountType/>
-      </UserInfo>
-    </MS_x0020_Content_x0020_Owner>
-    <TaxCatchAll xmlns="2295e2e7-0eeb-498e-8716-217bb2ee6ee3">
-      <Value>119</Value>
-      <Value>118</Value>
-      <Value>34</Value>
-      <Value>88</Value>
-    </TaxCatchAll>
-    <Event_x0020_VenueTaxHTField0 xmlns="2295e2e7-0eeb-498e-8716-217bb2ee6ee3">
-      <Terms xmlns="http://schemas.microsoft.com/office/infopath/2007/PartnerControls">
-        <TermInfo xmlns="http://schemas.microsoft.com/office/infopath/2007/PartnerControls">
-          <TermName xmlns="http://schemas.microsoft.com/office/infopath/2007/PartnerControls">Mandalay Bay Las Vegas,NV</TermName>
-          <TermId xmlns="http://schemas.microsoft.com/office/infopath/2007/PartnerControls">fc459485-1b13-4ce3-bfeb-ea2ace2bf8f6</TermId>
-        </TermInfo>
-      </Terms>
-    </Event_x0020_VenueTaxHTField0>
-  </documentManagement>
-</p:properties>
-</file>
-
-<file path=customXml/item2.xml><?xml version="1.0" encoding="utf-8"?>
-<?mso-contentType ?>
-<FormTemplates xmlns="http://schemas.microsoft.com/sharepoint/v3/contenttype/forms">
-  <Display>DocumentLibraryForm</Display>
-  <Edit>DocumentLibraryForm</Edit>
-  <New>DocumentLibraryForm</New>
-</FormTemplates>
-</file>
-
-<file path=customXml/item3.xml><?xml version="1.0" encoding="utf-8"?>
 <ct:contentTypeSchema xmlns:ct="http://schemas.microsoft.com/office/2006/metadata/contentType" xmlns:ma="http://schemas.microsoft.com/office/2006/metadata/properties/metaAttributes" ct:_="" ma:_="" ma:contentTypeName="PresentationsDoc" ma:contentTypeID="0x010100B88FC3ECA26D1C46B3C4C83281D2EB9C003BBE479AF4108146A616B6B5E7069DBC" ma:contentTypeVersion="61" ma:contentTypeDescription="" ma:contentTypeScope="" ma:versionID="6f47b4a8328462bc33f8636622676104">
   <xsd:schema xmlns:xsd="http://www.w3.org/2001/XMLSchema" xmlns:xs="http://www.w3.org/2001/XMLSchema" xmlns:p="http://schemas.microsoft.com/office/2006/metadata/properties" xmlns:ns2="2295e2e7-0eeb-498e-8716-217bb2ee6ee3" xmlns:ns3="8b529f77-48ab-4581-b468-93f09345b8aa" targetNamespace="http://schemas.microsoft.com/office/2006/metadata/properties" ma:root="true" ma:fieldsID="d726d36c940286be0d152fc84c45d19b" ns2:_="" ns3:_="">
     <xsd:import namespace="2295e2e7-0eeb-498e-8716-217bb2ee6ee3"/>
@@ -44034,32 +43062,89 @@
 </ct:contentTypeSchema>
 </file>
 
-<file path=customXml/itemProps1.xml><?xml version="1.0" encoding="utf-8"?>
-<ds:datastoreItem xmlns:ds="http://schemas.openxmlformats.org/officeDocument/2006/customXml" ds:itemID="{B33A9675-A3EC-4C06-92C3-78E6CFE1714A}">
-  <ds:schemaRefs>
-    <ds:schemaRef ds:uri="8b529f77-48ab-4581-b468-93f09345b8aa"/>
-    <ds:schemaRef ds:uri="http://schemas.microsoft.com/office/2006/metadata/properties"/>
-    <ds:schemaRef ds:uri="http://purl.org/dc/dcmitype/"/>
-    <ds:schemaRef ds:uri="http://purl.org/dc/elements/1.1/"/>
-    <ds:schemaRef ds:uri="http://purl.org/dc/terms/"/>
-    <ds:schemaRef ds:uri="2295e2e7-0eeb-498e-8716-217bb2ee6ee3"/>
-    <ds:schemaRef ds:uri="http://schemas.microsoft.com/office/2006/documentManagement/types"/>
-    <ds:schemaRef ds:uri="http://schemas.microsoft.com/office/infopath/2007/PartnerControls"/>
-    <ds:schemaRef ds:uri="http://schemas.openxmlformats.org/package/2006/metadata/core-properties"/>
-    <ds:schemaRef ds:uri="http://www.w3.org/XML/1998/namespace"/>
-  </ds:schemaRefs>
-</ds:datastoreItem>
+<file path=customXml/item2.xml><?xml version="1.0" encoding="utf-8"?>
+<?mso-contentType ?>
+<FormTemplates xmlns="http://schemas.microsoft.com/sharepoint/v3/contenttype/forms">
+  <Display>DocumentLibraryForm</Display>
+  <Edit>DocumentLibraryForm</Edit>
+  <New>DocumentLibraryForm</New>
+</FormTemplates>
 </file>
 
-<file path=customXml/itemProps2.xml><?xml version="1.0" encoding="utf-8"?>
-<ds:datastoreItem xmlns:ds="http://schemas.openxmlformats.org/officeDocument/2006/customXml" ds:itemID="{240CDB59-0D44-4118-9735-89243C6AED60}">
-  <ds:schemaRefs>
-    <ds:schemaRef ds:uri="http://schemas.microsoft.com/sharepoint/v3/contenttype/forms"/>
-  </ds:schemaRefs>
-</ds:datastoreItem>
+<file path=customXml/item3.xml><?xml version="1.0" encoding="utf-8"?>
+<p:properties xmlns:p="http://schemas.microsoft.com/office/2006/metadata/properties" xmlns:xsi="http://www.w3.org/2001/XMLSchema-instance" xmlns:pc="http://schemas.microsoft.com/office/infopath/2007/PartnerControls">
+  <documentManagement>
+    <TrackTaxHTField0 xmlns="2295e2e7-0eeb-498e-8716-217bb2ee6ee3">
+      <Terms xmlns="http://schemas.microsoft.com/office/infopath/2007/PartnerControls"/>
+    </TrackTaxHTField0>
+    <CampaignTaxHTField0 xmlns="2295e2e7-0eeb-498e-8716-217bb2ee6ee3">
+      <Terms xmlns="http://schemas.microsoft.com/office/infopath/2007/PartnerControls"/>
+    </CampaignTaxHTField0>
+    <Event_x0020_End_x0020_Date xmlns="2295e2e7-0eeb-498e-8716-217bb2ee6ee3">2011-04-14T07:00:00+00:00</Event_x0020_End_x0020_Date>
+    <Event_x0020_Start_x0020_Date xmlns="2295e2e7-0eeb-498e-8716-217bb2ee6ee3">2011-04-12T07:00:00+00:00</Event_x0020_Start_x0020_Date>
+    <MS_x0020_Speaker xmlns="2295e2e7-0eeb-498e-8716-217bb2ee6ee3">
+      <UserInfo>
+        <DisplayName/>
+        <AccountId xsi:nil="true"/>
+        <AccountType/>
+      </UserInfo>
+    </MS_x0020_Speaker>
+    <External_x0020_Speaker xmlns="2295e2e7-0eeb-498e-8716-217bb2ee6ee3">Jim Wooley</External_x0020_Speaker>
+    <Session_x0020_Code xmlns="2295e2e7-0eeb-498e-8716-217bb2ee6ee3">Ext08</Session_x0020_Code>
+    <ProductTaxHTField0 xmlns="2295e2e7-0eeb-498e-8716-217bb2ee6ee3">
+      <Terms xmlns="http://schemas.microsoft.com/office/infopath/2007/PartnerControls"/>
+    </ProductTaxHTField0>
+    <Presentation_x0020_Date xmlns="2295e2e7-0eeb-498e-8716-217bb2ee6ee3">2011-04-12T00:00:00</Presentation_x0020_Date>
+    <Event_x0020_LocationTaxHTField0 xmlns="2295e2e7-0eeb-498e-8716-217bb2ee6ee3">
+      <Terms xmlns="http://schemas.microsoft.com/office/infopath/2007/PartnerControls">
+        <TermInfo xmlns="http://schemas.microsoft.com/office/infopath/2007/PartnerControls">
+          <TermName xmlns="http://schemas.microsoft.com/office/infopath/2007/PartnerControls">Las Vegas</TermName>
+          <TermId xmlns="http://schemas.microsoft.com/office/infopath/2007/PartnerControls">66540359-439f-41eb-a371-8b4c5897c6f3</TermId>
+        </TermInfo>
+      </Terms>
+    </Event_x0020_LocationTaxHTField0>
+    <Event1TaxHTField0 xmlns="2295e2e7-0eeb-498e-8716-217bb2ee6ee3">
+      <Terms xmlns="http://schemas.microsoft.com/office/infopath/2007/PartnerControls">
+        <TermInfo xmlns="http://schemas.microsoft.com/office/infopath/2007/PartnerControls">
+          <TermName xmlns="http://schemas.microsoft.com/office/infopath/2007/PartnerControls">MIX</TermName>
+          <TermId xmlns="http://schemas.microsoft.com/office/infopath/2007/PartnerControls">a76b9c48-178b-43cd-8766-08bc07195231</TermId>
+        </TermInfo>
+      </Terms>
+    </Event1TaxHTField0>
+    <AudienceTaxHTField0 xmlns="8b529f77-48ab-4581-b468-93f09345b8aa">
+      <Terms xmlns="http://schemas.microsoft.com/office/infopath/2007/PartnerControls">
+        <TermInfo xmlns="http://schemas.microsoft.com/office/infopath/2007/PartnerControls">
+          <TermName xmlns="http://schemas.microsoft.com/office/infopath/2007/PartnerControls">Developers</TermName>
+          <TermId xmlns="http://schemas.microsoft.com/office/infopath/2007/PartnerControls">389e14a2-def5-4335-8627-c0368c2934a2</TermId>
+        </TermInfo>
+      </Terms>
+    </AudienceTaxHTField0>
+    <MS_x0020_Content_x0020_Owner xmlns="2295e2e7-0eeb-498e-8716-217bb2ee6ee3">
+      <UserInfo>
+        <DisplayName/>
+        <AccountId xsi:nil="true"/>
+        <AccountType/>
+      </UserInfo>
+    </MS_x0020_Content_x0020_Owner>
+    <TaxCatchAll xmlns="2295e2e7-0eeb-498e-8716-217bb2ee6ee3">
+      <Value>119</Value>
+      <Value>118</Value>
+      <Value>34</Value>
+      <Value>88</Value>
+    </TaxCatchAll>
+    <Event_x0020_VenueTaxHTField0 xmlns="2295e2e7-0eeb-498e-8716-217bb2ee6ee3">
+      <Terms xmlns="http://schemas.microsoft.com/office/infopath/2007/PartnerControls">
+        <TermInfo xmlns="http://schemas.microsoft.com/office/infopath/2007/PartnerControls">
+          <TermName xmlns="http://schemas.microsoft.com/office/infopath/2007/PartnerControls">Mandalay Bay Las Vegas,NV</TermName>
+          <TermId xmlns="http://schemas.microsoft.com/office/infopath/2007/PartnerControls">fc459485-1b13-4ce3-bfeb-ea2ace2bf8f6</TermId>
+        </TermInfo>
+      </Terms>
+    </Event_x0020_VenueTaxHTField0>
+  </documentManagement>
+</p:properties>
 </file>
 
-<file path=customXml/itemProps3.xml><?xml version="1.0" encoding="utf-8"?>
+<file path=customXml/itemProps1.xml><?xml version="1.0" encoding="utf-8"?>
 <ds:datastoreItem xmlns:ds="http://schemas.openxmlformats.org/officeDocument/2006/customXml" ds:itemID="{0FA3ED0D-98B7-4246-89A3-8FA787E1E732}">
   <ds:schemaRefs>
     <ds:schemaRef ds:uri="http://schemas.microsoft.com/office/2006/metadata/contentType"/>
@@ -44076,4 +43161,29 @@
     <ds:schemaRef ds:uri="http://schemas.microsoft.com/internal/obd"/>
   </ds:schemaRefs>
 </ds:datastoreItem>
+</file>
+
+<file path=customXml/itemProps2.xml><?xml version="1.0" encoding="utf-8"?>
+<ds:datastoreItem xmlns:ds="http://schemas.openxmlformats.org/officeDocument/2006/customXml" ds:itemID="{240CDB59-0D44-4118-9735-89243C6AED60}">
+  <ds:schemaRefs>
+    <ds:schemaRef ds:uri="http://schemas.microsoft.com/sharepoint/v3/contenttype/forms"/>
+  </ds:schemaRefs>
+</ds:datastoreItem>
+</file>
+
+<file path=customXml/itemProps3.xml><?xml version="1.0" encoding="utf-8"?>
+<ds:datastoreItem xmlns:ds="http://schemas.openxmlformats.org/officeDocument/2006/customXml" ds:itemID="{B33A9675-A3EC-4C06-92C3-78E6CFE1714A}">
+  <ds:schemaRefs>
+    <ds:schemaRef ds:uri="8b529f77-48ab-4581-b468-93f09345b8aa"/>
+    <ds:schemaRef ds:uri="http://schemas.microsoft.com/office/2006/metadata/properties"/>
+    <ds:schemaRef ds:uri="http://purl.org/dc/dcmitype/"/>
+    <ds:schemaRef ds:uri="http://purl.org/dc/elements/1.1/"/>
+    <ds:schemaRef ds:uri="http://purl.org/dc/terms/"/>
+    <ds:schemaRef ds:uri="2295e2e7-0eeb-498e-8716-217bb2ee6ee3"/>
+    <ds:schemaRef ds:uri="http://schemas.microsoft.com/office/2006/documentManagement/types"/>
+    <ds:schemaRef ds:uri="http://schemas.microsoft.com/office/infopath/2007/PartnerControls"/>
+    <ds:schemaRef ds:uri="http://schemas.openxmlformats.org/package/2006/metadata/core-properties"/>
+    <ds:schemaRef ds:uri="http://www.w3.org/XML/1998/namespace"/>
+  </ds:schemaRefs>
+</ds:datastoreItem>
 </file>